--- a/Day5/Ch06_SparkStreaming.pptx
+++ b/Day5/Ch06_SparkStreaming.pptx
@@ -20,10 +20,10 @@
     <p:sldId id="405" r:id="rId12"/>
     <p:sldId id="406" r:id="rId13"/>
     <p:sldId id="407" r:id="rId14"/>
-    <p:sldId id="409" r:id="rId15"/>
-    <p:sldId id="408" r:id="rId16"/>
-    <p:sldId id="410" r:id="rId17"/>
-    <p:sldId id="411" r:id="rId18"/>
+    <p:sldId id="414" r:id="rId15"/>
+    <p:sldId id="409" r:id="rId16"/>
+    <p:sldId id="408" r:id="rId17"/>
+    <p:sldId id="410" r:id="rId18"/>
     <p:sldId id="413" r:id="rId19"/>
   </p:sldIdLst>
   <p:sldSz cx="9144000" cy="6858000" type="screen4x3"/>
@@ -204,10 +204,6 @@
     </p:ext>
   </p:extLst>
 </p:presentation>
-</file>
-
-<file path=ppt/revisionInfo.xml><?xml version="1.0" encoding="utf-8"?>
-<p1510:revInfo xmlns:a="http://schemas.openxmlformats.org/drawingml/2006/main" xmlns:r="http://schemas.openxmlformats.org/officeDocument/2006/relationships" xmlns:p1510="http://schemas.microsoft.com/office/powerpoint/2015/10/main"/>
 </file>
 
 <file path=ppt/handoutMasters/handoutMaster1.xml><?xml version="1.0" encoding="utf-8"?>
@@ -1249,6 +1245,72 @@
             <p:ph type="sldImg"/>
           </p:nvPr>
         </p:nvSpPr>
+        <p:spPr>
+          <a:xfrm>
+            <a:off x="1189038" y="701675"/>
+            <a:ext cx="4676775" cy="3508375"/>
+          </a:xfrm>
+        </p:spPr>
+      </p:sp>
+      <p:sp>
+        <p:nvSpPr>
+          <p:cNvPr id="3" name="Notes Placeholder 2"/>
+          <p:cNvSpPr>
+            <a:spLocks noGrp="1"/>
+          </p:cNvSpPr>
+          <p:nvPr>
+            <p:ph type="body" idx="1"/>
+          </p:nvPr>
+        </p:nvSpPr>
+        <p:spPr/>
+        <p:txBody>
+          <a:bodyPr/>
+          <a:lstStyle/>
+          <a:p>
+            <a:endParaRPr lang="en-US" dirty="0"/>
+          </a:p>
+        </p:txBody>
+      </p:sp>
+    </p:spTree>
+    <p:extLst>
+      <p:ext uri="{BB962C8B-B14F-4D97-AF65-F5344CB8AC3E}">
+        <p14:creationId xmlns:p14="http://schemas.microsoft.com/office/powerpoint/2010/main" val="2054287834"/>
+      </p:ext>
+    </p:extLst>
+  </p:cSld>
+  <p:clrMapOvr>
+    <a:masterClrMapping/>
+  </p:clrMapOvr>
+</p:notes>
+</file>
+
+<file path=ppt/notesSlides/notesSlide11.xml><?xml version="1.0" encoding="utf-8"?>
+<p:notes xmlns:a="http://schemas.openxmlformats.org/drawingml/2006/main" xmlns:r="http://schemas.openxmlformats.org/officeDocument/2006/relationships" xmlns:p="http://schemas.openxmlformats.org/presentationml/2006/main">
+  <p:cSld>
+    <p:spTree>
+      <p:nvGrpSpPr>
+        <p:cNvPr id="1" name=""/>
+        <p:cNvGrpSpPr/>
+        <p:nvPr/>
+      </p:nvGrpSpPr>
+      <p:grpSpPr>
+        <a:xfrm>
+          <a:off x="0" y="0"/>
+          <a:ext cx="0" cy="0"/>
+          <a:chOff x="0" y="0"/>
+          <a:chExt cx="0" cy="0"/>
+        </a:xfrm>
+      </p:grpSpPr>
+      <p:sp>
+        <p:nvSpPr>
+          <p:cNvPr id="2" name="Slide Image Placeholder 1"/>
+          <p:cNvSpPr>
+            <a:spLocks noGrp="1" noRot="1" noChangeAspect="1"/>
+          </p:cNvSpPr>
+          <p:nvPr>
+            <p:ph type="sldImg"/>
+          </p:nvPr>
+        </p:nvSpPr>
         <p:spPr/>
       </p:sp>
       <p:sp>
@@ -1283,7 +1345,7 @@
 </p:notes>
 </file>
 
-<file path=ppt/notesSlides/notesSlide11.xml><?xml version="1.0" encoding="utf-8"?>
+<file path=ppt/notesSlides/notesSlide12.xml><?xml version="1.0" encoding="utf-8"?>
 <p:notes xmlns:a="http://schemas.openxmlformats.org/drawingml/2006/main" xmlns:r="http://schemas.openxmlformats.org/officeDocument/2006/relationships" xmlns:p="http://schemas.openxmlformats.org/presentationml/2006/main">
   <p:cSld>
     <p:spTree>
@@ -1691,7 +1753,12 @@
             <p:ph type="sldImg"/>
           </p:nvPr>
         </p:nvSpPr>
-        <p:spPr/>
+        <p:spPr>
+          <a:xfrm>
+            <a:off x="1189038" y="701675"/>
+            <a:ext cx="4676775" cy="3508375"/>
+          </a:xfrm>
+        </p:spPr>
       </p:sp>
       <p:sp>
         <p:nvSpPr>
@@ -1752,7 +1819,12 @@
             <p:ph type="sldImg"/>
           </p:nvPr>
         </p:nvSpPr>
-        <p:spPr/>
+        <p:spPr>
+          <a:xfrm>
+            <a:off x="1189038" y="701675"/>
+            <a:ext cx="4676775" cy="3508375"/>
+          </a:xfrm>
+        </p:spPr>
       </p:sp>
       <p:sp>
         <p:nvSpPr>
@@ -1842,7 +1914,7 @@
     </p:spTree>
     <p:extLst>
       <p:ext uri="{BB962C8B-B14F-4D97-AF65-F5344CB8AC3E}">
-        <p14:creationId xmlns:p14="http://schemas.microsoft.com/office/powerpoint/2010/main" val="2054287834"/>
+        <p14:creationId xmlns:p14="http://schemas.microsoft.com/office/powerpoint/2010/main" val="3755410210"/>
       </p:ext>
     </p:extLst>
   </p:cSld>
@@ -6981,6 +7053,511 @@
       </p:grpSpPr>
       <p:sp>
         <p:nvSpPr>
+          <p:cNvPr id="4" name="Content Placeholder 3">
+            <a:extLst>
+              <a:ext uri="{FF2B5EF4-FFF2-40B4-BE49-F238E27FC236}">
+                <a16:creationId xmlns:a16="http://schemas.microsoft.com/office/drawing/2014/main" id="{A88C9E6D-9B9D-425F-BBA2-44819BF2D51B}"/>
+              </a:ext>
+            </a:extLst>
+          </p:cNvPr>
+          <p:cNvSpPr>
+            <a:spLocks noGrp="1"/>
+          </p:cNvSpPr>
+          <p:nvPr>
+            <p:ph idx="1"/>
+          </p:nvPr>
+        </p:nvSpPr>
+        <p:spPr/>
+        <p:txBody>
+          <a:bodyPr/>
+          <a:lstStyle/>
+          <a:p>
+            <a:pPr lvl="0"/>
+            <a:r>
+              <a:rPr lang="x-none" altLang="x-none" dirty="0"/>
+              <a:t>fileStream() monitors a file system directory</a:t>
+            </a:r>
+          </a:p>
+          <a:p>
+            <a:pPr lvl="1"/>
+            <a:r>
+              <a:rPr lang="x-none" altLang="x-none" dirty="0"/>
+              <a:t>Called on a StreamingContext instance</a:t>
+            </a:r>
+          </a:p>
+          <a:p>
+            <a:pPr lvl="1"/>
+            <a:r>
+              <a:rPr lang="x-none" altLang="x-none" dirty="0"/>
+              <a:t>Delegates to an underlying Hadoop InputFormat</a:t>
+            </a:r>
+          </a:p>
+          <a:p>
+            <a:pPr lvl="0"/>
+            <a:r>
+              <a:rPr lang="x-none" altLang="x-none" dirty="0"/>
+              <a:t>Files must be created in, or copied/moved to the monitored directory</a:t>
+            </a:r>
+          </a:p>
+          <a:p>
+            <a:pPr lvl="1"/>
+            <a:r>
+              <a:rPr lang="x-none" altLang="x-none" dirty="0"/>
+              <a:t>If required, existing files can be processed at start-up</a:t>
+            </a:r>
+          </a:p>
+          <a:p>
+            <a:pPr lvl="1"/>
+            <a:r>
+              <a:rPr lang="x-none" altLang="x-none" dirty="0"/>
+              <a:t>File names starting with '.' are ignored</a:t>
+            </a:r>
+          </a:p>
+          <a:p>
+            <a:pPr lvl="2"/>
+            <a:r>
+              <a:rPr lang="x-none" altLang="x-none" dirty="0"/>
+              <a:t>A generic file name filter can be specified</a:t>
+            </a:r>
+          </a:p>
+          <a:p>
+            <a:pPr lvl="0"/>
+            <a:r>
+              <a:rPr lang="x-none" altLang="x-none" dirty="0"/>
+              <a:t>The textFileStream() method delegates to a TextInputFormat </a:t>
+            </a:r>
+            <a:endParaRPr lang="en-CA" altLang="x-none" dirty="0"/>
+          </a:p>
+          <a:p>
+            <a:pPr lvl="0"/>
+            <a:r>
+              <a:rPr lang="x-none" altLang="x-none" dirty="0"/>
+              <a:t>For full details, view the Spark Scala API documentation</a:t>
+            </a:r>
+          </a:p>
+          <a:p>
+            <a:pPr marL="0" lvl="0" indent="0">
+              <a:spcBef>
+                <a:spcPts val="0"/>
+              </a:spcBef>
+              <a:buNone/>
+            </a:pPr>
+            <a:endParaRPr lang="en-US" altLang="x-none" sz="1200" dirty="0">
+              <a:latin typeface="Courier New" panose="02070309020205020404" pitchFamily="49" charset="0"/>
+              <a:cs typeface="Courier New" panose="02070309020205020404" pitchFamily="49" charset="0"/>
+            </a:endParaRPr>
+          </a:p>
+          <a:p>
+            <a:pPr marL="0" lvl="0" indent="0">
+              <a:spcBef>
+                <a:spcPts val="0"/>
+              </a:spcBef>
+              <a:buNone/>
+            </a:pPr>
+            <a:endParaRPr lang="en-US" altLang="x-none" sz="1200" dirty="0">
+              <a:latin typeface="Courier New" panose="02070309020205020404" pitchFamily="49" charset="0"/>
+              <a:cs typeface="Courier New" panose="02070309020205020404" pitchFamily="49" charset="0"/>
+            </a:endParaRPr>
+          </a:p>
+          <a:p>
+            <a:pPr marL="0" lvl="0" indent="0">
+              <a:spcBef>
+                <a:spcPts val="0"/>
+              </a:spcBef>
+              <a:buNone/>
+            </a:pPr>
+            <a:r>
+              <a:rPr lang="en-US" altLang="x-none" sz="1200" dirty="0" err="1">
+                <a:latin typeface="Courier New" panose="02070309020205020404" pitchFamily="49" charset="0"/>
+                <a:cs typeface="Courier New" panose="02070309020205020404" pitchFamily="49" charset="0"/>
+              </a:rPr>
+              <a:t>ssc</a:t>
+            </a:r>
+            <a:r>
+              <a:rPr lang="en-US" altLang="x-none" sz="1200" dirty="0">
+                <a:latin typeface="Courier New" panose="02070309020205020404" pitchFamily="49" charset="0"/>
+                <a:cs typeface="Courier New" panose="02070309020205020404" pitchFamily="49" charset="0"/>
+              </a:rPr>
+              <a:t> = </a:t>
+            </a:r>
+            <a:r>
+              <a:rPr lang="en-US" altLang="x-none" sz="1200" dirty="0" err="1">
+                <a:latin typeface="Courier New" panose="02070309020205020404" pitchFamily="49" charset="0"/>
+                <a:cs typeface="Courier New" panose="02070309020205020404" pitchFamily="49" charset="0"/>
+              </a:rPr>
+              <a:t>StreamingContext</a:t>
+            </a:r>
+            <a:r>
+              <a:rPr lang="en-US" altLang="x-none" sz="1200" dirty="0">
+                <a:latin typeface="Courier New" panose="02070309020205020404" pitchFamily="49" charset="0"/>
+                <a:cs typeface="Courier New" panose="02070309020205020404" pitchFamily="49" charset="0"/>
+              </a:rPr>
+              <a:t>(</a:t>
+            </a:r>
+            <a:r>
+              <a:rPr lang="en-US" altLang="x-none" sz="1200" dirty="0" err="1">
+                <a:latin typeface="Courier New" panose="02070309020205020404" pitchFamily="49" charset="0"/>
+                <a:cs typeface="Courier New" panose="02070309020205020404" pitchFamily="49" charset="0"/>
+              </a:rPr>
+              <a:t>sc</a:t>
+            </a:r>
+            <a:r>
+              <a:rPr lang="en-US" altLang="x-none" sz="1200" dirty="0">
+                <a:latin typeface="Courier New" panose="02070309020205020404" pitchFamily="49" charset="0"/>
+                <a:cs typeface="Courier New" panose="02070309020205020404" pitchFamily="49" charset="0"/>
+              </a:rPr>
+              <a:t>, 5)</a:t>
+            </a:r>
+          </a:p>
+          <a:p>
+            <a:pPr marL="0" lvl="0" indent="0">
+              <a:spcBef>
+                <a:spcPts val="0"/>
+              </a:spcBef>
+              <a:buNone/>
+            </a:pPr>
+            <a:r>
+              <a:rPr lang="en-US" altLang="x-none" sz="1200" dirty="0">
+                <a:latin typeface="Courier New" panose="02070309020205020404" pitchFamily="49" charset="0"/>
+                <a:cs typeface="Courier New" panose="02070309020205020404" pitchFamily="49" charset="0"/>
+              </a:rPr>
+              <a:t>lines = </a:t>
+            </a:r>
+            <a:r>
+              <a:rPr lang="en-US" altLang="x-none" sz="1200" dirty="0" err="1">
+                <a:latin typeface="Courier New" panose="02070309020205020404" pitchFamily="49" charset="0"/>
+                <a:cs typeface="Courier New" panose="02070309020205020404" pitchFamily="49" charset="0"/>
+              </a:rPr>
+              <a:t>ssc.textFileStream</a:t>
+            </a:r>
+            <a:r>
+              <a:rPr lang="en-US" altLang="x-none" sz="1200" dirty="0">
+                <a:latin typeface="Courier New" panose="02070309020205020404" pitchFamily="49" charset="0"/>
+                <a:cs typeface="Courier New" panose="02070309020205020404" pitchFamily="49" charset="0"/>
+              </a:rPr>
+              <a:t>('stream')</a:t>
+            </a:r>
+          </a:p>
+          <a:p>
+            <a:pPr marL="0" lvl="0" indent="0">
+              <a:spcBef>
+                <a:spcPts val="0"/>
+              </a:spcBef>
+              <a:buNone/>
+            </a:pPr>
+            <a:r>
+              <a:rPr lang="en-US" altLang="x-none" sz="1200" dirty="0">
+                <a:latin typeface="Courier New" panose="02070309020205020404" pitchFamily="49" charset="0"/>
+                <a:cs typeface="Courier New" panose="02070309020205020404" pitchFamily="49" charset="0"/>
+              </a:rPr>
+              <a:t>words = </a:t>
+            </a:r>
+            <a:r>
+              <a:rPr lang="en-US" altLang="x-none" sz="1200" dirty="0" err="1">
+                <a:latin typeface="Courier New" panose="02070309020205020404" pitchFamily="49" charset="0"/>
+                <a:cs typeface="Courier New" panose="02070309020205020404" pitchFamily="49" charset="0"/>
+              </a:rPr>
+              <a:t>lines.flatMap</a:t>
+            </a:r>
+            <a:r>
+              <a:rPr lang="en-US" altLang="x-none" sz="1200" dirty="0">
+                <a:latin typeface="Courier New" panose="02070309020205020404" pitchFamily="49" charset="0"/>
+                <a:cs typeface="Courier New" panose="02070309020205020404" pitchFamily="49" charset="0"/>
+              </a:rPr>
+              <a:t>(lambda line: </a:t>
+            </a:r>
+            <a:r>
+              <a:rPr lang="en-US" altLang="x-none" sz="1200" dirty="0" err="1">
+                <a:latin typeface="Courier New" panose="02070309020205020404" pitchFamily="49" charset="0"/>
+                <a:cs typeface="Courier New" panose="02070309020205020404" pitchFamily="49" charset="0"/>
+              </a:rPr>
+              <a:t>line.split</a:t>
+            </a:r>
+            <a:r>
+              <a:rPr lang="en-US" altLang="x-none" sz="1200" dirty="0">
+                <a:latin typeface="Courier New" panose="02070309020205020404" pitchFamily="49" charset="0"/>
+                <a:cs typeface="Courier New" panose="02070309020205020404" pitchFamily="49" charset="0"/>
+              </a:rPr>
+              <a:t>(' '))</a:t>
+            </a:r>
+          </a:p>
+          <a:p>
+            <a:pPr marL="0" lvl="0" indent="0">
+              <a:spcBef>
+                <a:spcPts val="0"/>
+              </a:spcBef>
+              <a:buNone/>
+            </a:pPr>
+            <a:r>
+              <a:rPr lang="en-US" altLang="x-none" sz="1200" dirty="0">
+                <a:latin typeface="Courier New" panose="02070309020205020404" pitchFamily="49" charset="0"/>
+                <a:cs typeface="Courier New" panose="02070309020205020404" pitchFamily="49" charset="0"/>
+              </a:rPr>
+              <a:t>pairs = </a:t>
+            </a:r>
+            <a:r>
+              <a:rPr lang="en-US" altLang="x-none" sz="1200" dirty="0" err="1">
+                <a:latin typeface="Courier New" panose="02070309020205020404" pitchFamily="49" charset="0"/>
+                <a:cs typeface="Courier New" panose="02070309020205020404" pitchFamily="49" charset="0"/>
+              </a:rPr>
+              <a:t>words.map</a:t>
+            </a:r>
+            <a:r>
+              <a:rPr lang="en-US" altLang="x-none" sz="1200" dirty="0">
+                <a:latin typeface="Courier New" panose="02070309020205020404" pitchFamily="49" charset="0"/>
+                <a:cs typeface="Courier New" panose="02070309020205020404" pitchFamily="49" charset="0"/>
+              </a:rPr>
+              <a:t>(lambda w: (w, 1))</a:t>
+            </a:r>
+          </a:p>
+          <a:p>
+            <a:pPr marL="0" lvl="0" indent="0">
+              <a:spcBef>
+                <a:spcPts val="0"/>
+              </a:spcBef>
+              <a:buNone/>
+            </a:pPr>
+            <a:r>
+              <a:rPr lang="en-US" altLang="x-none" sz="1200" dirty="0" err="1">
+                <a:latin typeface="Courier New" panose="02070309020205020404" pitchFamily="49" charset="0"/>
+                <a:cs typeface="Courier New" panose="02070309020205020404" pitchFamily="49" charset="0"/>
+              </a:rPr>
+              <a:t>wordCount</a:t>
+            </a:r>
+            <a:r>
+              <a:rPr lang="en-US" altLang="x-none" sz="1200" dirty="0">
+                <a:latin typeface="Courier New" panose="02070309020205020404" pitchFamily="49" charset="0"/>
+                <a:cs typeface="Courier New" panose="02070309020205020404" pitchFamily="49" charset="0"/>
+              </a:rPr>
+              <a:t> = </a:t>
+            </a:r>
+            <a:r>
+              <a:rPr lang="en-US" altLang="x-none" sz="1200" dirty="0" err="1">
+                <a:latin typeface="Courier New" panose="02070309020205020404" pitchFamily="49" charset="0"/>
+                <a:cs typeface="Courier New" panose="02070309020205020404" pitchFamily="49" charset="0"/>
+              </a:rPr>
+              <a:t>pairs.reduceByKey</a:t>
+            </a:r>
+            <a:r>
+              <a:rPr lang="en-US" altLang="x-none" sz="1200" dirty="0">
+                <a:latin typeface="Courier New" panose="02070309020205020404" pitchFamily="49" charset="0"/>
+                <a:cs typeface="Courier New" panose="02070309020205020404" pitchFamily="49" charset="0"/>
+              </a:rPr>
+              <a:t>(lambda x, y : x + y).transform(lambda x : </a:t>
+            </a:r>
+            <a:r>
+              <a:rPr lang="en-US" altLang="x-none" sz="1200" dirty="0" err="1">
+                <a:latin typeface="Courier New" panose="02070309020205020404" pitchFamily="49" charset="0"/>
+                <a:cs typeface="Courier New" panose="02070309020205020404" pitchFamily="49" charset="0"/>
+              </a:rPr>
+              <a:t>x.sortBy</a:t>
+            </a:r>
+            <a:r>
+              <a:rPr lang="en-US" altLang="x-none" sz="1200" dirty="0">
+                <a:latin typeface="Courier New" panose="02070309020205020404" pitchFamily="49" charset="0"/>
+                <a:cs typeface="Courier New" panose="02070309020205020404" pitchFamily="49" charset="0"/>
+              </a:rPr>
+              <a:t>(lambda x : -x[1]))</a:t>
+            </a:r>
+          </a:p>
+          <a:p>
+            <a:pPr marL="0" lvl="0" indent="0">
+              <a:spcBef>
+                <a:spcPts val="0"/>
+              </a:spcBef>
+              <a:buNone/>
+            </a:pPr>
+            <a:r>
+              <a:rPr lang="en-US" altLang="x-none" sz="1200" dirty="0" err="1">
+                <a:latin typeface="Courier New" panose="02070309020205020404" pitchFamily="49" charset="0"/>
+                <a:cs typeface="Courier New" panose="02070309020205020404" pitchFamily="49" charset="0"/>
+              </a:rPr>
+              <a:t>wordCount.pprint</a:t>
+            </a:r>
+            <a:r>
+              <a:rPr lang="en-US" altLang="x-none" sz="1200" dirty="0">
+                <a:latin typeface="Courier New" panose="02070309020205020404" pitchFamily="49" charset="0"/>
+                <a:cs typeface="Courier New" panose="02070309020205020404" pitchFamily="49" charset="0"/>
+              </a:rPr>
+              <a:t>()</a:t>
+            </a:r>
+          </a:p>
+          <a:p>
+            <a:pPr marL="0" lvl="0" indent="0">
+              <a:spcBef>
+                <a:spcPts val="0"/>
+              </a:spcBef>
+              <a:buNone/>
+            </a:pPr>
+            <a:r>
+              <a:rPr lang="en-US" altLang="x-none" sz="1200" dirty="0" err="1">
+                <a:latin typeface="Courier New" panose="02070309020205020404" pitchFamily="49" charset="0"/>
+                <a:cs typeface="Courier New" panose="02070309020205020404" pitchFamily="49" charset="0"/>
+              </a:rPr>
+              <a:t>ssc.start</a:t>
+            </a:r>
+            <a:r>
+              <a:rPr lang="en-US" altLang="x-none" sz="1200" dirty="0">
+                <a:latin typeface="Courier New" panose="02070309020205020404" pitchFamily="49" charset="0"/>
+                <a:cs typeface="Courier New" panose="02070309020205020404" pitchFamily="49" charset="0"/>
+              </a:rPr>
+              <a:t>()</a:t>
+            </a:r>
+          </a:p>
+          <a:p>
+            <a:pPr marL="0" lvl="0" indent="0">
+              <a:spcBef>
+                <a:spcPts val="0"/>
+              </a:spcBef>
+              <a:buNone/>
+            </a:pPr>
+            <a:r>
+              <a:rPr lang="en-US" altLang="x-none" sz="1200" dirty="0" err="1">
+                <a:latin typeface="Courier New" panose="02070309020205020404" pitchFamily="49" charset="0"/>
+                <a:cs typeface="Courier New" panose="02070309020205020404" pitchFamily="49" charset="0"/>
+              </a:rPr>
+              <a:t>ssc.awaitTerminationOrTimeout</a:t>
+            </a:r>
+            <a:r>
+              <a:rPr lang="en-US" altLang="x-none" sz="1200" dirty="0">
+                <a:latin typeface="Courier New" panose="02070309020205020404" pitchFamily="49" charset="0"/>
+                <a:cs typeface="Courier New" panose="02070309020205020404" pitchFamily="49" charset="0"/>
+              </a:rPr>
+              <a:t>(10000)</a:t>
+            </a:r>
+          </a:p>
+          <a:p>
+            <a:pPr marL="0" lvl="0" indent="0">
+              <a:spcBef>
+                <a:spcPts val="0"/>
+              </a:spcBef>
+              <a:buNone/>
+            </a:pPr>
+            <a:r>
+              <a:rPr lang="en-US" altLang="x-none" sz="1200" dirty="0" err="1">
+                <a:latin typeface="Courier New" panose="02070309020205020404" pitchFamily="49" charset="0"/>
+                <a:cs typeface="Courier New" panose="02070309020205020404" pitchFamily="49" charset="0"/>
+              </a:rPr>
+              <a:t>ssc.stop</a:t>
+            </a:r>
+            <a:r>
+              <a:rPr lang="en-US" altLang="x-none" sz="1200" dirty="0">
+                <a:latin typeface="Courier New" panose="02070309020205020404" pitchFamily="49" charset="0"/>
+                <a:cs typeface="Courier New" panose="02070309020205020404" pitchFamily="49" charset="0"/>
+              </a:rPr>
+              <a:t>()</a:t>
+            </a:r>
+          </a:p>
+          <a:p>
+            <a:endParaRPr lang="en-US" dirty="0"/>
+          </a:p>
+        </p:txBody>
+      </p:sp>
+      <p:sp>
+        <p:nvSpPr>
+          <p:cNvPr id="3" name="Title 2"/>
+          <p:cNvSpPr>
+            <a:spLocks noGrp="1"/>
+          </p:cNvSpPr>
+          <p:nvPr>
+            <p:ph type="title"/>
+          </p:nvPr>
+        </p:nvSpPr>
+        <p:spPr/>
+        <p:txBody>
+          <a:bodyPr/>
+          <a:lstStyle/>
+          <a:p>
+            <a:r>
+              <a:rPr lang="en-US" dirty="0" err="1"/>
+              <a:t>DataFrames</a:t>
+            </a:r>
+            <a:endParaRPr lang="en-US" dirty="0"/>
+          </a:p>
+        </p:txBody>
+      </p:sp>
+      <p:sp>
+        <p:nvSpPr>
+          <p:cNvPr id="9" name="Rectangle 8">
+            <a:extLst>
+              <a:ext uri="{FF2B5EF4-FFF2-40B4-BE49-F238E27FC236}">
+                <a16:creationId xmlns:a16="http://schemas.microsoft.com/office/drawing/2014/main" id="{5636819A-7966-45F4-8810-C8FF4D34983B}"/>
+              </a:ext>
+            </a:extLst>
+          </p:cNvPr>
+          <p:cNvSpPr/>
+          <p:nvPr/>
+        </p:nvSpPr>
+        <p:spPr bwMode="auto">
+          <a:xfrm>
+            <a:off x="539014" y="4389120"/>
+            <a:ext cx="8239225" cy="1985554"/>
+          </a:xfrm>
+          <a:prstGeom prst="rect">
+            <a:avLst/>
+          </a:prstGeom>
+          <a:noFill/>
+          <a:ln w="28575" algn="ctr">
+            <a:solidFill>
+              <a:schemeClr val="accent2">
+                <a:lumMod val="20000"/>
+                <a:lumOff val="80000"/>
+              </a:schemeClr>
+            </a:solidFill>
+            <a:round/>
+            <a:headEnd/>
+            <a:tailEnd/>
+          </a:ln>
+          <a:effectLst/>
+        </p:spPr>
+        <p:txBody>
+          <a:bodyPr wrap="square" rtlCol="0" anchor="ctr">
+            <a:spAutoFit/>
+          </a:bodyPr>
+          <a:lstStyle/>
+          <a:p>
+            <a:pPr algn="ctr"/>
+            <a:endParaRPr lang="en-US" sz="1600" dirty="0">
+              <a:solidFill>
+                <a:schemeClr val="tx1"/>
+              </a:solidFill>
+              <a:latin typeface="+mn-lt"/>
+            </a:endParaRPr>
+          </a:p>
+        </p:txBody>
+      </p:sp>
+    </p:spTree>
+    <p:extLst>
+      <p:ext uri="{BB962C8B-B14F-4D97-AF65-F5344CB8AC3E}">
+        <p14:creationId xmlns:p14="http://schemas.microsoft.com/office/powerpoint/2010/main" val="2131010596"/>
+      </p:ext>
+    </p:extLst>
+  </p:cSld>
+  <p:clrMapOvr>
+    <a:masterClrMapping/>
+  </p:clrMapOvr>
+</p:sld>
+</file>
+
+<file path=ppt/slides/slide11.xml><?xml version="1.0" encoding="utf-8"?>
+<p:sld xmlns:a="http://schemas.openxmlformats.org/drawingml/2006/main" xmlns:r="http://schemas.openxmlformats.org/officeDocument/2006/relationships" xmlns:p="http://schemas.openxmlformats.org/presentationml/2006/main">
+  <p:cSld>
+    <p:spTree>
+      <p:nvGrpSpPr>
+        <p:cNvPr id="1" name=""/>
+        <p:cNvGrpSpPr/>
+        <p:nvPr/>
+      </p:nvGrpSpPr>
+      <p:grpSpPr>
+        <a:xfrm>
+          <a:off x="0" y="0"/>
+          <a:ext cx="0" cy="0"/>
+          <a:chOff x="0" y="0"/>
+          <a:chExt cx="0" cy="0"/>
+        </a:xfrm>
+      </p:grpSpPr>
+      <p:sp>
+        <p:nvSpPr>
           <p:cNvPr id="6" name="Content Placeholder 5">
             <a:extLst>
               <a:ext uri="{FF2B5EF4-FFF2-40B4-BE49-F238E27FC236}">
@@ -7115,7 +7692,7 @@
 </p:sld>
 </file>
 
-<file path=ppt/slides/slide11.xml><?xml version="1.0" encoding="utf-8"?>
+<file path=ppt/slides/slide12.xml><?xml version="1.0" encoding="utf-8"?>
 <p:sld xmlns:a="http://schemas.openxmlformats.org/drawingml/2006/main" xmlns:r="http://schemas.openxmlformats.org/officeDocument/2006/relationships" xmlns:p="http://schemas.openxmlformats.org/presentationml/2006/main">
   <p:cSld>
     <p:spTree>
@@ -7346,7 +7923,7 @@
 </p:sld>
 </file>
 
-<file path=ppt/slides/slide12.xml><?xml version="1.0" encoding="utf-8"?>
+<file path=ppt/slides/slide13.xml><?xml version="1.0" encoding="utf-8"?>
 <p:sld xmlns:a="http://schemas.openxmlformats.org/drawingml/2006/main" xmlns:r="http://schemas.openxmlformats.org/officeDocument/2006/relationships" xmlns:p="http://schemas.openxmlformats.org/presentationml/2006/main">
   <p:cSld>
     <p:spTree>
@@ -7520,212 +8097,6 @@
     <p:extLst>
       <p:ext uri="{BB962C8B-B14F-4D97-AF65-F5344CB8AC3E}">
         <p14:creationId xmlns:p14="http://schemas.microsoft.com/office/powerpoint/2010/main" val="1428879476"/>
-      </p:ext>
-    </p:extLst>
-  </p:cSld>
-  <p:clrMapOvr>
-    <a:masterClrMapping/>
-  </p:clrMapOvr>
-</p:sld>
-</file>
-
-<file path=ppt/slides/slide13.xml><?xml version="1.0" encoding="utf-8"?>
-<p:sld xmlns:a="http://schemas.openxmlformats.org/drawingml/2006/main" xmlns:r="http://schemas.openxmlformats.org/officeDocument/2006/relationships" xmlns:p="http://schemas.openxmlformats.org/presentationml/2006/main">
-  <p:cSld>
-    <p:spTree>
-      <p:nvGrpSpPr>
-        <p:cNvPr id="1" name=""/>
-        <p:cNvGrpSpPr/>
-        <p:nvPr/>
-      </p:nvGrpSpPr>
-      <p:grpSpPr>
-        <a:xfrm>
-          <a:off x="0" y="0"/>
-          <a:ext cx="0" cy="0"/>
-          <a:chOff x="0" y="0"/>
-          <a:chExt cx="0" cy="0"/>
-        </a:xfrm>
-      </p:grpSpPr>
-      <p:sp>
-        <p:nvSpPr>
-          <p:cNvPr id="2" name="Content Placeholder 1">
-            <a:extLst>
-              <a:ext uri="{FF2B5EF4-FFF2-40B4-BE49-F238E27FC236}">
-                <a16:creationId xmlns:a16="http://schemas.microsoft.com/office/drawing/2014/main" id="{610E039F-DDEC-4038-974A-A02C666B0AE3}"/>
-              </a:ext>
-            </a:extLst>
-          </p:cNvPr>
-          <p:cNvSpPr>
-            <a:spLocks noGrp="1"/>
-          </p:cNvSpPr>
-          <p:nvPr>
-            <p:ph idx="1"/>
-          </p:nvPr>
-        </p:nvSpPr>
-        <p:spPr>
-          <a:xfrm>
-            <a:off x="581025" y="4928134"/>
-            <a:ext cx="8020050" cy="1300095"/>
-          </a:xfrm>
-        </p:spPr>
-        <p:txBody>
-          <a:bodyPr/>
-          <a:lstStyle/>
-          <a:p>
-            <a:r>
-              <a:rPr lang="en-US" dirty="0"/>
-              <a:t>Execute the notebook shown above</a:t>
-            </a:r>
-          </a:p>
-          <a:p>
-            <a:r>
-              <a:rPr lang="en-US" b="1" i="1" dirty="0">
-                <a:solidFill>
-                  <a:srgbClr val="0060B8"/>
-                </a:solidFill>
-              </a:rPr>
-              <a:t>How long will it keep streaming? What is the stop condition?</a:t>
-            </a:r>
-          </a:p>
-          <a:p>
-            <a:endParaRPr lang="en-US" dirty="0"/>
-          </a:p>
-        </p:txBody>
-      </p:sp>
-      <p:sp>
-        <p:nvSpPr>
-          <p:cNvPr id="3" name="Title 2">
-            <a:extLst>
-              <a:ext uri="{FF2B5EF4-FFF2-40B4-BE49-F238E27FC236}">
-                <a16:creationId xmlns:a16="http://schemas.microsoft.com/office/drawing/2014/main" id="{AAF4C8D2-0C54-4A6C-8366-2E9D19D0DAC6}"/>
-              </a:ext>
-            </a:extLst>
-          </p:cNvPr>
-          <p:cNvSpPr>
-            <a:spLocks noGrp="1"/>
-          </p:cNvSpPr>
-          <p:nvPr>
-            <p:ph type="title"/>
-          </p:nvPr>
-        </p:nvSpPr>
-        <p:spPr/>
-        <p:txBody>
-          <a:bodyPr/>
-          <a:lstStyle/>
-          <a:p>
-            <a:r>
-              <a:rPr lang="en-US" dirty="0"/>
-              <a:t>Exercise: Streaming</a:t>
-            </a:r>
-          </a:p>
-        </p:txBody>
-      </p:sp>
-      <p:sp>
-        <p:nvSpPr>
-          <p:cNvPr id="4" name="TextBox 3">
-            <a:extLst>
-              <a:ext uri="{FF2B5EF4-FFF2-40B4-BE49-F238E27FC236}">
-                <a16:creationId xmlns:a16="http://schemas.microsoft.com/office/drawing/2014/main" id="{EC23953F-5D71-4A73-9A53-3418883FAAB4}"/>
-              </a:ext>
-            </a:extLst>
-          </p:cNvPr>
-          <p:cNvSpPr txBox="1"/>
-          <p:nvPr/>
-        </p:nvSpPr>
-        <p:spPr>
-          <a:xfrm>
-            <a:off x="7988966" y="966071"/>
-            <a:ext cx="1068405" cy="338554"/>
-          </a:xfrm>
-          <a:prstGeom prst="rect">
-            <a:avLst/>
-          </a:prstGeom>
-          <a:noFill/>
-          <a:ln w="28575" algn="ctr">
-            <a:noFill/>
-            <a:miter lim="800000"/>
-            <a:headEnd/>
-            <a:tailEnd/>
-          </a:ln>
-          <a:effectLst/>
-        </p:spPr>
-        <p:txBody>
-          <a:bodyPr wrap="square" rtlCol="0">
-            <a:spAutoFit/>
-          </a:bodyPr>
-          <a:lstStyle/>
-          <a:p>
-            <a:pPr algn="ctr"/>
-            <a:r>
-              <a:rPr lang="en-US" sz="1600" b="1" dirty="0">
-                <a:solidFill>
-                  <a:schemeClr val="accent2"/>
-                </a:solidFill>
-                <a:latin typeface="+mn-lt"/>
-              </a:rPr>
-              <a:t>30 mins</a:t>
-            </a:r>
-          </a:p>
-        </p:txBody>
-      </p:sp>
-      <p:pic>
-        <p:nvPicPr>
-          <p:cNvPr id="5" name="Content Placeholder 3">
-            <a:extLst>
-              <a:ext uri="{FF2B5EF4-FFF2-40B4-BE49-F238E27FC236}">
-                <a16:creationId xmlns:a16="http://schemas.microsoft.com/office/drawing/2014/main" id="{36573873-3EBB-467A-93A7-5E8E4B51357C}"/>
-              </a:ext>
-            </a:extLst>
-          </p:cNvPr>
-          <p:cNvPicPr>
-            <a:picLocks noGrp="1" noChangeAspect="1"/>
-          </p:cNvPicPr>
-          <p:nvPr/>
-        </p:nvPicPr>
-        <p:blipFill>
-          <a:blip r:embed="rId2" cstate="print">
-            <a:extLst>
-              <a:ext uri="{28A0092B-C50C-407E-A947-70E740481C1C}">
-                <a14:useLocalDpi xmlns:a14="http://schemas.microsoft.com/office/drawing/2010/main" val="0"/>
-              </a:ext>
-            </a:extLst>
-          </a:blip>
-          <a:stretch>
-            <a:fillRect/>
-          </a:stretch>
-        </p:blipFill>
-        <p:spPr bwMode="auto">
-          <a:xfrm>
-            <a:off x="2674790" y="1511990"/>
-            <a:ext cx="3601913" cy="2871494"/>
-          </a:xfrm>
-          <a:prstGeom prst="rect">
-            <a:avLst/>
-          </a:prstGeom>
-          <a:noFill/>
-          <a:ln w="9525">
-            <a:solidFill>
-              <a:srgbClr val="000000"/>
-            </a:solidFill>
-            <a:miter lim="800000"/>
-            <a:headEnd/>
-            <a:tailEnd/>
-          </a:ln>
-          <a:extLst>
-            <a:ext uri="{909E8E84-426E-40DD-AFC4-6F175D3DCCD1}">
-              <a14:hiddenFill xmlns:a14="http://schemas.microsoft.com/office/drawing/2010/main">
-                <a:solidFill>
-                  <a:srgbClr val="FFFFFF"/>
-                </a:solidFill>
-              </a14:hiddenFill>
-            </a:ext>
-          </a:extLst>
-        </p:spPr>
-      </p:pic>
-    </p:spTree>
-    <p:extLst>
-      <p:ext uri="{BB962C8B-B14F-4D97-AF65-F5344CB8AC3E}">
-        <p14:creationId xmlns:p14="http://schemas.microsoft.com/office/powerpoint/2010/main" val="338984457"/>
       </p:ext>
     </p:extLst>
   </p:cSld>
@@ -8360,7 +8731,7 @@
         <p:spPr>
           <a:xfrm>
             <a:off x="581025" y="1155614"/>
-            <a:ext cx="8020050" cy="5072616"/>
+            <a:ext cx="7889208" cy="594809"/>
           </a:xfrm>
         </p:spPr>
         <p:txBody>
@@ -8394,10 +8765,6 @@
               <a:t>Specify the batch interval</a:t>
             </a:r>
             <a:endParaRPr lang="en-US" altLang="x-none" dirty="0"/>
-          </a:p>
-          <a:p>
-            <a:pPr lvl="1"/>
-            <a:endParaRPr lang="x-none" altLang="x-none" dirty="0"/>
           </a:p>
           <a:p>
             <a:pPr marL="228600" lvl="1" indent="0">
@@ -8407,12 +8774,37 @@
               <a:buNone/>
             </a:pPr>
             <a:r>
-              <a:rPr lang="x-none" altLang="x-none" sz="1200" dirty="0">
+              <a:rPr lang="en-US" altLang="x-none" sz="1200" dirty="0">
                 <a:latin typeface="Courier New" panose="02070309020205020404" pitchFamily="49" charset="0"/>
                 <a:cs typeface="Courier New" panose="02070309020205020404" pitchFamily="49" charset="0"/>
               </a:rPr>
-              <a:t>val streamingContext = new StreamingContext(sparkContext.getConf(), Seconds(1))</a:t>
-            </a:r>
+              <a:t>from </a:t>
+            </a:r>
+            <a:r>
+              <a:rPr lang="en-US" altLang="x-none" sz="1200" dirty="0" err="1">
+                <a:latin typeface="Courier New" panose="02070309020205020404" pitchFamily="49" charset="0"/>
+                <a:cs typeface="Courier New" panose="02070309020205020404" pitchFamily="49" charset="0"/>
+              </a:rPr>
+              <a:t>pyspark</a:t>
+            </a:r>
+            <a:r>
+              <a:rPr lang="en-US" altLang="x-none" sz="1200" dirty="0">
+                <a:latin typeface="Courier New" panose="02070309020205020404" pitchFamily="49" charset="0"/>
+                <a:cs typeface="Courier New" panose="02070309020205020404" pitchFamily="49" charset="0"/>
+              </a:rPr>
+              <a:t> import </a:t>
+            </a:r>
+            <a:r>
+              <a:rPr lang="en-US" altLang="x-none" sz="1200" dirty="0" err="1">
+                <a:latin typeface="Courier New" panose="02070309020205020404" pitchFamily="49" charset="0"/>
+                <a:cs typeface="Courier New" panose="02070309020205020404" pitchFamily="49" charset="0"/>
+              </a:rPr>
+              <a:t>SparkContext</a:t>
+            </a:r>
+            <a:endParaRPr lang="en-US" altLang="x-none" sz="1200" dirty="0">
+              <a:latin typeface="Courier New" panose="02070309020205020404" pitchFamily="49" charset="0"/>
+              <a:cs typeface="Courier New" panose="02070309020205020404" pitchFamily="49" charset="0"/>
+            </a:endParaRPr>
           </a:p>
           <a:p>
             <a:pPr marL="228600" lvl="1" indent="0">
@@ -8422,12 +8814,37 @@
               <a:buNone/>
             </a:pPr>
             <a:r>
-              <a:rPr lang="x-none" altLang="x-none" sz="1200" dirty="0">
+              <a:rPr lang="en-US" altLang="x-none" sz="1200" dirty="0">
                 <a:latin typeface="Courier New" panose="02070309020205020404" pitchFamily="49" charset="0"/>
                 <a:cs typeface="Courier New" panose="02070309020205020404" pitchFamily="49" charset="0"/>
               </a:rPr>
-              <a:t>val linesDS = streamingContext.textFileStream("/tmp/data/logs")</a:t>
-            </a:r>
+              <a:t>from </a:t>
+            </a:r>
+            <a:r>
+              <a:rPr lang="en-US" altLang="x-none" sz="1200" dirty="0" err="1">
+                <a:latin typeface="Courier New" panose="02070309020205020404" pitchFamily="49" charset="0"/>
+                <a:cs typeface="Courier New" panose="02070309020205020404" pitchFamily="49" charset="0"/>
+              </a:rPr>
+              <a:t>pyspark.streaming</a:t>
+            </a:r>
+            <a:r>
+              <a:rPr lang="en-US" altLang="x-none" sz="1200" dirty="0">
+                <a:latin typeface="Courier New" panose="02070309020205020404" pitchFamily="49" charset="0"/>
+                <a:cs typeface="Courier New" panose="02070309020205020404" pitchFamily="49" charset="0"/>
+              </a:rPr>
+              <a:t> import </a:t>
+            </a:r>
+            <a:r>
+              <a:rPr lang="en-US" altLang="x-none" sz="1200" dirty="0" err="1">
+                <a:latin typeface="Courier New" panose="02070309020205020404" pitchFamily="49" charset="0"/>
+                <a:cs typeface="Courier New" panose="02070309020205020404" pitchFamily="49" charset="0"/>
+              </a:rPr>
+              <a:t>StreamingContext</a:t>
+            </a:r>
+            <a:endParaRPr lang="en-US" altLang="x-none" sz="1200" dirty="0">
+              <a:latin typeface="Courier New" panose="02070309020205020404" pitchFamily="49" charset="0"/>
+              <a:cs typeface="Courier New" panose="02070309020205020404" pitchFamily="49" charset="0"/>
+            </a:endParaRPr>
           </a:p>
           <a:p>
             <a:pPr marL="228600" lvl="1" indent="0">
@@ -8437,11 +8854,46 @@
               <a:buNone/>
             </a:pPr>
             <a:r>
-              <a:rPr lang="x-none" altLang="x-none" sz="1200" dirty="0">
+              <a:rPr lang="en-US" altLang="x-none" sz="1200" dirty="0" err="1">
                 <a:latin typeface="Courier New" panose="02070309020205020404" pitchFamily="49" charset="0"/>
                 <a:cs typeface="Courier New" panose="02070309020205020404" pitchFamily="49" charset="0"/>
               </a:rPr>
-              <a:t>val ucLinesDS = linesDS.map( l =&gt; l.toUpperCase() )</a:t>
+              <a:t>sc</a:t>
+            </a:r>
+            <a:r>
+              <a:rPr lang="en-US" altLang="x-none" sz="1200" dirty="0">
+                <a:latin typeface="Courier New" panose="02070309020205020404" pitchFamily="49" charset="0"/>
+                <a:cs typeface="Courier New" panose="02070309020205020404" pitchFamily="49" charset="0"/>
+              </a:rPr>
+              <a:t> = </a:t>
+            </a:r>
+            <a:r>
+              <a:rPr lang="en-US" altLang="x-none" sz="1200" dirty="0" err="1">
+                <a:latin typeface="Courier New" panose="02070309020205020404" pitchFamily="49" charset="0"/>
+                <a:cs typeface="Courier New" panose="02070309020205020404" pitchFamily="49" charset="0"/>
+              </a:rPr>
+              <a:t>SparkContext</a:t>
+            </a:r>
+            <a:r>
+              <a:rPr lang="en-US" altLang="x-none" sz="1200" dirty="0">
+                <a:latin typeface="Courier New" panose="02070309020205020404" pitchFamily="49" charset="0"/>
+                <a:cs typeface="Courier New" panose="02070309020205020404" pitchFamily="49" charset="0"/>
+              </a:rPr>
+              <a:t>("local[2]", "</a:t>
+            </a:r>
+            <a:r>
+              <a:rPr lang="en-US" altLang="x-none" sz="1200" dirty="0" err="1">
+                <a:latin typeface="Courier New" panose="02070309020205020404" pitchFamily="49" charset="0"/>
+                <a:cs typeface="Courier New" panose="02070309020205020404" pitchFamily="49" charset="0"/>
+              </a:rPr>
+              <a:t>textStream</a:t>
+            </a:r>
+            <a:r>
+              <a:rPr lang="en-US" altLang="x-none" sz="1200" dirty="0">
+                <a:latin typeface="Courier New" panose="02070309020205020404" pitchFamily="49" charset="0"/>
+                <a:cs typeface="Courier New" panose="02070309020205020404" pitchFamily="49" charset="0"/>
+              </a:rPr>
+              <a:t>")</a:t>
             </a:r>
           </a:p>
           <a:p>
@@ -8452,11 +8904,18 @@
               <a:buNone/>
             </a:pPr>
             <a:r>
-              <a:rPr lang="x-none" altLang="x-none" sz="1200" dirty="0">
+              <a:rPr lang="en-US" altLang="x-none" sz="1200" dirty="0" err="1">
                 <a:latin typeface="Courier New" panose="02070309020205020404" pitchFamily="49" charset="0"/>
                 <a:cs typeface="Courier New" panose="02070309020205020404" pitchFamily="49" charset="0"/>
               </a:rPr>
-              <a:t>ucLinesDS.print() // display 10 entries</a:t>
+              <a:t>sc.setLogLevel</a:t>
+            </a:r>
+            <a:r>
+              <a:rPr lang="en-US" altLang="x-none" sz="1200" dirty="0">
+                <a:latin typeface="Courier New" panose="02070309020205020404" pitchFamily="49" charset="0"/>
+                <a:cs typeface="Courier New" panose="02070309020205020404" pitchFamily="49" charset="0"/>
+              </a:rPr>
+              <a:t>('Error')</a:t>
             </a:r>
           </a:p>
           <a:p>
@@ -8467,11 +8926,46 @@
               <a:buNone/>
             </a:pPr>
             <a:r>
-              <a:rPr lang="x-none" altLang="x-none" sz="1200" dirty="0">
+              <a:rPr lang="en-US" altLang="x-none" sz="1200" dirty="0" err="1">
                 <a:latin typeface="Courier New" panose="02070309020205020404" pitchFamily="49" charset="0"/>
                 <a:cs typeface="Courier New" panose="02070309020205020404" pitchFamily="49" charset="0"/>
               </a:rPr>
-              <a:t>// begin stream processing // operate for 2 mins</a:t>
+              <a:t>ssc</a:t>
+            </a:r>
+            <a:r>
+              <a:rPr lang="en-US" altLang="x-none" sz="1200" dirty="0">
+                <a:latin typeface="Courier New" panose="02070309020205020404" pitchFamily="49" charset="0"/>
+                <a:cs typeface="Courier New" panose="02070309020205020404" pitchFamily="49" charset="0"/>
+              </a:rPr>
+              <a:t> = </a:t>
+            </a:r>
+            <a:r>
+              <a:rPr lang="en-US" altLang="x-none" sz="1200" dirty="0" err="1">
+                <a:latin typeface="Courier New" panose="02070309020205020404" pitchFamily="49" charset="0"/>
+                <a:cs typeface="Courier New" panose="02070309020205020404" pitchFamily="49" charset="0"/>
+              </a:rPr>
+              <a:t>StreamingContext</a:t>
+            </a:r>
+            <a:r>
+              <a:rPr lang="en-US" altLang="x-none" sz="1200" dirty="0">
+                <a:latin typeface="Courier New" panose="02070309020205020404" pitchFamily="49" charset="0"/>
+                <a:cs typeface="Courier New" panose="02070309020205020404" pitchFamily="49" charset="0"/>
+              </a:rPr>
+              <a:t>(</a:t>
+            </a:r>
+            <a:r>
+              <a:rPr lang="en-US" altLang="x-none" sz="1200" dirty="0" err="1">
+                <a:latin typeface="Courier New" panose="02070309020205020404" pitchFamily="49" charset="0"/>
+                <a:cs typeface="Courier New" panose="02070309020205020404" pitchFamily="49" charset="0"/>
+              </a:rPr>
+              <a:t>sc</a:t>
+            </a:r>
+            <a:r>
+              <a:rPr lang="en-US" altLang="x-none" sz="1200" dirty="0">
+                <a:latin typeface="Courier New" panose="02070309020205020404" pitchFamily="49" charset="0"/>
+                <a:cs typeface="Courier New" panose="02070309020205020404" pitchFamily="49" charset="0"/>
+              </a:rPr>
+              <a:t>, 5)</a:t>
             </a:r>
           </a:p>
           <a:p>
@@ -8482,11 +8976,25 @@
               <a:buNone/>
             </a:pPr>
             <a:r>
-              <a:rPr lang="x-none" altLang="x-none" sz="1200" dirty="0">
+              <a:rPr lang="en-US" altLang="x-none" sz="1200" dirty="0">
                 <a:latin typeface="Courier New" panose="02070309020205020404" pitchFamily="49" charset="0"/>
                 <a:cs typeface="Courier New" panose="02070309020205020404" pitchFamily="49" charset="0"/>
               </a:rPr>
-              <a:t>streamingContext.start()</a:t>
+              <a:t>lines = </a:t>
+            </a:r>
+            <a:r>
+              <a:rPr lang="en-US" altLang="x-none" sz="1200" dirty="0" err="1">
+                <a:latin typeface="Courier New" panose="02070309020205020404" pitchFamily="49" charset="0"/>
+                <a:cs typeface="Courier New" panose="02070309020205020404" pitchFamily="49" charset="0"/>
+              </a:rPr>
+              <a:t>ssc.socketTextStream</a:t>
+            </a:r>
+            <a:r>
+              <a:rPr lang="en-US" altLang="x-none" sz="1200" dirty="0">
+                <a:latin typeface="Courier New" panose="02070309020205020404" pitchFamily="49" charset="0"/>
+                <a:cs typeface="Courier New" panose="02070309020205020404" pitchFamily="49" charset="0"/>
+              </a:rPr>
+              <a:t>('localhost', 9999)</a:t>
             </a:r>
           </a:p>
           <a:p>
@@ -8497,16 +9005,40 @@
               <a:buNone/>
             </a:pPr>
             <a:r>
-              <a:rPr lang="x-none" altLang="x-none" sz="1200" dirty="0">
+              <a:rPr lang="en-US" altLang="x-none" sz="1200" dirty="0">
                 <a:latin typeface="Courier New" panose="02070309020205020404" pitchFamily="49" charset="0"/>
                 <a:cs typeface="Courier New" panose="02070309020205020404" pitchFamily="49" charset="0"/>
               </a:rPr>
-              <a:t>streamingContext.awaitTerminationOrTimeout(120000) </a:t>
-            </a:r>
-            <a:endParaRPr lang="en-CA" altLang="x-none" sz="1200" dirty="0">
-              <a:latin typeface="Courier New" panose="02070309020205020404" pitchFamily="49" charset="0"/>
-              <a:cs typeface="Courier New" panose="02070309020205020404" pitchFamily="49" charset="0"/>
-            </a:endParaRPr>
+              <a:t>words = </a:t>
+            </a:r>
+            <a:r>
+              <a:rPr lang="en-US" altLang="x-none" sz="1200" dirty="0" err="1">
+                <a:latin typeface="Courier New" panose="02070309020205020404" pitchFamily="49" charset="0"/>
+                <a:cs typeface="Courier New" panose="02070309020205020404" pitchFamily="49" charset="0"/>
+              </a:rPr>
+              <a:t>lines.flatMap</a:t>
+            </a:r>
+            <a:r>
+              <a:rPr lang="en-US" altLang="x-none" sz="1200" dirty="0">
+                <a:latin typeface="Courier New" panose="02070309020205020404" pitchFamily="49" charset="0"/>
+                <a:cs typeface="Courier New" panose="02070309020205020404" pitchFamily="49" charset="0"/>
+              </a:rPr>
+              <a:t>(lambda line: </a:t>
+            </a:r>
+            <a:r>
+              <a:rPr lang="en-US" altLang="x-none" sz="1200" dirty="0" err="1">
+                <a:latin typeface="Courier New" panose="02070309020205020404" pitchFamily="49" charset="0"/>
+                <a:cs typeface="Courier New" panose="02070309020205020404" pitchFamily="49" charset="0"/>
+              </a:rPr>
+              <a:t>line.split</a:t>
+            </a:r>
+            <a:r>
+              <a:rPr lang="en-US" altLang="x-none" sz="1200" dirty="0">
+                <a:latin typeface="Courier New" panose="02070309020205020404" pitchFamily="49" charset="0"/>
+                <a:cs typeface="Courier New" panose="02070309020205020404" pitchFamily="49" charset="0"/>
+              </a:rPr>
+              <a:t>(' '))</a:t>
+            </a:r>
           </a:p>
           <a:p>
             <a:pPr marL="228600" lvl="1" indent="0">
@@ -8516,52 +9048,150 @@
               <a:buNone/>
             </a:pPr>
             <a:r>
-              <a:rPr lang="x-none" altLang="x-none" sz="1200" dirty="0">
+              <a:rPr lang="en-US" altLang="x-none" sz="1200" dirty="0">
                 <a:latin typeface="Courier New" panose="02070309020205020404" pitchFamily="49" charset="0"/>
                 <a:cs typeface="Courier New" panose="02070309020205020404" pitchFamily="49" charset="0"/>
               </a:rPr>
-              <a:t>streamingContext.stop()</a:t>
-            </a:r>
-          </a:p>
-          <a:p>
-            <a:pPr lvl="0">
+              <a:t>pairs = </a:t>
+            </a:r>
+            <a:r>
+              <a:rPr lang="en-US" altLang="x-none" sz="1200" dirty="0" err="1">
+                <a:latin typeface="Courier New" panose="02070309020205020404" pitchFamily="49" charset="0"/>
+                <a:cs typeface="Courier New" panose="02070309020205020404" pitchFamily="49" charset="0"/>
+              </a:rPr>
+              <a:t>words.map</a:t>
+            </a:r>
+            <a:r>
+              <a:rPr lang="en-US" altLang="x-none" sz="1200" dirty="0">
+                <a:latin typeface="Courier New" panose="02070309020205020404" pitchFamily="49" charset="0"/>
+                <a:cs typeface="Courier New" panose="02070309020205020404" pitchFamily="49" charset="0"/>
+              </a:rPr>
+              <a:t>(lambda w: (w, 1))</a:t>
+            </a:r>
+          </a:p>
+          <a:p>
+            <a:pPr marL="228600" lvl="1" indent="0">
               <a:spcBef>
-                <a:spcPts val="2400"/>
+                <a:spcPts val="0"/>
               </a:spcBef>
+              <a:buNone/>
             </a:pPr>
             <a:r>
-              <a:rPr lang="x-none" altLang="x-none" dirty="0"/>
-              <a:t>Notes:</a:t>
-            </a:r>
-          </a:p>
-          <a:p>
-            <a:pPr lvl="1"/>
-            <a:r>
-              <a:rPr lang="x-none" altLang="x-none" dirty="0"/>
-              <a:t>Once a StreamingContext has been stopped, it cannot be restarted</a:t>
-            </a:r>
-          </a:p>
-          <a:p>
-            <a:pPr lvl="1"/>
-            <a:r>
-              <a:rPr lang="x-none" altLang="x-none" dirty="0"/>
-              <a:t>Calling stop() on StreamingContext also stops the SparkContext</a:t>
-            </a:r>
-          </a:p>
-          <a:p>
-            <a:pPr lvl="2"/>
-            <a:r>
-              <a:rPr lang="x-none" altLang="x-none" dirty="0"/>
-              <a:t>Can be prevented by calling stop(false)</a:t>
-            </a:r>
-          </a:p>
-          <a:p>
-            <a:pPr lvl="1"/>
-            <a:r>
-              <a:rPr lang="x-none" altLang="x-none" dirty="0"/>
-              <a:t>A SparkContext can create multiple StreamingContext instances</a:t>
-            </a:r>
-            <a:endParaRPr lang="en-US" dirty="0"/>
+              <a:rPr lang="en-US" altLang="x-none" sz="1200" dirty="0" err="1">
+                <a:latin typeface="Courier New" panose="02070309020205020404" pitchFamily="49" charset="0"/>
+                <a:cs typeface="Courier New" panose="02070309020205020404" pitchFamily="49" charset="0"/>
+              </a:rPr>
+              <a:t>wordCount</a:t>
+            </a:r>
+            <a:r>
+              <a:rPr lang="en-US" altLang="x-none" sz="1200" dirty="0">
+                <a:latin typeface="Courier New" panose="02070309020205020404" pitchFamily="49" charset="0"/>
+                <a:cs typeface="Courier New" panose="02070309020205020404" pitchFamily="49" charset="0"/>
+              </a:rPr>
+              <a:t> = </a:t>
+            </a:r>
+            <a:r>
+              <a:rPr lang="en-US" altLang="x-none" sz="1200" dirty="0" err="1">
+                <a:latin typeface="Courier New" panose="02070309020205020404" pitchFamily="49" charset="0"/>
+                <a:cs typeface="Courier New" panose="02070309020205020404" pitchFamily="49" charset="0"/>
+              </a:rPr>
+              <a:t>pairs.reduceByKey</a:t>
+            </a:r>
+            <a:r>
+              <a:rPr lang="en-US" altLang="x-none" sz="1200" dirty="0">
+                <a:latin typeface="Courier New" panose="02070309020205020404" pitchFamily="49" charset="0"/>
+                <a:cs typeface="Courier New" panose="02070309020205020404" pitchFamily="49" charset="0"/>
+              </a:rPr>
+              <a:t>(lambda x, y : x + y)</a:t>
+            </a:r>
+          </a:p>
+          <a:p>
+            <a:pPr marL="228600" lvl="1" indent="0">
+              <a:spcBef>
+                <a:spcPts val="0"/>
+              </a:spcBef>
+              <a:buNone/>
+            </a:pPr>
+            <a:r>
+              <a:rPr lang="en-US" altLang="x-none" sz="1200" dirty="0" err="1">
+                <a:latin typeface="Courier New" panose="02070309020205020404" pitchFamily="49" charset="0"/>
+                <a:cs typeface="Courier New" panose="02070309020205020404" pitchFamily="49" charset="0"/>
+              </a:rPr>
+              <a:t>wordCount.pprint</a:t>
+            </a:r>
+            <a:r>
+              <a:rPr lang="en-US" altLang="x-none" sz="1200" dirty="0">
+                <a:latin typeface="Courier New" panose="02070309020205020404" pitchFamily="49" charset="0"/>
+                <a:cs typeface="Courier New" panose="02070309020205020404" pitchFamily="49" charset="0"/>
+              </a:rPr>
+              <a:t>()</a:t>
+            </a:r>
+          </a:p>
+          <a:p>
+            <a:pPr marL="228600" lvl="1" indent="0">
+              <a:spcBef>
+                <a:spcPts val="0"/>
+              </a:spcBef>
+              <a:buNone/>
+            </a:pPr>
+            <a:r>
+              <a:rPr lang="en-US" altLang="x-none" sz="1200" dirty="0" err="1">
+                <a:latin typeface="Courier New" panose="02070309020205020404" pitchFamily="49" charset="0"/>
+                <a:cs typeface="Courier New" panose="02070309020205020404" pitchFamily="49" charset="0"/>
+              </a:rPr>
+              <a:t>ssc.start</a:t>
+            </a:r>
+            <a:r>
+              <a:rPr lang="en-US" altLang="x-none" sz="1200" dirty="0">
+                <a:latin typeface="Courier New" panose="02070309020205020404" pitchFamily="49" charset="0"/>
+                <a:cs typeface="Courier New" panose="02070309020205020404" pitchFamily="49" charset="0"/>
+              </a:rPr>
+              <a:t>()</a:t>
+            </a:r>
+          </a:p>
+          <a:p>
+            <a:pPr marL="228600" lvl="1" indent="0">
+              <a:spcBef>
+                <a:spcPts val="0"/>
+              </a:spcBef>
+              <a:buNone/>
+            </a:pPr>
+            <a:r>
+              <a:rPr lang="en-US" altLang="x-none" sz="1200" dirty="0" err="1">
+                <a:latin typeface="Courier New" panose="02070309020205020404" pitchFamily="49" charset="0"/>
+                <a:cs typeface="Courier New" panose="02070309020205020404" pitchFamily="49" charset="0"/>
+              </a:rPr>
+              <a:t>ssc.awaitTerminationOrTimeout</a:t>
+            </a:r>
+            <a:r>
+              <a:rPr lang="en-US" altLang="x-none" sz="1200" dirty="0">
+                <a:latin typeface="Courier New" panose="02070309020205020404" pitchFamily="49" charset="0"/>
+                <a:cs typeface="Courier New" panose="02070309020205020404" pitchFamily="49" charset="0"/>
+              </a:rPr>
+              <a:t>(10000)</a:t>
+            </a:r>
+          </a:p>
+          <a:p>
+            <a:pPr marL="228600" lvl="1" indent="0">
+              <a:spcBef>
+                <a:spcPts val="0"/>
+              </a:spcBef>
+              <a:buNone/>
+            </a:pPr>
+            <a:r>
+              <a:rPr lang="en-US" altLang="x-none" sz="1200" dirty="0" err="1">
+                <a:latin typeface="Courier New" panose="02070309020205020404" pitchFamily="49" charset="0"/>
+                <a:cs typeface="Courier New" panose="02070309020205020404" pitchFamily="49" charset="0"/>
+              </a:rPr>
+              <a:t>ssc.stop</a:t>
+            </a:r>
+            <a:r>
+              <a:rPr lang="en-US" altLang="x-none" sz="1200" dirty="0">
+                <a:latin typeface="Courier New" panose="02070309020205020404" pitchFamily="49" charset="0"/>
+                <a:cs typeface="Courier New" panose="02070309020205020404" pitchFamily="49" charset="0"/>
+              </a:rPr>
+              <a:t>()</a:t>
+            </a:r>
           </a:p>
         </p:txBody>
       </p:sp>
@@ -8601,8 +9231,8 @@
         </p:nvSpPr>
         <p:spPr bwMode="auto">
           <a:xfrm>
-            <a:off x="762000" y="2800952"/>
-            <a:ext cx="7708232" cy="1645920"/>
+            <a:off x="762000" y="2591947"/>
+            <a:ext cx="6945086" cy="2476442"/>
           </a:xfrm>
           <a:prstGeom prst="rect">
             <a:avLst/>
@@ -9078,22 +9708,12 @@
           <a:p>
             <a:pPr lvl="0"/>
             <a:r>
+              <a:rPr lang="x-none" altLang="x-none"/>
+              <a:t>Currently</a:t>
+            </a:r>
+            <a:r>
               <a:rPr lang="x-none" altLang="x-none" dirty="0"/>
-              <a:t>print()</a:t>
-            </a:r>
-          </a:p>
-          <a:p>
-            <a:pPr lvl="1"/>
-            <a:r>
-              <a:rPr lang="x-none" altLang="x-none" dirty="0"/>
-              <a:t>Prints the first 10 elements of each RDD in a DStream at the driver</a:t>
-            </a:r>
-          </a:p>
-          <a:p>
-            <a:pPr lvl="0"/>
-            <a:r>
-              <a:rPr lang="x-none" altLang="x-none" dirty="0"/>
-              <a:t>Currently, DStream instances provided three save operations</a:t>
+              <a:t>, DStream instances provided three save operations</a:t>
             </a:r>
           </a:p>
           <a:p>
@@ -9165,7 +9785,49 @@
             <a:pPr lvl="1"/>
             <a:r>
               <a:rPr lang="x-none" altLang="x-none" dirty="0"/>
-              <a:t>The DStream must contain(key, value)pairs</a:t>
+              <a:t>The DStream must contain(key, value</a:t>
+            </a:r>
+            <a:r>
+              <a:rPr lang="x-none" altLang="x-none"/>
+              <a:t>)pairs</a:t>
+            </a:r>
+            <a:endParaRPr lang="en-US" altLang="x-none" dirty="0"/>
+          </a:p>
+          <a:p>
+            <a:r>
+              <a:rPr lang="en-US" dirty="0" err="1"/>
+              <a:t>foreachRDD</a:t>
+            </a:r>
+            <a:r>
+              <a:rPr lang="en-US" dirty="0"/>
+              <a:t>(</a:t>
+            </a:r>
+            <a:r>
+              <a:rPr lang="en-US" dirty="0" err="1"/>
+              <a:t>func</a:t>
+            </a:r>
+            <a:r>
+              <a:rPr lang="en-US" dirty="0"/>
+              <a:t>) </a:t>
+            </a:r>
+          </a:p>
+          <a:p>
+            <a:pPr lvl="1"/>
+            <a:r>
+              <a:rPr lang="en-US" dirty="0"/>
+              <a:t>generic output operator that calls the </a:t>
+            </a:r>
+            <a:r>
+              <a:rPr lang="en-US" dirty="0" err="1"/>
+              <a:t>func</a:t>
+            </a:r>
+            <a:r>
+              <a:rPr lang="en-US" dirty="0"/>
+              <a:t> for each </a:t>
+            </a:r>
+            <a:r>
+              <a:rPr lang="en-US" dirty="0" err="1"/>
+              <a:t>DStream</a:t>
             </a:r>
             <a:endParaRPr lang="en-US" dirty="0"/>
           </a:p>
@@ -9339,16 +10001,47 @@
               <a:buNone/>
             </a:pPr>
             <a:r>
-              <a:rPr lang="x-none" altLang="x-none" sz="1200" dirty="0">
+              <a:rPr lang="en-US" altLang="x-none" sz="1200" dirty="0" err="1">
                 <a:latin typeface="Courier New" panose="02070309020205020404" pitchFamily="49" charset="0"/>
                 <a:cs typeface="Courier New" panose="02070309020205020404" pitchFamily="49" charset="0"/>
               </a:rPr>
-              <a:t>val lines = ssc.fileStream[LongWritable, Text, TextInputFormat]("/httpd/logs") </a:t>
-            </a:r>
-            <a:endParaRPr lang="en-CA" altLang="x-none" sz="1200" dirty="0">
-              <a:latin typeface="Courier New" panose="02070309020205020404" pitchFamily="49" charset="0"/>
-              <a:cs typeface="Courier New" panose="02070309020205020404" pitchFamily="49" charset="0"/>
-            </a:endParaRPr>
+              <a:t>ssc</a:t>
+            </a:r>
+            <a:r>
+              <a:rPr lang="en-US" altLang="x-none" sz="1200" dirty="0">
+                <a:latin typeface="Courier New" panose="02070309020205020404" pitchFamily="49" charset="0"/>
+                <a:cs typeface="Courier New" panose="02070309020205020404" pitchFamily="49" charset="0"/>
+              </a:rPr>
+              <a:t> = </a:t>
+            </a:r>
+            <a:r>
+              <a:rPr lang="en-US" altLang="x-none" sz="1200" dirty="0" err="1">
+                <a:latin typeface="Courier New" panose="02070309020205020404" pitchFamily="49" charset="0"/>
+                <a:cs typeface="Courier New" panose="02070309020205020404" pitchFamily="49" charset="0"/>
+              </a:rPr>
+              <a:t>StreamingContext</a:t>
+            </a:r>
+            <a:r>
+              <a:rPr lang="en-US" altLang="x-none" sz="1200" dirty="0">
+                <a:latin typeface="Courier New" panose="02070309020205020404" pitchFamily="49" charset="0"/>
+                <a:cs typeface="Courier New" panose="02070309020205020404" pitchFamily="49" charset="0"/>
+              </a:rPr>
+              <a:t>(</a:t>
+            </a:r>
+            <a:r>
+              <a:rPr lang="en-US" altLang="x-none" sz="1200" dirty="0" err="1">
+                <a:latin typeface="Courier New" panose="02070309020205020404" pitchFamily="49" charset="0"/>
+                <a:cs typeface="Courier New" panose="02070309020205020404" pitchFamily="49" charset="0"/>
+              </a:rPr>
+              <a:t>sc</a:t>
+            </a:r>
+            <a:r>
+              <a:rPr lang="en-US" altLang="x-none" sz="1200" dirty="0">
+                <a:latin typeface="Courier New" panose="02070309020205020404" pitchFamily="49" charset="0"/>
+                <a:cs typeface="Courier New" panose="02070309020205020404" pitchFamily="49" charset="0"/>
+              </a:rPr>
+              <a:t>, 5)</a:t>
+            </a:r>
           </a:p>
           <a:p>
             <a:pPr marL="0" lvl="0" indent="0">
@@ -9358,11 +10051,25 @@
               <a:buNone/>
             </a:pPr>
             <a:r>
-              <a:rPr lang="x-none" altLang="x-none" sz="1200" dirty="0">
+              <a:rPr lang="en-US" altLang="x-none" sz="1200" dirty="0">
                 <a:latin typeface="Courier New" panose="02070309020205020404" pitchFamily="49" charset="0"/>
                 <a:cs typeface="Courier New" panose="02070309020205020404" pitchFamily="49" charset="0"/>
               </a:rPr>
-              <a:t>val theSame = ssc.textFileStream("/httpd/logs")</a:t>
+              <a:t>lines = </a:t>
+            </a:r>
+            <a:r>
+              <a:rPr lang="en-US" altLang="x-none" sz="1200" dirty="0" err="1">
+                <a:latin typeface="Courier New" panose="02070309020205020404" pitchFamily="49" charset="0"/>
+                <a:cs typeface="Courier New" panose="02070309020205020404" pitchFamily="49" charset="0"/>
+              </a:rPr>
+              <a:t>ssc.textFileStream</a:t>
+            </a:r>
+            <a:r>
+              <a:rPr lang="en-US" altLang="x-none" sz="1200" dirty="0">
+                <a:latin typeface="Courier New" panose="02070309020205020404" pitchFamily="49" charset="0"/>
+                <a:cs typeface="Courier New" panose="02070309020205020404" pitchFamily="49" charset="0"/>
+              </a:rPr>
+              <a:t>('stream')</a:t>
             </a:r>
           </a:p>
           <a:p>
@@ -9373,11 +10080,39 @@
               <a:buNone/>
             </a:pPr>
             <a:r>
-              <a:rPr lang="x-none" altLang="x-none" sz="1200" dirty="0">
+              <a:rPr lang="en-US" altLang="x-none" sz="1200" dirty="0">
                 <a:latin typeface="Courier New" panose="02070309020205020404" pitchFamily="49" charset="0"/>
                 <a:cs typeface="Courier New" panose="02070309020205020404" pitchFamily="49" charset="0"/>
               </a:rPr>
-              <a:t>// stream VideoRecording objects from all sequence files in the /home/movies</a:t>
+              <a:t>words = </a:t>
+            </a:r>
+            <a:r>
+              <a:rPr lang="en-US" altLang="x-none" sz="1200" dirty="0" err="1">
+                <a:latin typeface="Courier New" panose="02070309020205020404" pitchFamily="49" charset="0"/>
+                <a:cs typeface="Courier New" panose="02070309020205020404" pitchFamily="49" charset="0"/>
+              </a:rPr>
+              <a:t>lines.flatMap</a:t>
+            </a:r>
+            <a:r>
+              <a:rPr lang="en-US" altLang="x-none" sz="1200" dirty="0">
+                <a:latin typeface="Courier New" panose="02070309020205020404" pitchFamily="49" charset="0"/>
+                <a:cs typeface="Courier New" panose="02070309020205020404" pitchFamily="49" charset="0"/>
+              </a:rPr>
+              <a:t>(lambda line: </a:t>
+            </a:r>
+            <a:r>
+              <a:rPr lang="en-US" altLang="x-none" sz="1200" dirty="0" err="1">
+                <a:latin typeface="Courier New" panose="02070309020205020404" pitchFamily="49" charset="0"/>
+                <a:cs typeface="Courier New" panose="02070309020205020404" pitchFamily="49" charset="0"/>
+              </a:rPr>
+              <a:t>line.split</a:t>
+            </a:r>
+            <a:r>
+              <a:rPr lang="en-US" altLang="x-none" sz="1200" dirty="0">
+                <a:latin typeface="Courier New" panose="02070309020205020404" pitchFamily="49" charset="0"/>
+                <a:cs typeface="Courier New" panose="02070309020205020404" pitchFamily="49" charset="0"/>
+              </a:rPr>
+              <a:t>(' '))</a:t>
             </a:r>
           </a:p>
           <a:p>
@@ -9388,11 +10123,25 @@
               <a:buNone/>
             </a:pPr>
             <a:r>
-              <a:rPr lang="x-none" altLang="x-none" sz="1200" dirty="0">
+              <a:rPr lang="en-US" altLang="x-none" sz="1200" dirty="0">
                 <a:latin typeface="Courier New" panose="02070309020205020404" pitchFamily="49" charset="0"/>
                 <a:cs typeface="Courier New" panose="02070309020205020404" pitchFamily="49" charset="0"/>
               </a:rPr>
-              <a:t>// directory excluding all other file types, include existing files at start-up //</a:t>
+              <a:t>pairs = </a:t>
+            </a:r>
+            <a:r>
+              <a:rPr lang="en-US" altLang="x-none" sz="1200" dirty="0" err="1">
+                <a:latin typeface="Courier New" panose="02070309020205020404" pitchFamily="49" charset="0"/>
+                <a:cs typeface="Courier New" panose="02070309020205020404" pitchFamily="49" charset="0"/>
+              </a:rPr>
+              <a:t>words.map</a:t>
+            </a:r>
+            <a:r>
+              <a:rPr lang="en-US" altLang="x-none" sz="1200" dirty="0">
+                <a:latin typeface="Courier New" panose="02070309020205020404" pitchFamily="49" charset="0"/>
+                <a:cs typeface="Courier New" panose="02070309020205020404" pitchFamily="49" charset="0"/>
+              </a:rPr>
+              <a:t>(lambda w: (w, 1))</a:t>
             </a:r>
           </a:p>
           <a:p>
@@ -9403,11 +10152,46 @@
               <a:buNone/>
             </a:pPr>
             <a:r>
-              <a:rPr lang="x-none" altLang="x-none" sz="1200" dirty="0">
+              <a:rPr lang="en-US" altLang="x-none" sz="1200" dirty="0" err="1">
                 <a:latin typeface="Courier New" panose="02070309020205020404" pitchFamily="49" charset="0"/>
                 <a:cs typeface="Courier New" panose="02070309020205020404" pitchFamily="49" charset="0"/>
               </a:rPr>
-              <a:t>val films = ssc.fileStream[Text, VideoRecording, SequenceFileInputFormat](</a:t>
+              <a:t>wordCount</a:t>
+            </a:r>
+            <a:r>
+              <a:rPr lang="en-US" altLang="x-none" sz="1200" dirty="0">
+                <a:latin typeface="Courier New" panose="02070309020205020404" pitchFamily="49" charset="0"/>
+                <a:cs typeface="Courier New" panose="02070309020205020404" pitchFamily="49" charset="0"/>
+              </a:rPr>
+              <a:t> = </a:t>
+            </a:r>
+            <a:r>
+              <a:rPr lang="en-US" altLang="x-none" sz="1200" dirty="0" err="1">
+                <a:latin typeface="Courier New" panose="02070309020205020404" pitchFamily="49" charset="0"/>
+                <a:cs typeface="Courier New" panose="02070309020205020404" pitchFamily="49" charset="0"/>
+              </a:rPr>
+              <a:t>pairs.reduceByKey</a:t>
+            </a:r>
+            <a:r>
+              <a:rPr lang="en-US" altLang="x-none" sz="1200" dirty="0">
+                <a:latin typeface="Courier New" panose="02070309020205020404" pitchFamily="49" charset="0"/>
+                <a:cs typeface="Courier New" panose="02070309020205020404" pitchFamily="49" charset="0"/>
+              </a:rPr>
+              <a:t>(lambda x, y : x + y).transform(lambda x : </a:t>
+            </a:r>
+            <a:r>
+              <a:rPr lang="en-US" altLang="x-none" sz="1200" dirty="0" err="1">
+                <a:latin typeface="Courier New" panose="02070309020205020404" pitchFamily="49" charset="0"/>
+                <a:cs typeface="Courier New" panose="02070309020205020404" pitchFamily="49" charset="0"/>
+              </a:rPr>
+              <a:t>x.sortBy</a:t>
+            </a:r>
+            <a:r>
+              <a:rPr lang="en-US" altLang="x-none" sz="1200" dirty="0">
+                <a:latin typeface="Courier New" panose="02070309020205020404" pitchFamily="49" charset="0"/>
+                <a:cs typeface="Courier New" panose="02070309020205020404" pitchFamily="49" charset="0"/>
+              </a:rPr>
+              <a:t>(lambda x : -x[1]))</a:t>
             </a:r>
           </a:p>
           <a:p>
@@ -9418,11 +10202,84 @@
               <a:buNone/>
             </a:pPr>
             <a:r>
-              <a:rPr lang="x-none" altLang="x-none" sz="1200" dirty="0">
+              <a:rPr lang="en-US" altLang="x-none" sz="1200" dirty="0" err="1">
                 <a:latin typeface="Courier New" panose="02070309020205020404" pitchFamily="49" charset="0"/>
                 <a:cs typeface="Courier New" panose="02070309020205020404" pitchFamily="49" charset="0"/>
               </a:rPr>
-              <a:t> "/home/movies", _.getName().endsWith(".seq"), true)</a:t>
+              <a:t>wordCount.pprint</a:t>
+            </a:r>
+            <a:r>
+              <a:rPr lang="en-US" altLang="x-none" sz="1200" dirty="0">
+                <a:latin typeface="Courier New" panose="02070309020205020404" pitchFamily="49" charset="0"/>
+                <a:cs typeface="Courier New" panose="02070309020205020404" pitchFamily="49" charset="0"/>
+              </a:rPr>
+              <a:t>()</a:t>
+            </a:r>
+          </a:p>
+          <a:p>
+            <a:pPr marL="0" lvl="0" indent="0">
+              <a:spcBef>
+                <a:spcPts val="0"/>
+              </a:spcBef>
+              <a:buNone/>
+            </a:pPr>
+            <a:r>
+              <a:rPr lang="en-US" altLang="x-none" sz="1200" dirty="0" err="1">
+                <a:latin typeface="Courier New" panose="02070309020205020404" pitchFamily="49" charset="0"/>
+                <a:cs typeface="Courier New" panose="02070309020205020404" pitchFamily="49" charset="0"/>
+              </a:rPr>
+              <a:t>ssc.start</a:t>
+            </a:r>
+            <a:r>
+              <a:rPr lang="en-US" altLang="x-none" sz="1200" dirty="0">
+                <a:latin typeface="Courier New" panose="02070309020205020404" pitchFamily="49" charset="0"/>
+                <a:cs typeface="Courier New" panose="02070309020205020404" pitchFamily="49" charset="0"/>
+              </a:rPr>
+              <a:t>()</a:t>
+            </a:r>
+          </a:p>
+          <a:p>
+            <a:pPr marL="0" lvl="0" indent="0">
+              <a:spcBef>
+                <a:spcPts val="0"/>
+              </a:spcBef>
+              <a:buNone/>
+            </a:pPr>
+            <a:r>
+              <a:rPr lang="en-US" altLang="x-none" sz="1200" dirty="0" err="1">
+                <a:latin typeface="Courier New" panose="02070309020205020404" pitchFamily="49" charset="0"/>
+                <a:cs typeface="Courier New" panose="02070309020205020404" pitchFamily="49" charset="0"/>
+              </a:rPr>
+              <a:t>ssc.awaitTerminationOrTimeout</a:t>
+            </a:r>
+            <a:r>
+              <a:rPr lang="en-US" altLang="x-none" sz="1200" dirty="0">
+                <a:latin typeface="Courier New" panose="02070309020205020404" pitchFamily="49" charset="0"/>
+                <a:cs typeface="Courier New" panose="02070309020205020404" pitchFamily="49" charset="0"/>
+              </a:rPr>
+              <a:t>(10000)</a:t>
+            </a:r>
+          </a:p>
+          <a:p>
+            <a:pPr marL="0" lvl="0" indent="0">
+              <a:spcBef>
+                <a:spcPts val="0"/>
+              </a:spcBef>
+              <a:buNone/>
+            </a:pPr>
+            <a:r>
+              <a:rPr lang="en-US" altLang="x-none" sz="1200" dirty="0" err="1">
+                <a:latin typeface="Courier New" panose="02070309020205020404" pitchFamily="49" charset="0"/>
+                <a:cs typeface="Courier New" panose="02070309020205020404" pitchFamily="49" charset="0"/>
+              </a:rPr>
+              <a:t>ssc.stop</a:t>
+            </a:r>
+            <a:r>
+              <a:rPr lang="en-US" altLang="x-none" sz="1200" dirty="0">
+                <a:latin typeface="Courier New" panose="02070309020205020404" pitchFamily="49" charset="0"/>
+                <a:cs typeface="Courier New" panose="02070309020205020404" pitchFamily="49" charset="0"/>
+              </a:rPr>
+              <a:t>()</a:t>
             </a:r>
           </a:p>
           <a:p>
@@ -9466,8 +10323,8 @@
         </p:nvSpPr>
         <p:spPr bwMode="auto">
           <a:xfrm>
-            <a:off x="539015" y="4389120"/>
-            <a:ext cx="8229600" cy="1501541"/>
+            <a:off x="539014" y="4389120"/>
+            <a:ext cx="8239225" cy="1985554"/>
           </a:xfrm>
           <a:prstGeom prst="rect">
             <a:avLst/>
@@ -10718,12 +11575,17 @@
 </file>
 
 <file path=customXml/item1.xml><?xml version="1.0" encoding="utf-8"?>
-<?mso-contentType ?>
-<FormTemplates xmlns="http://schemas.microsoft.com/sharepoint/v3/contenttype/forms">
-  <Display>DocumentLibraryForm</Display>
-  <Edit>DocumentLibraryForm</Edit>
-  <New>DocumentLibraryForm</New>
-</FormTemplates>
+<p:properties xmlns:p="http://schemas.microsoft.com/office/2006/metadata/properties" xmlns:xsi="http://www.w3.org/2001/XMLSchema-instance" xmlns:pc="http://schemas.microsoft.com/office/infopath/2007/PartnerControls">
+  <documentManagement>
+    <_dlc_DocId xmlns="037063e9-a85e-4c78-8627-f1a9315663e5">EVEA5JW6U4JV-6-9775</_dlc_DocId>
+    <_dlc_DocIdUrl xmlns="037063e9-a85e-4c78-8627-f1a9315663e5">
+      <Url>https://portal.roitraining.com/Courses/_layouts/DocIdRedir.aspx?ID=EVEA5JW6U4JV-6-9775</Url>
+      <Description>EVEA5JW6U4JV-6-9775</Description>
+    </_dlc_DocIdUrl>
+    <Date_x0020_last_x0020_used xmlns="027ed24f-5970-4294-be5c-0919c5aaa214" xsi:nil="true"/>
+    <Customization_x0020_Information xmlns="027ed24f-5970-4294-be5c-0919c5aaa214" xsi:nil="true"/>
+  </documentManagement>
+</p:properties>
 </file>
 
 <file path=customXml/item2.xml><?xml version="1.0" encoding="utf-8"?>
@@ -10773,17 +11635,12 @@
 </file>
 
 <file path=customXml/item3.xml><?xml version="1.0" encoding="utf-8"?>
-<p:properties xmlns:p="http://schemas.microsoft.com/office/2006/metadata/properties" xmlns:xsi="http://www.w3.org/2001/XMLSchema-instance" xmlns:pc="http://schemas.microsoft.com/office/infopath/2007/PartnerControls">
-  <documentManagement>
-    <_dlc_DocId xmlns="037063e9-a85e-4c78-8627-f1a9315663e5">EVEA5JW6U4JV-6-9775</_dlc_DocId>
-    <_dlc_DocIdUrl xmlns="037063e9-a85e-4c78-8627-f1a9315663e5">
-      <Url>https://portal.roitraining.com/Courses/_layouts/DocIdRedir.aspx?ID=EVEA5JW6U4JV-6-9775</Url>
-      <Description>EVEA5JW6U4JV-6-9775</Description>
-    </_dlc_DocIdUrl>
-    <Date_x0020_last_x0020_used xmlns="027ed24f-5970-4294-be5c-0919c5aaa214" xsi:nil="true"/>
-    <Customization_x0020_Information xmlns="027ed24f-5970-4294-be5c-0919c5aaa214" xsi:nil="true"/>
-  </documentManagement>
-</p:properties>
+<?mso-contentType ?>
+<FormTemplates xmlns="http://schemas.microsoft.com/sharepoint/v3/contenttype/forms">
+  <Display>DocumentLibraryForm</Display>
+  <Edit>DocumentLibraryForm</Edit>
+  <New>DocumentLibraryForm</New>
+</FormTemplates>
 </file>
 
 <file path=customXml/item4.xml><?xml version="1.0" encoding="utf-8"?>
@@ -10953,17 +11810,47 @@
 </file>
 
 <file path=customXml/itemProps1.xml><?xml version="1.0" encoding="utf-8"?>
-<ds:datastoreItem xmlns:ds="http://schemas.openxmlformats.org/officeDocument/2006/customXml" ds:itemID="{2DA015F3-603C-4688-A5F3-81D587DAB8C9}"/>
+<ds:datastoreItem xmlns:ds="http://schemas.openxmlformats.org/officeDocument/2006/customXml" ds:itemID="{F47B9207-CE5C-49AD-B414-15CBFA246D65}">
+  <ds:schemaRefs>
+    <ds:schemaRef ds:uri="http://schemas.microsoft.com/office/2006/metadata/properties"/>
+    <ds:schemaRef ds:uri="http://schemas.microsoft.com/office/infopath/2007/PartnerControls"/>
+    <ds:schemaRef ds:uri="037063e9-a85e-4c78-8627-f1a9315663e5"/>
+    <ds:schemaRef ds:uri="027ed24f-5970-4294-be5c-0919c5aaa214"/>
+  </ds:schemaRefs>
+</ds:datastoreItem>
 </file>
 
 <file path=customXml/itemProps2.xml><?xml version="1.0" encoding="utf-8"?>
-<ds:datastoreItem xmlns:ds="http://schemas.openxmlformats.org/officeDocument/2006/customXml" ds:itemID="{B9043294-8302-4947-B882-02D6486F929C}"/>
+<ds:datastoreItem xmlns:ds="http://schemas.openxmlformats.org/officeDocument/2006/customXml" ds:itemID="{B9043294-8302-4947-B882-02D6486F929C}">
+  <ds:schemaRefs>
+    <ds:schemaRef ds:uri="http://schemas.microsoft.com/sharepoint/events"/>
+  </ds:schemaRefs>
+</ds:datastoreItem>
 </file>
 
 <file path=customXml/itemProps3.xml><?xml version="1.0" encoding="utf-8"?>
-<ds:datastoreItem xmlns:ds="http://schemas.openxmlformats.org/officeDocument/2006/customXml" ds:itemID="{F47B9207-CE5C-49AD-B414-15CBFA246D65}"/>
+<ds:datastoreItem xmlns:ds="http://schemas.openxmlformats.org/officeDocument/2006/customXml" ds:itemID="{2DA015F3-603C-4688-A5F3-81D587DAB8C9}">
+  <ds:schemaRefs>
+    <ds:schemaRef ds:uri="http://schemas.microsoft.com/sharepoint/v3/contenttype/forms"/>
+  </ds:schemaRefs>
+</ds:datastoreItem>
 </file>
 
 <file path=customXml/itemProps4.xml><?xml version="1.0" encoding="utf-8"?>
-<ds:datastoreItem xmlns:ds="http://schemas.openxmlformats.org/officeDocument/2006/customXml" ds:itemID="{C4B97901-086A-43FB-9CDE-81946CD251DD}"/>
+<ds:datastoreItem xmlns:ds="http://schemas.openxmlformats.org/officeDocument/2006/customXml" ds:itemID="{C4B97901-086A-43FB-9CDE-81946CD251DD}">
+  <ds:schemaRefs>
+    <ds:schemaRef ds:uri="http://schemas.microsoft.com/office/2006/metadata/contentType"/>
+    <ds:schemaRef ds:uri="http://schemas.microsoft.com/office/2006/metadata/properties/metaAttributes"/>
+    <ds:schemaRef ds:uri="http://www.w3.org/2001/XMLSchema"/>
+    <ds:schemaRef ds:uri="http://schemas.microsoft.com/office/2006/metadata/properties"/>
+    <ds:schemaRef ds:uri="027ed24f-5970-4294-be5c-0919c5aaa214"/>
+    <ds:schemaRef ds:uri="037063e9-a85e-4c78-8627-f1a9315663e5"/>
+    <ds:schemaRef ds:uri="http://schemas.microsoft.com/office/2006/documentManagement/types"/>
+    <ds:schemaRef ds:uri="http://schemas.microsoft.com/office/infopath/2007/PartnerControls"/>
+    <ds:schemaRef ds:uri="http://schemas.openxmlformats.org/package/2006/metadata/core-properties"/>
+    <ds:schemaRef ds:uri="http://purl.org/dc/elements/1.1/"/>
+    <ds:schemaRef ds:uri="http://purl.org/dc/terms/"/>
+    <ds:schemaRef ds:uri="http://schemas.microsoft.com/internal/obd"/>
+  </ds:schemaRefs>
+</ds:datastoreItem>
 </file>
--- a/Day5/Ch06_SparkStreaming.pptx
+++ b/Day5/Ch06_SparkStreaming.pptx
@@ -5,10 +5,10 @@
     <p:sldMasterId id="2147483684" r:id="rId5"/>
   </p:sldMasterIdLst>
   <p:notesMasterIdLst>
-    <p:notesMasterId r:id="rId20"/>
+    <p:notesMasterId r:id="rId21"/>
   </p:notesMasterIdLst>
   <p:handoutMasterIdLst>
-    <p:handoutMasterId r:id="rId21"/>
+    <p:handoutMasterId r:id="rId22"/>
   </p:handoutMasterIdLst>
   <p:sldIdLst>
     <p:sldId id="257" r:id="rId6"/>
@@ -21,10 +21,11 @@
     <p:sldId id="406" r:id="rId13"/>
     <p:sldId id="407" r:id="rId14"/>
     <p:sldId id="414" r:id="rId15"/>
-    <p:sldId id="409" r:id="rId16"/>
-    <p:sldId id="408" r:id="rId17"/>
-    <p:sldId id="410" r:id="rId18"/>
-    <p:sldId id="413" r:id="rId19"/>
+    <p:sldId id="415" r:id="rId16"/>
+    <p:sldId id="409" r:id="rId17"/>
+    <p:sldId id="408" r:id="rId18"/>
+    <p:sldId id="410" r:id="rId19"/>
+    <p:sldId id="413" r:id="rId20"/>
   </p:sldIdLst>
   <p:sldSz cx="9144000" cy="6858000" type="screen4x3"/>
   <p:notesSz cx="7053263" cy="9356725"/>
@@ -1274,6 +1275,72 @@
     </p:spTree>
     <p:extLst>
       <p:ext uri="{BB962C8B-B14F-4D97-AF65-F5344CB8AC3E}">
+        <p14:creationId xmlns:p14="http://schemas.microsoft.com/office/powerpoint/2010/main" val="1097796526"/>
+      </p:ext>
+    </p:extLst>
+  </p:cSld>
+  <p:clrMapOvr>
+    <a:masterClrMapping/>
+  </p:clrMapOvr>
+</p:notes>
+</file>
+
+<file path=ppt/notesSlides/notesSlide11.xml><?xml version="1.0" encoding="utf-8"?>
+<p:notes xmlns:a="http://schemas.openxmlformats.org/drawingml/2006/main" xmlns:r="http://schemas.openxmlformats.org/officeDocument/2006/relationships" xmlns:p="http://schemas.openxmlformats.org/presentationml/2006/main">
+  <p:cSld>
+    <p:spTree>
+      <p:nvGrpSpPr>
+        <p:cNvPr id="1" name=""/>
+        <p:cNvGrpSpPr/>
+        <p:nvPr/>
+      </p:nvGrpSpPr>
+      <p:grpSpPr>
+        <a:xfrm>
+          <a:off x="0" y="0"/>
+          <a:ext cx="0" cy="0"/>
+          <a:chOff x="0" y="0"/>
+          <a:chExt cx="0" cy="0"/>
+        </a:xfrm>
+      </p:grpSpPr>
+      <p:sp>
+        <p:nvSpPr>
+          <p:cNvPr id="2" name="Slide Image Placeholder 1"/>
+          <p:cNvSpPr>
+            <a:spLocks noGrp="1" noRot="1" noChangeAspect="1"/>
+          </p:cNvSpPr>
+          <p:nvPr>
+            <p:ph type="sldImg"/>
+          </p:nvPr>
+        </p:nvSpPr>
+        <p:spPr>
+          <a:xfrm>
+            <a:off x="1189038" y="701675"/>
+            <a:ext cx="4676775" cy="3508375"/>
+          </a:xfrm>
+        </p:spPr>
+      </p:sp>
+      <p:sp>
+        <p:nvSpPr>
+          <p:cNvPr id="3" name="Notes Placeholder 2"/>
+          <p:cNvSpPr>
+            <a:spLocks noGrp="1"/>
+          </p:cNvSpPr>
+          <p:nvPr>
+            <p:ph type="body" idx="1"/>
+          </p:nvPr>
+        </p:nvSpPr>
+        <p:spPr/>
+        <p:txBody>
+          <a:bodyPr/>
+          <a:lstStyle/>
+          <a:p>
+            <a:endParaRPr lang="en-US" dirty="0"/>
+          </a:p>
+        </p:txBody>
+      </p:sp>
+    </p:spTree>
+    <p:extLst>
+      <p:ext uri="{BB962C8B-B14F-4D97-AF65-F5344CB8AC3E}">
         <p14:creationId xmlns:p14="http://schemas.microsoft.com/office/powerpoint/2010/main" val="2054287834"/>
       </p:ext>
     </p:extLst>
@@ -1284,7 +1351,7 @@
 </p:notes>
 </file>
 
-<file path=ppt/notesSlides/notesSlide11.xml><?xml version="1.0" encoding="utf-8"?>
+<file path=ppt/notesSlides/notesSlide12.xml><?xml version="1.0" encoding="utf-8"?>
 <p:notes xmlns:a="http://schemas.openxmlformats.org/drawingml/2006/main" xmlns:r="http://schemas.openxmlformats.org/officeDocument/2006/relationships" xmlns:p="http://schemas.openxmlformats.org/presentationml/2006/main">
   <p:cSld>
     <p:spTree>
@@ -1345,7 +1412,7 @@
 </p:notes>
 </file>
 
-<file path=ppt/notesSlides/notesSlide12.xml><?xml version="1.0" encoding="utf-8"?>
+<file path=ppt/notesSlides/notesSlide13.xml><?xml version="1.0" encoding="utf-8"?>
 <p:notes xmlns:a="http://schemas.openxmlformats.org/drawingml/2006/main" xmlns:r="http://schemas.openxmlformats.org/officeDocument/2006/relationships" xmlns:p="http://schemas.openxmlformats.org/presentationml/2006/main">
   <p:cSld>
     <p:spTree>
@@ -1692,7 +1759,12 @@
             <p:ph type="sldImg"/>
           </p:nvPr>
         </p:nvSpPr>
-        <p:spPr/>
+        <p:spPr>
+          <a:xfrm>
+            <a:off x="1189038" y="701675"/>
+            <a:ext cx="4676775" cy="3508375"/>
+          </a:xfrm>
+        </p:spPr>
       </p:sp>
       <p:sp>
         <p:nvSpPr>
@@ -7074,66 +7146,57 @@
           <a:p>
             <a:pPr lvl="0"/>
             <a:r>
-              <a:rPr lang="x-none" altLang="x-none" dirty="0"/>
-              <a:t>fileStream() monitors a file system directory</a:t>
-            </a:r>
+              <a:rPr lang="en-US" altLang="x-none" dirty="0" err="1"/>
+              <a:t>DStreams</a:t>
+            </a:r>
+            <a:r>
+              <a:rPr lang="en-US" altLang="x-none" dirty="0"/>
+              <a:t> can be turned into </a:t>
+            </a:r>
+            <a:r>
+              <a:rPr lang="en-US" altLang="x-none" dirty="0" err="1"/>
+              <a:t>DataFrames</a:t>
+            </a:r>
+            <a:r>
+              <a:rPr lang="en-US" altLang="x-none" dirty="0"/>
+              <a:t> and then </a:t>
+            </a:r>
+            <a:r>
+              <a:rPr lang="en-US" altLang="x-none" dirty="0" err="1"/>
+              <a:t>tempory</a:t>
+            </a:r>
+            <a:r>
+              <a:rPr lang="en-US" altLang="x-none" dirty="0"/>
+              <a:t> views to make it easier to process them</a:t>
+            </a:r>
+          </a:p>
+          <a:p>
+            <a:pPr lvl="0"/>
+            <a:r>
+              <a:rPr lang="en-US" altLang="x-none" dirty="0"/>
+              <a:t>You need do a little trick to make the </a:t>
+            </a:r>
+            <a:r>
+              <a:rPr lang="en-US" altLang="x-none" dirty="0" err="1"/>
+              <a:t>SparkContext</a:t>
+            </a:r>
+            <a:r>
+              <a:rPr lang="en-US" altLang="x-none" dirty="0"/>
+              <a:t> object the same as the </a:t>
+            </a:r>
+            <a:r>
+              <a:rPr lang="en-US" altLang="x-none" dirty="0" err="1"/>
+              <a:t>StreamingContext</a:t>
+            </a:r>
+            <a:endParaRPr lang="en-US" altLang="x-none" dirty="0"/>
           </a:p>
           <a:p>
             <a:pPr lvl="1"/>
             <a:r>
-              <a:rPr lang="x-none" altLang="x-none" dirty="0"/>
-              <a:t>Called on a StreamingContext instance</a:t>
-            </a:r>
-          </a:p>
-          <a:p>
-            <a:pPr lvl="1"/>
-            <a:r>
-              <a:rPr lang="x-none" altLang="x-none" dirty="0"/>
-              <a:t>Delegates to an underlying Hadoop InputFormat</a:t>
-            </a:r>
-          </a:p>
-          <a:p>
-            <a:pPr lvl="0"/>
-            <a:r>
-              <a:rPr lang="x-none" altLang="x-none" dirty="0"/>
-              <a:t>Files must be created in, or copied/moved to the monitored directory</a:t>
-            </a:r>
-          </a:p>
-          <a:p>
-            <a:pPr lvl="1"/>
-            <a:r>
-              <a:rPr lang="x-none" altLang="x-none" dirty="0"/>
-              <a:t>If required, existing files can be processed at start-up</a:t>
-            </a:r>
-          </a:p>
-          <a:p>
-            <a:pPr lvl="1"/>
-            <a:r>
-              <a:rPr lang="x-none" altLang="x-none" dirty="0"/>
-              <a:t>File names starting with '.' are ignored</a:t>
-            </a:r>
-          </a:p>
-          <a:p>
-            <a:pPr lvl="2"/>
-            <a:r>
-              <a:rPr lang="x-none" altLang="x-none" dirty="0"/>
-              <a:t>A generic file name filter can be specified</a:t>
-            </a:r>
-          </a:p>
-          <a:p>
-            <a:pPr lvl="0"/>
-            <a:r>
-              <a:rPr lang="x-none" altLang="x-none" dirty="0"/>
-              <a:t>The textFileStream() method delegates to a TextInputFormat </a:t>
-            </a:r>
-            <a:endParaRPr lang="en-CA" altLang="x-none" dirty="0"/>
-          </a:p>
-          <a:p>
-            <a:pPr lvl="0"/>
-            <a:r>
-              <a:rPr lang="x-none" altLang="x-none" dirty="0"/>
-              <a:t>For full details, view the Spark Scala API documentation</a:t>
-            </a:r>
+              <a:rPr lang="en-US" altLang="x-none" dirty="0"/>
+              <a:t>the following lazy evaluated singleton instance will help do that</a:t>
+            </a:r>
+            <a:endParaRPr lang="x-none" altLang="x-none" dirty="0"/>
           </a:p>
           <a:p>
             <a:pPr marL="0" lvl="0" indent="0">
@@ -7148,307 +7211,9 @@
             </a:endParaRPr>
           </a:p>
           <a:p>
-            <a:pPr marL="0" lvl="0" indent="0">
-              <a:spcBef>
-                <a:spcPts val="0"/>
-              </a:spcBef>
+            <a:pPr marL="0" indent="0">
               <a:buNone/>
             </a:pPr>
-            <a:endParaRPr lang="en-US" altLang="x-none" sz="1200" dirty="0">
-              <a:latin typeface="Courier New" panose="02070309020205020404" pitchFamily="49" charset="0"/>
-              <a:cs typeface="Courier New" panose="02070309020205020404" pitchFamily="49" charset="0"/>
-            </a:endParaRPr>
-          </a:p>
-          <a:p>
-            <a:pPr marL="0" lvl="0" indent="0">
-              <a:spcBef>
-                <a:spcPts val="0"/>
-              </a:spcBef>
-              <a:buNone/>
-            </a:pPr>
-            <a:r>
-              <a:rPr lang="en-US" altLang="x-none" sz="1200" dirty="0" err="1">
-                <a:latin typeface="Courier New" panose="02070309020205020404" pitchFamily="49" charset="0"/>
-                <a:cs typeface="Courier New" panose="02070309020205020404" pitchFamily="49" charset="0"/>
-              </a:rPr>
-              <a:t>ssc</a:t>
-            </a:r>
-            <a:r>
-              <a:rPr lang="en-US" altLang="x-none" sz="1200" dirty="0">
-                <a:latin typeface="Courier New" panose="02070309020205020404" pitchFamily="49" charset="0"/>
-                <a:cs typeface="Courier New" panose="02070309020205020404" pitchFamily="49" charset="0"/>
-              </a:rPr>
-              <a:t> = </a:t>
-            </a:r>
-            <a:r>
-              <a:rPr lang="en-US" altLang="x-none" sz="1200" dirty="0" err="1">
-                <a:latin typeface="Courier New" panose="02070309020205020404" pitchFamily="49" charset="0"/>
-                <a:cs typeface="Courier New" panose="02070309020205020404" pitchFamily="49" charset="0"/>
-              </a:rPr>
-              <a:t>StreamingContext</a:t>
-            </a:r>
-            <a:r>
-              <a:rPr lang="en-US" altLang="x-none" sz="1200" dirty="0">
-                <a:latin typeface="Courier New" panose="02070309020205020404" pitchFamily="49" charset="0"/>
-                <a:cs typeface="Courier New" panose="02070309020205020404" pitchFamily="49" charset="0"/>
-              </a:rPr>
-              <a:t>(</a:t>
-            </a:r>
-            <a:r>
-              <a:rPr lang="en-US" altLang="x-none" sz="1200" dirty="0" err="1">
-                <a:latin typeface="Courier New" panose="02070309020205020404" pitchFamily="49" charset="0"/>
-                <a:cs typeface="Courier New" panose="02070309020205020404" pitchFamily="49" charset="0"/>
-              </a:rPr>
-              <a:t>sc</a:t>
-            </a:r>
-            <a:r>
-              <a:rPr lang="en-US" altLang="x-none" sz="1200" dirty="0">
-                <a:latin typeface="Courier New" panose="02070309020205020404" pitchFamily="49" charset="0"/>
-                <a:cs typeface="Courier New" panose="02070309020205020404" pitchFamily="49" charset="0"/>
-              </a:rPr>
-              <a:t>, 5)</a:t>
-            </a:r>
-          </a:p>
-          <a:p>
-            <a:pPr marL="0" lvl="0" indent="0">
-              <a:spcBef>
-                <a:spcPts val="0"/>
-              </a:spcBef>
-              <a:buNone/>
-            </a:pPr>
-            <a:r>
-              <a:rPr lang="en-US" altLang="x-none" sz="1200" dirty="0">
-                <a:latin typeface="Courier New" panose="02070309020205020404" pitchFamily="49" charset="0"/>
-                <a:cs typeface="Courier New" panose="02070309020205020404" pitchFamily="49" charset="0"/>
-              </a:rPr>
-              <a:t>lines = </a:t>
-            </a:r>
-            <a:r>
-              <a:rPr lang="en-US" altLang="x-none" sz="1200" dirty="0" err="1">
-                <a:latin typeface="Courier New" panose="02070309020205020404" pitchFamily="49" charset="0"/>
-                <a:cs typeface="Courier New" panose="02070309020205020404" pitchFamily="49" charset="0"/>
-              </a:rPr>
-              <a:t>ssc.textFileStream</a:t>
-            </a:r>
-            <a:r>
-              <a:rPr lang="en-US" altLang="x-none" sz="1200" dirty="0">
-                <a:latin typeface="Courier New" panose="02070309020205020404" pitchFamily="49" charset="0"/>
-                <a:cs typeface="Courier New" panose="02070309020205020404" pitchFamily="49" charset="0"/>
-              </a:rPr>
-              <a:t>('stream')</a:t>
-            </a:r>
-          </a:p>
-          <a:p>
-            <a:pPr marL="0" lvl="0" indent="0">
-              <a:spcBef>
-                <a:spcPts val="0"/>
-              </a:spcBef>
-              <a:buNone/>
-            </a:pPr>
-            <a:r>
-              <a:rPr lang="en-US" altLang="x-none" sz="1200" dirty="0">
-                <a:latin typeface="Courier New" panose="02070309020205020404" pitchFamily="49" charset="0"/>
-                <a:cs typeface="Courier New" panose="02070309020205020404" pitchFamily="49" charset="0"/>
-              </a:rPr>
-              <a:t>words = </a:t>
-            </a:r>
-            <a:r>
-              <a:rPr lang="en-US" altLang="x-none" sz="1200" dirty="0" err="1">
-                <a:latin typeface="Courier New" panose="02070309020205020404" pitchFamily="49" charset="0"/>
-                <a:cs typeface="Courier New" panose="02070309020205020404" pitchFamily="49" charset="0"/>
-              </a:rPr>
-              <a:t>lines.flatMap</a:t>
-            </a:r>
-            <a:r>
-              <a:rPr lang="en-US" altLang="x-none" sz="1200" dirty="0">
-                <a:latin typeface="Courier New" panose="02070309020205020404" pitchFamily="49" charset="0"/>
-                <a:cs typeface="Courier New" panose="02070309020205020404" pitchFamily="49" charset="0"/>
-              </a:rPr>
-              <a:t>(lambda line: </a:t>
-            </a:r>
-            <a:r>
-              <a:rPr lang="en-US" altLang="x-none" sz="1200" dirty="0" err="1">
-                <a:latin typeface="Courier New" panose="02070309020205020404" pitchFamily="49" charset="0"/>
-                <a:cs typeface="Courier New" panose="02070309020205020404" pitchFamily="49" charset="0"/>
-              </a:rPr>
-              <a:t>line.split</a:t>
-            </a:r>
-            <a:r>
-              <a:rPr lang="en-US" altLang="x-none" sz="1200" dirty="0">
-                <a:latin typeface="Courier New" panose="02070309020205020404" pitchFamily="49" charset="0"/>
-                <a:cs typeface="Courier New" panose="02070309020205020404" pitchFamily="49" charset="0"/>
-              </a:rPr>
-              <a:t>(' '))</a:t>
-            </a:r>
-          </a:p>
-          <a:p>
-            <a:pPr marL="0" lvl="0" indent="0">
-              <a:spcBef>
-                <a:spcPts val="0"/>
-              </a:spcBef>
-              <a:buNone/>
-            </a:pPr>
-            <a:r>
-              <a:rPr lang="en-US" altLang="x-none" sz="1200" dirty="0">
-                <a:latin typeface="Courier New" panose="02070309020205020404" pitchFamily="49" charset="0"/>
-                <a:cs typeface="Courier New" panose="02070309020205020404" pitchFamily="49" charset="0"/>
-              </a:rPr>
-              <a:t>pairs = </a:t>
-            </a:r>
-            <a:r>
-              <a:rPr lang="en-US" altLang="x-none" sz="1200" dirty="0" err="1">
-                <a:latin typeface="Courier New" panose="02070309020205020404" pitchFamily="49" charset="0"/>
-                <a:cs typeface="Courier New" panose="02070309020205020404" pitchFamily="49" charset="0"/>
-              </a:rPr>
-              <a:t>words.map</a:t>
-            </a:r>
-            <a:r>
-              <a:rPr lang="en-US" altLang="x-none" sz="1200" dirty="0">
-                <a:latin typeface="Courier New" panose="02070309020205020404" pitchFamily="49" charset="0"/>
-                <a:cs typeface="Courier New" panose="02070309020205020404" pitchFamily="49" charset="0"/>
-              </a:rPr>
-              <a:t>(lambda w: (w, 1))</a:t>
-            </a:r>
-          </a:p>
-          <a:p>
-            <a:pPr marL="0" lvl="0" indent="0">
-              <a:spcBef>
-                <a:spcPts val="0"/>
-              </a:spcBef>
-              <a:buNone/>
-            </a:pPr>
-            <a:r>
-              <a:rPr lang="en-US" altLang="x-none" sz="1200" dirty="0" err="1">
-                <a:latin typeface="Courier New" panose="02070309020205020404" pitchFamily="49" charset="0"/>
-                <a:cs typeface="Courier New" panose="02070309020205020404" pitchFamily="49" charset="0"/>
-              </a:rPr>
-              <a:t>wordCount</a:t>
-            </a:r>
-            <a:r>
-              <a:rPr lang="en-US" altLang="x-none" sz="1200" dirty="0">
-                <a:latin typeface="Courier New" panose="02070309020205020404" pitchFamily="49" charset="0"/>
-                <a:cs typeface="Courier New" panose="02070309020205020404" pitchFamily="49" charset="0"/>
-              </a:rPr>
-              <a:t> = </a:t>
-            </a:r>
-            <a:r>
-              <a:rPr lang="en-US" altLang="x-none" sz="1200" dirty="0" err="1">
-                <a:latin typeface="Courier New" panose="02070309020205020404" pitchFamily="49" charset="0"/>
-                <a:cs typeface="Courier New" panose="02070309020205020404" pitchFamily="49" charset="0"/>
-              </a:rPr>
-              <a:t>pairs.reduceByKey</a:t>
-            </a:r>
-            <a:r>
-              <a:rPr lang="en-US" altLang="x-none" sz="1200" dirty="0">
-                <a:latin typeface="Courier New" panose="02070309020205020404" pitchFamily="49" charset="0"/>
-                <a:cs typeface="Courier New" panose="02070309020205020404" pitchFamily="49" charset="0"/>
-              </a:rPr>
-              <a:t>(lambda x, y : x + y).transform(lambda x : </a:t>
-            </a:r>
-            <a:r>
-              <a:rPr lang="en-US" altLang="x-none" sz="1200" dirty="0" err="1">
-                <a:latin typeface="Courier New" panose="02070309020205020404" pitchFamily="49" charset="0"/>
-                <a:cs typeface="Courier New" panose="02070309020205020404" pitchFamily="49" charset="0"/>
-              </a:rPr>
-              <a:t>x.sortBy</a:t>
-            </a:r>
-            <a:r>
-              <a:rPr lang="en-US" altLang="x-none" sz="1200" dirty="0">
-                <a:latin typeface="Courier New" panose="02070309020205020404" pitchFamily="49" charset="0"/>
-                <a:cs typeface="Courier New" panose="02070309020205020404" pitchFamily="49" charset="0"/>
-              </a:rPr>
-              <a:t>(lambda x : -x[1]))</a:t>
-            </a:r>
-          </a:p>
-          <a:p>
-            <a:pPr marL="0" lvl="0" indent="0">
-              <a:spcBef>
-                <a:spcPts val="0"/>
-              </a:spcBef>
-              <a:buNone/>
-            </a:pPr>
-            <a:r>
-              <a:rPr lang="en-US" altLang="x-none" sz="1200" dirty="0" err="1">
-                <a:latin typeface="Courier New" panose="02070309020205020404" pitchFamily="49" charset="0"/>
-                <a:cs typeface="Courier New" panose="02070309020205020404" pitchFamily="49" charset="0"/>
-              </a:rPr>
-              <a:t>wordCount.pprint</a:t>
-            </a:r>
-            <a:r>
-              <a:rPr lang="en-US" altLang="x-none" sz="1200" dirty="0">
-                <a:latin typeface="Courier New" panose="02070309020205020404" pitchFamily="49" charset="0"/>
-                <a:cs typeface="Courier New" panose="02070309020205020404" pitchFamily="49" charset="0"/>
-              </a:rPr>
-              <a:t>()</a:t>
-            </a:r>
-          </a:p>
-          <a:p>
-            <a:pPr marL="0" lvl="0" indent="0">
-              <a:spcBef>
-                <a:spcPts val="0"/>
-              </a:spcBef>
-              <a:buNone/>
-            </a:pPr>
-            <a:r>
-              <a:rPr lang="en-US" altLang="x-none" sz="1200" dirty="0" err="1">
-                <a:latin typeface="Courier New" panose="02070309020205020404" pitchFamily="49" charset="0"/>
-                <a:cs typeface="Courier New" panose="02070309020205020404" pitchFamily="49" charset="0"/>
-              </a:rPr>
-              <a:t>ssc.start</a:t>
-            </a:r>
-            <a:r>
-              <a:rPr lang="en-US" altLang="x-none" sz="1200" dirty="0">
-                <a:latin typeface="Courier New" panose="02070309020205020404" pitchFamily="49" charset="0"/>
-                <a:cs typeface="Courier New" panose="02070309020205020404" pitchFamily="49" charset="0"/>
-              </a:rPr>
-              <a:t>()</a:t>
-            </a:r>
-          </a:p>
-          <a:p>
-            <a:pPr marL="0" lvl="0" indent="0">
-              <a:spcBef>
-                <a:spcPts val="0"/>
-              </a:spcBef>
-              <a:buNone/>
-            </a:pPr>
-            <a:r>
-              <a:rPr lang="en-US" altLang="x-none" sz="1200" dirty="0" err="1">
-                <a:latin typeface="Courier New" panose="02070309020205020404" pitchFamily="49" charset="0"/>
-                <a:cs typeface="Courier New" panose="02070309020205020404" pitchFamily="49" charset="0"/>
-              </a:rPr>
-              <a:t>ssc.awaitTerminationOrTimeout</a:t>
-            </a:r>
-            <a:r>
-              <a:rPr lang="en-US" altLang="x-none" sz="1200" dirty="0">
-                <a:latin typeface="Courier New" panose="02070309020205020404" pitchFamily="49" charset="0"/>
-                <a:cs typeface="Courier New" panose="02070309020205020404" pitchFamily="49" charset="0"/>
-              </a:rPr>
-              <a:t>(10000)</a:t>
-            </a:r>
-          </a:p>
-          <a:p>
-            <a:pPr marL="0" lvl="0" indent="0">
-              <a:spcBef>
-                <a:spcPts val="0"/>
-              </a:spcBef>
-              <a:buNone/>
-            </a:pPr>
-            <a:r>
-              <a:rPr lang="en-US" altLang="x-none" sz="1200" dirty="0" err="1">
-                <a:latin typeface="Courier New" panose="02070309020205020404" pitchFamily="49" charset="0"/>
-                <a:cs typeface="Courier New" panose="02070309020205020404" pitchFamily="49" charset="0"/>
-              </a:rPr>
-              <a:t>ssc.stop</a:t>
-            </a:r>
-            <a:r>
-              <a:rPr lang="en-US" altLang="x-none" sz="1200" dirty="0">
-                <a:latin typeface="Courier New" panose="02070309020205020404" pitchFamily="49" charset="0"/>
-                <a:cs typeface="Courier New" panose="02070309020205020404" pitchFamily="49" charset="0"/>
-              </a:rPr>
-              <a:t>()</a:t>
-            </a:r>
-          </a:p>
-          <a:p>
             <a:endParaRPr lang="en-US" dirty="0"/>
           </a:p>
         </p:txBody>
@@ -7478,51 +7243,412 @@
       </p:sp>
       <p:sp>
         <p:nvSpPr>
-          <p:cNvPr id="9" name="Rectangle 8">
+          <p:cNvPr id="5" name="CustomShape 3">
             <a:extLst>
               <a:ext uri="{FF2B5EF4-FFF2-40B4-BE49-F238E27FC236}">
-                <a16:creationId xmlns:a16="http://schemas.microsoft.com/office/drawing/2014/main" id="{5636819A-7966-45F4-8810-C8FF4D34983B}"/>
+                <a16:creationId xmlns:a16="http://schemas.microsoft.com/office/drawing/2014/main" id="{579AAC49-CE7F-CF49-95D1-B8FEBB8CFBA9}"/>
               </a:ext>
             </a:extLst>
           </p:cNvPr>
           <p:cNvSpPr/>
           <p:nvPr/>
         </p:nvSpPr>
-        <p:spPr bwMode="auto">
+        <p:spPr>
           <a:xfrm>
-            <a:off x="539014" y="4389120"/>
-            <a:ext cx="8239225" cy="1985554"/>
+            <a:off x="942532" y="2878920"/>
+            <a:ext cx="7506000" cy="1814428"/>
           </a:xfrm>
           <a:prstGeom prst="rect">
             <a:avLst/>
           </a:prstGeom>
           <a:noFill/>
-          <a:ln w="28575" algn="ctr">
+          <a:ln w="28440">
             <a:solidFill>
               <a:schemeClr val="accent2">
                 <a:lumMod val="20000"/>
                 <a:lumOff val="80000"/>
               </a:schemeClr>
             </a:solidFill>
-            <a:round/>
-            <a:headEnd/>
-            <a:tailEnd/>
+            <a:miter/>
           </a:ln>
-          <a:effectLst/>
         </p:spPr>
+        <p:style>
+          <a:lnRef idx="0">
+            <a:scrgbClr r="0" g="0" b="0"/>
+          </a:lnRef>
+          <a:fillRef idx="0">
+            <a:scrgbClr r="0" g="0" b="0"/>
+          </a:fillRef>
+          <a:effectRef idx="0">
+            <a:scrgbClr r="0" g="0" b="0"/>
+          </a:effectRef>
+          <a:fontRef idx="minor"/>
+        </p:style>
         <p:txBody>
-          <a:bodyPr wrap="square" rtlCol="0" anchor="ctr">
+          <a:bodyPr lIns="90000" tIns="45000" rIns="90000" bIns="45000">
             <a:spAutoFit/>
           </a:bodyPr>
           <a:lstStyle/>
           <a:p>
-            <a:pPr algn="ctr"/>
-            <a:endParaRPr lang="en-US" sz="1600" dirty="0">
-              <a:solidFill>
-                <a:schemeClr val="tx1"/>
-              </a:solidFill>
-              <a:latin typeface="+mn-lt"/>
-            </a:endParaRPr>
+            <a:pPr>
+              <a:lnSpc>
+                <a:spcPct val="100000"/>
+              </a:lnSpc>
+            </a:pPr>
+            <a:r>
+              <a:rPr lang="en-US" sz="1600" spc="-1" dirty="0">
+                <a:solidFill>
+                  <a:srgbClr val="000000"/>
+                </a:solidFill>
+                <a:latin typeface="Courier New"/>
+                <a:ea typeface="MS PGothic"/>
+              </a:rPr>
+              <a:t>def </a:t>
+            </a:r>
+            <a:r>
+              <a:rPr lang="en-US" sz="1600" spc="-1" dirty="0" err="1">
+                <a:solidFill>
+                  <a:srgbClr val="000000"/>
+                </a:solidFill>
+                <a:latin typeface="Courier New"/>
+                <a:ea typeface="MS PGothic"/>
+              </a:rPr>
+              <a:t>getSparkSessionInstance</a:t>
+            </a:r>
+            <a:r>
+              <a:rPr lang="en-US" sz="1600" spc="-1" dirty="0">
+                <a:solidFill>
+                  <a:srgbClr val="000000"/>
+                </a:solidFill>
+                <a:latin typeface="Courier New"/>
+                <a:ea typeface="MS PGothic"/>
+              </a:rPr>
+              <a:t>(</a:t>
+            </a:r>
+            <a:r>
+              <a:rPr lang="en-US" sz="1600" spc="-1" dirty="0" err="1">
+                <a:solidFill>
+                  <a:srgbClr val="000000"/>
+                </a:solidFill>
+                <a:latin typeface="Courier New"/>
+                <a:ea typeface="MS PGothic"/>
+              </a:rPr>
+              <a:t>sparkConf</a:t>
+            </a:r>
+            <a:r>
+              <a:rPr lang="en-US" sz="1600" spc="-1" dirty="0">
+                <a:solidFill>
+                  <a:srgbClr val="000000"/>
+                </a:solidFill>
+                <a:latin typeface="Courier New"/>
+                <a:ea typeface="MS PGothic"/>
+              </a:rPr>
+              <a:t>):</a:t>
+            </a:r>
+          </a:p>
+          <a:p>
+            <a:pPr>
+              <a:lnSpc>
+                <a:spcPct val="100000"/>
+              </a:lnSpc>
+            </a:pPr>
+            <a:r>
+              <a:rPr lang="en-US" sz="1600" spc="-1" dirty="0">
+                <a:solidFill>
+                  <a:srgbClr val="000000"/>
+                </a:solidFill>
+                <a:latin typeface="Courier New"/>
+                <a:ea typeface="MS PGothic"/>
+              </a:rPr>
+              <a:t>    if ("</a:t>
+            </a:r>
+            <a:r>
+              <a:rPr lang="en-US" sz="1600" spc="-1" dirty="0" err="1">
+                <a:solidFill>
+                  <a:srgbClr val="000000"/>
+                </a:solidFill>
+                <a:latin typeface="Courier New"/>
+                <a:ea typeface="MS PGothic"/>
+              </a:rPr>
+              <a:t>sparkSessionSingletonInstance</a:t>
+            </a:r>
+            <a:r>
+              <a:rPr lang="en-US" sz="1600" spc="-1" dirty="0">
+                <a:solidFill>
+                  <a:srgbClr val="000000"/>
+                </a:solidFill>
+                <a:latin typeface="Courier New"/>
+                <a:ea typeface="MS PGothic"/>
+              </a:rPr>
+              <a:t>" not in </a:t>
+            </a:r>
+            <a:r>
+              <a:rPr lang="en-US" sz="1600" spc="-1" dirty="0" err="1">
+                <a:solidFill>
+                  <a:srgbClr val="000000"/>
+                </a:solidFill>
+                <a:latin typeface="Courier New"/>
+                <a:ea typeface="MS PGothic"/>
+              </a:rPr>
+              <a:t>globals</a:t>
+            </a:r>
+            <a:r>
+              <a:rPr lang="en-US" sz="1600" spc="-1" dirty="0">
+                <a:solidFill>
+                  <a:srgbClr val="000000"/>
+                </a:solidFill>
+                <a:latin typeface="Courier New"/>
+                <a:ea typeface="MS PGothic"/>
+              </a:rPr>
+              <a:t>()):</a:t>
+            </a:r>
+          </a:p>
+          <a:p>
+            <a:pPr>
+              <a:lnSpc>
+                <a:spcPct val="100000"/>
+              </a:lnSpc>
+            </a:pPr>
+            <a:r>
+              <a:rPr lang="en-US" sz="1600" spc="-1" dirty="0">
+                <a:solidFill>
+                  <a:srgbClr val="000000"/>
+                </a:solidFill>
+                <a:latin typeface="Courier New"/>
+                <a:ea typeface="MS PGothic"/>
+              </a:rPr>
+              <a:t>        </a:t>
+            </a:r>
+            <a:r>
+              <a:rPr lang="en-US" sz="1600" spc="-1" dirty="0" err="1">
+                <a:solidFill>
+                  <a:srgbClr val="000000"/>
+                </a:solidFill>
+                <a:latin typeface="Courier New"/>
+                <a:ea typeface="MS PGothic"/>
+              </a:rPr>
+              <a:t>globals</a:t>
+            </a:r>
+            <a:r>
+              <a:rPr lang="en-US" sz="1600" spc="-1" dirty="0">
+                <a:solidFill>
+                  <a:srgbClr val="000000"/>
+                </a:solidFill>
+                <a:latin typeface="Courier New"/>
+                <a:ea typeface="MS PGothic"/>
+              </a:rPr>
+              <a:t>()["</a:t>
+            </a:r>
+            <a:r>
+              <a:rPr lang="en-US" sz="1600" spc="-1" dirty="0" err="1">
+                <a:solidFill>
+                  <a:srgbClr val="000000"/>
+                </a:solidFill>
+                <a:latin typeface="Courier New"/>
+                <a:ea typeface="MS PGothic"/>
+              </a:rPr>
+              <a:t>sparkSessionSingletonInstance</a:t>
+            </a:r>
+            <a:r>
+              <a:rPr lang="en-US" sz="1600" spc="-1" dirty="0">
+                <a:solidFill>
+                  <a:srgbClr val="000000"/>
+                </a:solidFill>
+                <a:latin typeface="Courier New"/>
+                <a:ea typeface="MS PGothic"/>
+              </a:rPr>
+              <a:t>"] = \ </a:t>
+            </a:r>
+            <a:br>
+              <a:rPr lang="en-US" sz="1600" spc="-1" dirty="0">
+                <a:solidFill>
+                  <a:srgbClr val="000000"/>
+                </a:solidFill>
+                <a:latin typeface="Courier New"/>
+                <a:ea typeface="MS PGothic"/>
+              </a:rPr>
+            </a:br>
+            <a:r>
+              <a:rPr lang="en-US" sz="1600" spc="-1" dirty="0">
+                <a:solidFill>
+                  <a:srgbClr val="000000"/>
+                </a:solidFill>
+                <a:latin typeface="Courier New"/>
+                <a:ea typeface="MS PGothic"/>
+              </a:rPr>
+              <a:t>            </a:t>
+            </a:r>
+            <a:r>
+              <a:rPr lang="en-US" sz="1600" spc="-1" dirty="0" err="1">
+                <a:solidFill>
+                  <a:srgbClr val="000000"/>
+                </a:solidFill>
+                <a:latin typeface="Courier New"/>
+                <a:ea typeface="MS PGothic"/>
+              </a:rPr>
+              <a:t>SparkSession.builder</a:t>
+            </a:r>
+            <a:r>
+              <a:rPr lang="en-US" sz="1600" spc="-1" dirty="0">
+                <a:solidFill>
+                  <a:srgbClr val="000000"/>
+                </a:solidFill>
+                <a:latin typeface="Courier New"/>
+                <a:ea typeface="MS PGothic"/>
+              </a:rPr>
+              <a:t> \</a:t>
+            </a:r>
+          </a:p>
+          <a:p>
+            <a:pPr>
+              <a:lnSpc>
+                <a:spcPct val="100000"/>
+              </a:lnSpc>
+            </a:pPr>
+            <a:r>
+              <a:rPr lang="en-US" sz="1600" spc="-1" dirty="0">
+                <a:solidFill>
+                  <a:srgbClr val="000000"/>
+                </a:solidFill>
+                <a:latin typeface="Courier New"/>
+                <a:ea typeface="MS PGothic"/>
+              </a:rPr>
+              <a:t>            .config(</a:t>
+            </a:r>
+            <a:r>
+              <a:rPr lang="en-US" sz="1600" spc="-1" dirty="0" err="1">
+                <a:solidFill>
+                  <a:srgbClr val="000000"/>
+                </a:solidFill>
+                <a:latin typeface="Courier New"/>
+                <a:ea typeface="MS PGothic"/>
+              </a:rPr>
+              <a:t>conf</a:t>
+            </a:r>
+            <a:r>
+              <a:rPr lang="en-US" sz="1600" spc="-1" dirty="0">
+                <a:solidFill>
+                  <a:srgbClr val="000000"/>
+                </a:solidFill>
+                <a:latin typeface="Courier New"/>
+                <a:ea typeface="MS PGothic"/>
+              </a:rPr>
+              <a:t>=</a:t>
+            </a:r>
+            <a:r>
+              <a:rPr lang="en-US" sz="1600" spc="-1" dirty="0" err="1">
+                <a:solidFill>
+                  <a:srgbClr val="000000"/>
+                </a:solidFill>
+                <a:latin typeface="Courier New"/>
+                <a:ea typeface="MS PGothic"/>
+              </a:rPr>
+              <a:t>sparkConf</a:t>
+            </a:r>
+            <a:r>
+              <a:rPr lang="en-US" sz="1600" spc="-1" dirty="0">
+                <a:solidFill>
+                  <a:srgbClr val="000000"/>
+                </a:solidFill>
+                <a:latin typeface="Courier New"/>
+                <a:ea typeface="MS PGothic"/>
+              </a:rPr>
+              <a:t>) \</a:t>
+            </a:r>
+          </a:p>
+          <a:p>
+            <a:pPr>
+              <a:lnSpc>
+                <a:spcPct val="100000"/>
+              </a:lnSpc>
+            </a:pPr>
+            <a:r>
+              <a:rPr lang="en-US" sz="1600" spc="-1" dirty="0">
+                <a:solidFill>
+                  <a:srgbClr val="000000"/>
+                </a:solidFill>
+                <a:latin typeface="Courier New"/>
+                <a:ea typeface="MS PGothic"/>
+              </a:rPr>
+              <a:t>            .</a:t>
+            </a:r>
+            <a:r>
+              <a:rPr lang="en-US" sz="1600" spc="-1" dirty="0" err="1">
+                <a:solidFill>
+                  <a:srgbClr val="000000"/>
+                </a:solidFill>
+                <a:latin typeface="Courier New"/>
+                <a:ea typeface="MS PGothic"/>
+              </a:rPr>
+              <a:t>getOrCreate</a:t>
+            </a:r>
+            <a:r>
+              <a:rPr lang="en-US" sz="1600" spc="-1" dirty="0">
+                <a:solidFill>
+                  <a:srgbClr val="000000"/>
+                </a:solidFill>
+                <a:latin typeface="Courier New"/>
+                <a:ea typeface="MS PGothic"/>
+              </a:rPr>
+              <a:t>()</a:t>
+            </a:r>
+          </a:p>
+          <a:p>
+            <a:pPr>
+              <a:lnSpc>
+                <a:spcPct val="100000"/>
+              </a:lnSpc>
+            </a:pPr>
+            <a:r>
+              <a:rPr lang="en-US" sz="1600" spc="-1" dirty="0">
+                <a:solidFill>
+                  <a:srgbClr val="000000"/>
+                </a:solidFill>
+                <a:latin typeface="Courier New"/>
+                <a:ea typeface="MS PGothic"/>
+              </a:rPr>
+              <a:t>    return </a:t>
+            </a:r>
+            <a:r>
+              <a:rPr lang="en-US" sz="1600" spc="-1" dirty="0" err="1">
+                <a:solidFill>
+                  <a:srgbClr val="000000"/>
+                </a:solidFill>
+                <a:latin typeface="Courier New"/>
+                <a:ea typeface="MS PGothic"/>
+              </a:rPr>
+              <a:t>globals</a:t>
+            </a:r>
+            <a:r>
+              <a:rPr lang="en-US" sz="1600" spc="-1" dirty="0">
+                <a:solidFill>
+                  <a:srgbClr val="000000"/>
+                </a:solidFill>
+                <a:latin typeface="Courier New"/>
+                <a:ea typeface="MS PGothic"/>
+              </a:rPr>
+              <a:t>()["</a:t>
+            </a:r>
+            <a:r>
+              <a:rPr lang="en-US" sz="1600" spc="-1" dirty="0" err="1">
+                <a:solidFill>
+                  <a:srgbClr val="000000"/>
+                </a:solidFill>
+                <a:latin typeface="Courier New"/>
+                <a:ea typeface="MS PGothic"/>
+              </a:rPr>
+              <a:t>sparkSessionSingletonInstance</a:t>
+            </a:r>
+            <a:r>
+              <a:rPr lang="en-US" sz="1600" spc="-1" dirty="0">
+                <a:solidFill>
+                  <a:srgbClr val="000000"/>
+                </a:solidFill>
+                <a:latin typeface="Courier New"/>
+                <a:ea typeface="MS PGothic"/>
+              </a:rPr>
+              <a:t>"]</a:t>
+            </a:r>
           </a:p>
         </p:txBody>
       </p:sp>
@@ -7540,6 +7666,850 @@
 </file>
 
 <file path=ppt/slides/slide11.xml><?xml version="1.0" encoding="utf-8"?>
+<p:sld xmlns:a="http://schemas.openxmlformats.org/drawingml/2006/main" xmlns:r="http://schemas.openxmlformats.org/officeDocument/2006/relationships" xmlns:p="http://schemas.openxmlformats.org/presentationml/2006/main">
+  <p:cSld>
+    <p:spTree>
+      <p:nvGrpSpPr>
+        <p:cNvPr id="1" name=""/>
+        <p:cNvGrpSpPr/>
+        <p:nvPr/>
+      </p:nvGrpSpPr>
+      <p:grpSpPr>
+        <a:xfrm>
+          <a:off x="0" y="0"/>
+          <a:ext cx="0" cy="0"/>
+          <a:chOff x="0" y="0"/>
+          <a:chExt cx="0" cy="0"/>
+        </a:xfrm>
+      </p:grpSpPr>
+      <p:sp>
+        <p:nvSpPr>
+          <p:cNvPr id="4" name="Content Placeholder 3">
+            <a:extLst>
+              <a:ext uri="{FF2B5EF4-FFF2-40B4-BE49-F238E27FC236}">
+                <a16:creationId xmlns:a16="http://schemas.microsoft.com/office/drawing/2014/main" id="{A88C9E6D-9B9D-425F-BBA2-44819BF2D51B}"/>
+              </a:ext>
+            </a:extLst>
+          </p:cNvPr>
+          <p:cNvSpPr>
+            <a:spLocks noGrp="1"/>
+          </p:cNvSpPr>
+          <p:nvPr>
+            <p:ph idx="1"/>
+          </p:nvPr>
+        </p:nvSpPr>
+        <p:spPr/>
+        <p:txBody>
+          <a:bodyPr/>
+          <a:lstStyle/>
+          <a:p>
+            <a:pPr lvl="0"/>
+            <a:r>
+              <a:rPr lang="en-US" altLang="x-none" dirty="0"/>
+              <a:t>To convert the </a:t>
+            </a:r>
+            <a:r>
+              <a:rPr lang="en-US" altLang="x-none" dirty="0" err="1"/>
+              <a:t>DStream</a:t>
+            </a:r>
+            <a:r>
+              <a:rPr lang="en-US" altLang="x-none" dirty="0"/>
+              <a:t> you need to call the </a:t>
+            </a:r>
+            <a:r>
+              <a:rPr lang="en-US" altLang="x-none" dirty="0" err="1"/>
+              <a:t>foreachRDD</a:t>
+            </a:r>
+            <a:r>
+              <a:rPr lang="en-US" altLang="x-none" dirty="0"/>
+              <a:t> and pass it a function to call</a:t>
+            </a:r>
+          </a:p>
+          <a:p>
+            <a:pPr lvl="0"/>
+            <a:r>
+              <a:rPr lang="en-US" altLang="x-none" dirty="0"/>
+              <a:t>You need do a little trick to make the </a:t>
+            </a:r>
+            <a:r>
+              <a:rPr lang="en-US" altLang="x-none" dirty="0" err="1"/>
+              <a:t>SparkContext</a:t>
+            </a:r>
+            <a:r>
+              <a:rPr lang="en-US" altLang="x-none" dirty="0"/>
+              <a:t> object the same as the </a:t>
+            </a:r>
+            <a:r>
+              <a:rPr lang="en-US" altLang="x-none" dirty="0" err="1"/>
+              <a:t>StreamingContext</a:t>
+            </a:r>
+            <a:endParaRPr lang="en-US" altLang="x-none" dirty="0"/>
+          </a:p>
+          <a:p>
+            <a:pPr lvl="1"/>
+            <a:r>
+              <a:rPr lang="en-US" altLang="x-none" dirty="0"/>
+              <a:t>the following lazy evaluated singleton instance will help do that</a:t>
+            </a:r>
+            <a:endParaRPr lang="x-none" altLang="x-none" dirty="0"/>
+          </a:p>
+          <a:p>
+            <a:pPr marL="0" lvl="0" indent="0">
+              <a:spcBef>
+                <a:spcPts val="0"/>
+              </a:spcBef>
+              <a:buNone/>
+            </a:pPr>
+            <a:endParaRPr lang="en-US" altLang="x-none" sz="1200" dirty="0">
+              <a:latin typeface="Courier New" panose="02070309020205020404" pitchFamily="49" charset="0"/>
+              <a:cs typeface="Courier New" panose="02070309020205020404" pitchFamily="49" charset="0"/>
+            </a:endParaRPr>
+          </a:p>
+          <a:p>
+            <a:pPr marL="0" indent="0">
+              <a:buNone/>
+            </a:pPr>
+            <a:endParaRPr lang="en-US" dirty="0"/>
+          </a:p>
+        </p:txBody>
+      </p:sp>
+      <p:sp>
+        <p:nvSpPr>
+          <p:cNvPr id="3" name="Title 2"/>
+          <p:cNvSpPr>
+            <a:spLocks noGrp="1"/>
+          </p:cNvSpPr>
+          <p:nvPr>
+            <p:ph type="title"/>
+          </p:nvPr>
+        </p:nvSpPr>
+        <p:spPr/>
+        <p:txBody>
+          <a:bodyPr/>
+          <a:lstStyle/>
+          <a:p>
+            <a:r>
+              <a:rPr lang="en-US" dirty="0" err="1"/>
+              <a:t>DataFrames</a:t>
+            </a:r>
+            <a:r>
+              <a:rPr lang="en-US" dirty="0"/>
+              <a:t> (cont'd)</a:t>
+            </a:r>
+          </a:p>
+        </p:txBody>
+      </p:sp>
+      <p:sp>
+        <p:nvSpPr>
+          <p:cNvPr id="5" name="CustomShape 3">
+            <a:extLst>
+              <a:ext uri="{FF2B5EF4-FFF2-40B4-BE49-F238E27FC236}">
+                <a16:creationId xmlns:a16="http://schemas.microsoft.com/office/drawing/2014/main" id="{579AAC49-CE7F-CF49-95D1-B8FEBB8CFBA9}"/>
+              </a:ext>
+            </a:extLst>
+          </p:cNvPr>
+          <p:cNvSpPr/>
+          <p:nvPr/>
+        </p:nvSpPr>
+        <p:spPr>
+          <a:xfrm>
+            <a:off x="209006" y="2878920"/>
+            <a:ext cx="8843554" cy="3537976"/>
+          </a:xfrm>
+          <a:prstGeom prst="rect">
+            <a:avLst/>
+          </a:prstGeom>
+          <a:noFill/>
+          <a:ln w="28440">
+            <a:solidFill>
+              <a:schemeClr val="accent2">
+                <a:lumMod val="20000"/>
+                <a:lumOff val="80000"/>
+              </a:schemeClr>
+            </a:solidFill>
+            <a:miter/>
+          </a:ln>
+        </p:spPr>
+        <p:style>
+          <a:lnRef idx="0">
+            <a:scrgbClr r="0" g="0" b="0"/>
+          </a:lnRef>
+          <a:fillRef idx="0">
+            <a:scrgbClr r="0" g="0" b="0"/>
+          </a:fillRef>
+          <a:effectRef idx="0">
+            <a:scrgbClr r="0" g="0" b="0"/>
+          </a:effectRef>
+          <a:fontRef idx="minor"/>
+        </p:style>
+        <p:txBody>
+          <a:bodyPr wrap="square" lIns="90000" tIns="45000" rIns="90000" bIns="45000">
+            <a:spAutoFit/>
+          </a:bodyPr>
+          <a:lstStyle/>
+          <a:p>
+            <a:pPr>
+              <a:lnSpc>
+                <a:spcPct val="100000"/>
+              </a:lnSpc>
+            </a:pPr>
+            <a:r>
+              <a:rPr lang="en-US" sz="1600" spc="-1" dirty="0">
+                <a:solidFill>
+                  <a:srgbClr val="000000"/>
+                </a:solidFill>
+                <a:latin typeface="Courier New"/>
+                <a:ea typeface="MS PGothic"/>
+              </a:rPr>
+              <a:t>def process(time, </a:t>
+            </a:r>
+            <a:r>
+              <a:rPr lang="en-US" sz="1600" spc="-1" dirty="0" err="1">
+                <a:solidFill>
+                  <a:srgbClr val="000000"/>
+                </a:solidFill>
+                <a:latin typeface="Courier New"/>
+                <a:ea typeface="MS PGothic"/>
+              </a:rPr>
+              <a:t>rdd</a:t>
+            </a:r>
+            <a:r>
+              <a:rPr lang="en-US" sz="1600" spc="-1" dirty="0">
+                <a:solidFill>
+                  <a:srgbClr val="000000"/>
+                </a:solidFill>
+                <a:latin typeface="Courier New"/>
+                <a:ea typeface="MS PGothic"/>
+              </a:rPr>
+              <a:t>):</a:t>
+            </a:r>
+          </a:p>
+          <a:p>
+            <a:pPr>
+              <a:lnSpc>
+                <a:spcPct val="100000"/>
+              </a:lnSpc>
+            </a:pPr>
+            <a:r>
+              <a:rPr lang="en-US" sz="1600" spc="-1" dirty="0">
+                <a:solidFill>
+                  <a:srgbClr val="000000"/>
+                </a:solidFill>
+                <a:latin typeface="Courier New"/>
+                <a:ea typeface="MS PGothic"/>
+              </a:rPr>
+              <a:t>  try:</a:t>
+            </a:r>
+          </a:p>
+          <a:p>
+            <a:pPr>
+              <a:lnSpc>
+                <a:spcPct val="100000"/>
+              </a:lnSpc>
+            </a:pPr>
+            <a:r>
+              <a:rPr lang="en-US" sz="1600" spc="-1" dirty="0">
+                <a:solidFill>
+                  <a:srgbClr val="000000"/>
+                </a:solidFill>
+                <a:latin typeface="Courier New"/>
+                <a:ea typeface="MS PGothic"/>
+              </a:rPr>
+              <a:t>    spark = </a:t>
+            </a:r>
+            <a:r>
+              <a:rPr lang="en-US" sz="1600" spc="-1" dirty="0" err="1">
+                <a:solidFill>
+                  <a:srgbClr val="000000"/>
+                </a:solidFill>
+                <a:latin typeface="Courier New"/>
+                <a:ea typeface="MS PGothic"/>
+              </a:rPr>
+              <a:t>getSparkSessionInstance</a:t>
+            </a:r>
+            <a:r>
+              <a:rPr lang="en-US" sz="1600" spc="-1" dirty="0">
+                <a:solidFill>
+                  <a:srgbClr val="000000"/>
+                </a:solidFill>
+                <a:latin typeface="Courier New"/>
+                <a:ea typeface="MS PGothic"/>
+              </a:rPr>
+              <a:t>(</a:t>
+            </a:r>
+            <a:r>
+              <a:rPr lang="en-US" sz="1600" spc="-1" dirty="0" err="1">
+                <a:solidFill>
+                  <a:srgbClr val="000000"/>
+                </a:solidFill>
+                <a:latin typeface="Courier New"/>
+                <a:ea typeface="MS PGothic"/>
+              </a:rPr>
+              <a:t>rdd.context.getConf</a:t>
+            </a:r>
+            <a:r>
+              <a:rPr lang="en-US" sz="1600" spc="-1" dirty="0">
+                <a:solidFill>
+                  <a:srgbClr val="000000"/>
+                </a:solidFill>
+                <a:latin typeface="Courier New"/>
+                <a:ea typeface="MS PGothic"/>
+              </a:rPr>
+              <a:t>())</a:t>
+            </a:r>
+          </a:p>
+          <a:p>
+            <a:pPr>
+              <a:lnSpc>
+                <a:spcPct val="100000"/>
+              </a:lnSpc>
+            </a:pPr>
+            <a:r>
+              <a:rPr lang="en-US" sz="1600" spc="-1" dirty="0">
+                <a:solidFill>
+                  <a:srgbClr val="000000"/>
+                </a:solidFill>
+                <a:latin typeface="Courier New"/>
+                <a:ea typeface="MS PGothic"/>
+              </a:rPr>
+              <a:t>    rdd1 = </a:t>
+            </a:r>
+            <a:r>
+              <a:rPr lang="en-US" sz="1600" spc="-1" dirty="0" err="1">
+                <a:solidFill>
+                  <a:srgbClr val="000000"/>
+                </a:solidFill>
+                <a:latin typeface="Courier New"/>
+                <a:ea typeface="MS PGothic"/>
+              </a:rPr>
+              <a:t>rdd.map</a:t>
+            </a:r>
+            <a:r>
+              <a:rPr lang="en-US" sz="1600" spc="-1" dirty="0">
+                <a:solidFill>
+                  <a:srgbClr val="000000"/>
+                </a:solidFill>
+                <a:latin typeface="Courier New"/>
+                <a:ea typeface="MS PGothic"/>
+              </a:rPr>
+              <a:t>(lambda x : x[1].split(',')) \</a:t>
+            </a:r>
+          </a:p>
+          <a:p>
+            <a:pPr>
+              <a:lnSpc>
+                <a:spcPct val="100000"/>
+              </a:lnSpc>
+            </a:pPr>
+            <a:r>
+              <a:rPr lang="en-US" sz="1600" spc="-1" dirty="0">
+                <a:solidFill>
+                  <a:srgbClr val="000000"/>
+                </a:solidFill>
+                <a:latin typeface="Courier New"/>
+                <a:ea typeface="MS PGothic"/>
+              </a:rPr>
+              <a:t>              .map(lambda x : (</a:t>
+            </a:r>
+            <a:r>
+              <a:rPr lang="en-US" sz="1600" spc="-1" dirty="0" err="1">
+                <a:solidFill>
+                  <a:srgbClr val="000000"/>
+                </a:solidFill>
+                <a:latin typeface="Courier New"/>
+                <a:ea typeface="MS PGothic"/>
+              </a:rPr>
+              <a:t>int</a:t>
+            </a:r>
+            <a:r>
+              <a:rPr lang="en-US" sz="1600" spc="-1" dirty="0">
+                <a:solidFill>
+                  <a:srgbClr val="000000"/>
+                </a:solidFill>
+                <a:latin typeface="Courier New"/>
+                <a:ea typeface="MS PGothic"/>
+              </a:rPr>
+              <a:t>(x[0]), float(x[1])))</a:t>
+            </a:r>
+          </a:p>
+          <a:p>
+            <a:pPr>
+              <a:lnSpc>
+                <a:spcPct val="100000"/>
+              </a:lnSpc>
+            </a:pPr>
+            <a:r>
+              <a:rPr lang="en-US" sz="1600" spc="-1" dirty="0">
+                <a:solidFill>
+                  <a:srgbClr val="000000"/>
+                </a:solidFill>
+                <a:latin typeface="Courier New"/>
+                <a:ea typeface="MS PGothic"/>
+              </a:rPr>
+              <a:t>    </a:t>
+            </a:r>
+            <a:r>
+              <a:rPr lang="en-US" sz="1600" spc="-1" dirty="0" err="1">
+                <a:solidFill>
+                  <a:srgbClr val="000000"/>
+                </a:solidFill>
+                <a:latin typeface="Courier New"/>
+                <a:ea typeface="MS PGothic"/>
+              </a:rPr>
+              <a:t>df</a:t>
+            </a:r>
+            <a:r>
+              <a:rPr lang="en-US" sz="1600" spc="-1" dirty="0">
+                <a:solidFill>
+                  <a:srgbClr val="000000"/>
+                </a:solidFill>
+                <a:latin typeface="Courier New"/>
+                <a:ea typeface="MS PGothic"/>
+              </a:rPr>
+              <a:t> = </a:t>
+            </a:r>
+            <a:r>
+              <a:rPr lang="en-US" sz="1600" spc="-1" dirty="0" err="1">
+                <a:solidFill>
+                  <a:srgbClr val="000000"/>
+                </a:solidFill>
+                <a:latin typeface="Courier New"/>
+                <a:ea typeface="MS PGothic"/>
+              </a:rPr>
+              <a:t>spark.createDataFrame</a:t>
+            </a:r>
+            <a:r>
+              <a:rPr lang="en-US" sz="1600" spc="-1" dirty="0">
+                <a:solidFill>
+                  <a:srgbClr val="000000"/>
+                </a:solidFill>
+                <a:latin typeface="Courier New"/>
+                <a:ea typeface="MS PGothic"/>
+              </a:rPr>
+              <a:t>(rdd1, schema='</a:t>
+            </a:r>
+            <a:r>
+              <a:rPr lang="en-US" sz="1600" spc="-1" dirty="0" err="1">
+                <a:solidFill>
+                  <a:srgbClr val="000000"/>
+                </a:solidFill>
+                <a:latin typeface="Courier New"/>
+                <a:ea typeface="MS PGothic"/>
+              </a:rPr>
+              <a:t>id:int</a:t>
+            </a:r>
+            <a:r>
+              <a:rPr lang="en-US" sz="1600" spc="-1" dirty="0">
+                <a:solidFill>
+                  <a:srgbClr val="000000"/>
+                </a:solidFill>
+                <a:latin typeface="Courier New"/>
+                <a:ea typeface="MS PGothic"/>
+              </a:rPr>
+              <a:t>, </a:t>
+            </a:r>
+            <a:r>
+              <a:rPr lang="en-US" sz="1600" spc="-1" dirty="0" err="1">
+                <a:solidFill>
+                  <a:srgbClr val="000000"/>
+                </a:solidFill>
+                <a:latin typeface="Courier New"/>
+                <a:ea typeface="MS PGothic"/>
+              </a:rPr>
+              <a:t>amount:float</a:t>
+            </a:r>
+            <a:r>
+              <a:rPr lang="en-US" sz="1600" spc="-1" dirty="0">
+                <a:solidFill>
+                  <a:srgbClr val="000000"/>
+                </a:solidFill>
+                <a:latin typeface="Courier New"/>
+                <a:ea typeface="MS PGothic"/>
+              </a:rPr>
+              <a:t>')</a:t>
+            </a:r>
+          </a:p>
+          <a:p>
+            <a:pPr>
+              <a:lnSpc>
+                <a:spcPct val="100000"/>
+              </a:lnSpc>
+            </a:pPr>
+            <a:r>
+              <a:rPr lang="en-US" sz="1600" spc="-1" dirty="0">
+                <a:solidFill>
+                  <a:srgbClr val="000000"/>
+                </a:solidFill>
+                <a:latin typeface="Courier New"/>
+                <a:ea typeface="MS PGothic"/>
+              </a:rPr>
+              <a:t>    </a:t>
+            </a:r>
+            <a:r>
+              <a:rPr lang="en-US" sz="1600" spc="-1" dirty="0" err="1">
+                <a:solidFill>
+                  <a:srgbClr val="000000"/>
+                </a:solidFill>
+                <a:latin typeface="Courier New"/>
+                <a:ea typeface="MS PGothic"/>
+              </a:rPr>
+              <a:t>df.createOrReplaceTempView</a:t>
+            </a:r>
+            <a:r>
+              <a:rPr lang="en-US" sz="1600" spc="-1" dirty="0">
+                <a:solidFill>
+                  <a:srgbClr val="000000"/>
+                </a:solidFill>
+                <a:latin typeface="Courier New"/>
+                <a:ea typeface="MS PGothic"/>
+              </a:rPr>
+              <a:t>('</a:t>
+            </a:r>
+            <a:r>
+              <a:rPr lang="en-US" sz="1600" spc="-1" dirty="0" err="1">
+                <a:solidFill>
+                  <a:srgbClr val="000000"/>
+                </a:solidFill>
+                <a:latin typeface="Courier New"/>
+                <a:ea typeface="MS PGothic"/>
+              </a:rPr>
+              <a:t>newdata</a:t>
+            </a:r>
+            <a:r>
+              <a:rPr lang="en-US" sz="1600" spc="-1" dirty="0">
+                <a:solidFill>
+                  <a:srgbClr val="000000"/>
+                </a:solidFill>
+                <a:latin typeface="Courier New"/>
+                <a:ea typeface="MS PGothic"/>
+              </a:rPr>
+              <a:t>')</a:t>
+            </a:r>
+          </a:p>
+          <a:p>
+            <a:pPr>
+              <a:lnSpc>
+                <a:spcPct val="100000"/>
+              </a:lnSpc>
+            </a:pPr>
+            <a:r>
+              <a:rPr lang="en-US" sz="1600" spc="-1" dirty="0">
+                <a:solidFill>
+                  <a:srgbClr val="000000"/>
+                </a:solidFill>
+                <a:latin typeface="Courier New"/>
+                <a:ea typeface="MS PGothic"/>
+              </a:rPr>
+              <a:t>    join = </a:t>
+            </a:r>
+            <a:r>
+              <a:rPr lang="en-US" sz="1600" spc="-1" dirty="0" err="1">
+                <a:solidFill>
+                  <a:srgbClr val="000000"/>
+                </a:solidFill>
+                <a:latin typeface="Courier New"/>
+                <a:ea typeface="MS PGothic"/>
+              </a:rPr>
+              <a:t>spark.sql</a:t>
+            </a:r>
+            <a:r>
+              <a:rPr lang="en-US" sz="1600" spc="-1" dirty="0">
+                <a:solidFill>
+                  <a:srgbClr val="000000"/>
+                </a:solidFill>
+                <a:latin typeface="Courier New"/>
+                <a:ea typeface="MS PGothic"/>
+              </a:rPr>
+              <a:t>('select </a:t>
+            </a:r>
+            <a:r>
+              <a:rPr lang="en-US" sz="1600" spc="-1" dirty="0" err="1">
+                <a:solidFill>
+                  <a:srgbClr val="000000"/>
+                </a:solidFill>
+                <a:latin typeface="Courier New"/>
+                <a:ea typeface="MS PGothic"/>
+              </a:rPr>
+              <a:t>n.id</a:t>
+            </a:r>
+            <a:r>
+              <a:rPr lang="en-US" sz="1600" spc="-1" dirty="0">
+                <a:solidFill>
+                  <a:srgbClr val="000000"/>
+                </a:solidFill>
+                <a:latin typeface="Courier New"/>
+                <a:ea typeface="MS PGothic"/>
+              </a:rPr>
+              <a:t>, </a:t>
+            </a:r>
+            <a:r>
+              <a:rPr lang="en-US" sz="1600" spc="-1" dirty="0" err="1">
+                <a:solidFill>
+                  <a:srgbClr val="000000"/>
+                </a:solidFill>
+                <a:latin typeface="Courier New"/>
+                <a:ea typeface="MS PGothic"/>
+              </a:rPr>
+              <a:t>c.name</a:t>
+            </a:r>
+            <a:r>
+              <a:rPr lang="en-US" sz="1600" spc="-1" dirty="0">
+                <a:solidFill>
+                  <a:srgbClr val="000000"/>
+                </a:solidFill>
+                <a:latin typeface="Courier New"/>
+                <a:ea typeface="MS PGothic"/>
+              </a:rPr>
+              <a:t>, </a:t>
+            </a:r>
+            <a:r>
+              <a:rPr lang="en-US" sz="1600" spc="-1" dirty="0" err="1">
+                <a:solidFill>
+                  <a:srgbClr val="000000"/>
+                </a:solidFill>
+                <a:latin typeface="Courier New"/>
+                <a:ea typeface="MS PGothic"/>
+              </a:rPr>
+              <a:t>n.amount</a:t>
+            </a:r>
+            <a:r>
+              <a:rPr lang="en-US" sz="1600" spc="-1" dirty="0">
+                <a:solidFill>
+                  <a:srgbClr val="000000"/>
+                </a:solidFill>
+                <a:latin typeface="Courier New"/>
+                <a:ea typeface="MS PGothic"/>
+              </a:rPr>
+              <a:t> from </a:t>
+            </a:r>
+            <a:r>
+              <a:rPr lang="en-US" sz="1600" spc="-1" dirty="0" err="1">
+                <a:solidFill>
+                  <a:srgbClr val="000000"/>
+                </a:solidFill>
+                <a:latin typeface="Courier New"/>
+                <a:ea typeface="MS PGothic"/>
+              </a:rPr>
+              <a:t>newdata</a:t>
+            </a:r>
+            <a:r>
+              <a:rPr lang="en-US" sz="1600" spc="-1" dirty="0">
+                <a:solidFill>
+                  <a:srgbClr val="000000"/>
+                </a:solidFill>
+                <a:latin typeface="Courier New"/>
+                <a:ea typeface="MS PGothic"/>
+              </a:rPr>
+              <a:t> as n</a:t>
+            </a:r>
+            <a:br>
+              <a:rPr lang="en-US" sz="1600" spc="-1" dirty="0">
+                <a:solidFill>
+                  <a:srgbClr val="000000"/>
+                </a:solidFill>
+                <a:latin typeface="Courier New"/>
+                <a:ea typeface="MS PGothic"/>
+              </a:rPr>
+            </a:br>
+            <a:r>
+              <a:rPr lang="en-US" sz="1600" spc="-1" dirty="0">
+                <a:solidFill>
+                  <a:srgbClr val="000000"/>
+                </a:solidFill>
+                <a:latin typeface="Courier New"/>
+                <a:ea typeface="MS PGothic"/>
+              </a:rPr>
+              <a:t>           join codes as c on </a:t>
+            </a:r>
+            <a:r>
+              <a:rPr lang="en-US" sz="1600" spc="-1" dirty="0" err="1">
+                <a:solidFill>
+                  <a:srgbClr val="000000"/>
+                </a:solidFill>
+                <a:latin typeface="Courier New"/>
+                <a:ea typeface="MS PGothic"/>
+              </a:rPr>
+              <a:t>n.id</a:t>
+            </a:r>
+            <a:r>
+              <a:rPr lang="en-US" sz="1600" spc="-1" dirty="0">
+                <a:solidFill>
+                  <a:srgbClr val="000000"/>
+                </a:solidFill>
+                <a:latin typeface="Courier New"/>
+                <a:ea typeface="MS PGothic"/>
+              </a:rPr>
+              <a:t> = </a:t>
+            </a:r>
+            <a:r>
+              <a:rPr lang="en-US" sz="1600" spc="-1" dirty="0" err="1">
+                <a:solidFill>
+                  <a:srgbClr val="000000"/>
+                </a:solidFill>
+                <a:latin typeface="Courier New"/>
+                <a:ea typeface="MS PGothic"/>
+              </a:rPr>
+              <a:t>c.id</a:t>
+            </a:r>
+            <a:r>
+              <a:rPr lang="en-US" sz="1600" spc="-1" dirty="0">
+                <a:solidFill>
+                  <a:srgbClr val="000000"/>
+                </a:solidFill>
+                <a:latin typeface="Courier New"/>
+                <a:ea typeface="MS PGothic"/>
+              </a:rPr>
+              <a:t>')</a:t>
+            </a:r>
+          </a:p>
+          <a:p>
+            <a:pPr>
+              <a:lnSpc>
+                <a:spcPct val="100000"/>
+              </a:lnSpc>
+            </a:pPr>
+            <a:r>
+              <a:rPr lang="en-US" sz="1600" spc="-1" dirty="0">
+                <a:solidFill>
+                  <a:srgbClr val="000000"/>
+                </a:solidFill>
+                <a:latin typeface="Courier New"/>
+                <a:ea typeface="MS PGothic"/>
+              </a:rPr>
+              <a:t>    </a:t>
+            </a:r>
+            <a:r>
+              <a:rPr lang="en-US" sz="1600" spc="-1" dirty="0" err="1">
+                <a:solidFill>
+                  <a:srgbClr val="000000"/>
+                </a:solidFill>
+                <a:latin typeface="Courier New"/>
+                <a:ea typeface="MS PGothic"/>
+              </a:rPr>
+              <a:t>join.show</a:t>
+            </a:r>
+            <a:r>
+              <a:rPr lang="en-US" sz="1600" spc="-1" dirty="0">
+                <a:solidFill>
+                  <a:srgbClr val="000000"/>
+                </a:solidFill>
+                <a:latin typeface="Courier New"/>
+                <a:ea typeface="MS PGothic"/>
+              </a:rPr>
+              <a:t>()</a:t>
+            </a:r>
+          </a:p>
+          <a:p>
+            <a:pPr>
+              <a:lnSpc>
+                <a:spcPct val="100000"/>
+              </a:lnSpc>
+            </a:pPr>
+            <a:r>
+              <a:rPr lang="en-US" sz="1600" spc="-1" dirty="0">
+                <a:solidFill>
+                  <a:srgbClr val="000000"/>
+                </a:solidFill>
+                <a:latin typeface="Courier New"/>
+                <a:ea typeface="MS PGothic"/>
+              </a:rPr>
+              <a:t>  except:</a:t>
+            </a:r>
+          </a:p>
+          <a:p>
+            <a:pPr>
+              <a:lnSpc>
+                <a:spcPct val="100000"/>
+              </a:lnSpc>
+            </a:pPr>
+            <a:r>
+              <a:rPr lang="en-US" sz="1600" spc="-1" dirty="0">
+                <a:solidFill>
+                  <a:srgbClr val="000000"/>
+                </a:solidFill>
+                <a:latin typeface="Courier New"/>
+                <a:ea typeface="MS PGothic"/>
+              </a:rPr>
+              <a:t>    print(</a:t>
+            </a:r>
+            <a:r>
+              <a:rPr lang="en-US" sz="1600" spc="-1" dirty="0" err="1">
+                <a:solidFill>
+                  <a:srgbClr val="000000"/>
+                </a:solidFill>
+                <a:latin typeface="Courier New"/>
+                <a:ea typeface="MS PGothic"/>
+              </a:rPr>
+              <a:t>rdd.collect</a:t>
+            </a:r>
+            <a:r>
+              <a:rPr lang="en-US" sz="1600" spc="-1" dirty="0">
+                <a:solidFill>
+                  <a:srgbClr val="000000"/>
+                </a:solidFill>
+                <a:latin typeface="Courier New"/>
+                <a:ea typeface="MS PGothic"/>
+              </a:rPr>
+              <a:t>())</a:t>
+            </a:r>
+          </a:p>
+          <a:p>
+            <a:pPr>
+              <a:lnSpc>
+                <a:spcPct val="100000"/>
+              </a:lnSpc>
+            </a:pPr>
+            <a:endParaRPr lang="en-US" sz="1600" spc="-1" dirty="0">
+              <a:solidFill>
+                <a:srgbClr val="000000"/>
+              </a:solidFill>
+              <a:latin typeface="Courier New"/>
+              <a:ea typeface="MS PGothic"/>
+            </a:endParaRPr>
+          </a:p>
+          <a:p>
+            <a:pPr>
+              <a:lnSpc>
+                <a:spcPct val="100000"/>
+              </a:lnSpc>
+            </a:pPr>
+            <a:r>
+              <a:rPr lang="en-US" sz="1600" spc="-1" dirty="0" err="1">
+                <a:solidFill>
+                  <a:srgbClr val="000000"/>
+                </a:solidFill>
+                <a:latin typeface="Courier New"/>
+                <a:ea typeface="MS PGothic"/>
+              </a:rPr>
+              <a:t>stream.foreachRDD</a:t>
+            </a:r>
+            <a:r>
+              <a:rPr lang="en-US" sz="1600" spc="-1" dirty="0">
+                <a:solidFill>
+                  <a:srgbClr val="000000"/>
+                </a:solidFill>
+                <a:latin typeface="Courier New"/>
+                <a:ea typeface="MS PGothic"/>
+              </a:rPr>
+              <a:t>(process)</a:t>
+            </a:r>
+          </a:p>
+        </p:txBody>
+      </p:sp>
+    </p:spTree>
+    <p:extLst>
+      <p:ext uri="{BB962C8B-B14F-4D97-AF65-F5344CB8AC3E}">
+        <p14:creationId xmlns:p14="http://schemas.microsoft.com/office/powerpoint/2010/main" val="3348196511"/>
+      </p:ext>
+    </p:extLst>
+  </p:cSld>
+  <p:clrMapOvr>
+    <a:masterClrMapping/>
+  </p:clrMapOvr>
+</p:sld>
+</file>
+
+<file path=ppt/slides/slide12.xml><?xml version="1.0" encoding="utf-8"?>
 <p:sld xmlns:a="http://schemas.openxmlformats.org/drawingml/2006/main" xmlns:r="http://schemas.openxmlformats.org/officeDocument/2006/relationships" xmlns:p="http://schemas.openxmlformats.org/presentationml/2006/main">
   <p:cSld>
     <p:spTree>
@@ -7692,7 +8662,7 @@
 </p:sld>
 </file>
 
-<file path=ppt/slides/slide12.xml><?xml version="1.0" encoding="utf-8"?>
+<file path=ppt/slides/slide13.xml><?xml version="1.0" encoding="utf-8"?>
 <p:sld xmlns:a="http://schemas.openxmlformats.org/drawingml/2006/main" xmlns:r="http://schemas.openxmlformats.org/officeDocument/2006/relationships" xmlns:p="http://schemas.openxmlformats.org/presentationml/2006/main">
   <p:cSld>
     <p:spTree>
@@ -7923,7 +8893,7 @@
 </p:sld>
 </file>
 
-<file path=ppt/slides/slide13.xml><?xml version="1.0" encoding="utf-8"?>
+<file path=ppt/slides/slide14.xml><?xml version="1.0" encoding="utf-8"?>
 <p:sld xmlns:a="http://schemas.openxmlformats.org/drawingml/2006/main" xmlns:r="http://schemas.openxmlformats.org/officeDocument/2006/relationships" xmlns:p="http://schemas.openxmlformats.org/presentationml/2006/main">
   <p:cSld>
     <p:spTree>
@@ -8106,7 +9076,7 @@
 </p:sld>
 </file>
 
-<file path=ppt/slides/slide14.xml><?xml version="1.0" encoding="utf-8"?>
+<file path=ppt/slides/slide15.xml><?xml version="1.0" encoding="utf-8"?>
 <p:sld xmlns:a="http://schemas.openxmlformats.org/drawingml/2006/main" xmlns:r="http://schemas.openxmlformats.org/officeDocument/2006/relationships" xmlns:p="http://schemas.openxmlformats.org/presentationml/2006/main">
   <p:cSld>
     <p:spTree>
@@ -9564,56 +10534,9 @@
             <a:endParaRPr lang="en-CA" altLang="x-none" dirty="0"/>
           </a:p>
           <a:p>
-            <a:pPr lvl="0"/>
-            <a:r>
-              <a:rPr lang="x-none" altLang="x-none" dirty="0"/>
-              <a:t>updateStateByKey()</a:t>
-            </a:r>
-          </a:p>
-          <a:p>
-            <a:pPr lvl="1"/>
-            <a:r>
-              <a:rPr lang="x-none" altLang="x-none" dirty="0"/>
-              <a:t>Maintains arbitrary state while continuously updating it with new stream data</a:t>
-            </a:r>
-          </a:p>
-          <a:p>
-            <a:pPr lvl="2"/>
-            <a:r>
-              <a:rPr lang="x-none" altLang="x-none" dirty="0"/>
-              <a:t>Must define a state object</a:t>
-            </a:r>
-          </a:p>
-          <a:p>
-            <a:pPr lvl="2"/>
-            <a:r>
-              <a:rPr lang="x-none" altLang="x-none" dirty="0"/>
-              <a:t>Provide</a:t>
-            </a:r>
-            <a:r>
-              <a:rPr lang="en-US" altLang="x-none" dirty="0"/>
-              <a:t>s</a:t>
-            </a:r>
-            <a:r>
-              <a:rPr lang="x-none" altLang="x-none" dirty="0"/>
-              <a:t> a function to update the state object</a:t>
-            </a:r>
-          </a:p>
-          <a:p>
-            <a:pPr lvl="0"/>
-            <a:r>
-              <a:rPr lang="x-none" altLang="x-none" dirty="0"/>
-              <a:t>repartition()</a:t>
-            </a:r>
-          </a:p>
-          <a:p>
-            <a:pPr lvl="1"/>
-            <a:r>
-              <a:rPr lang="x-none" altLang="x-none" dirty="0"/>
-              <a:t>Alters the level of parallelism by creating more or fewer DStream partitions</a:t>
-            </a:r>
-          </a:p>
-          <a:p>
+            <a:pPr marL="0" indent="0">
+              <a:buNone/>
+            </a:pPr>
             <a:endParaRPr lang="en-US" dirty="0"/>
           </a:p>
         </p:txBody>

--- a/Day5/Ch06_SparkStreaming.pptx
+++ b/Day5/Ch06_SparkStreaming.pptx
@@ -284,7 +284,7 @@
                 <a:ea typeface="Tahoma" pitchFamily="34" charset="0"/>
                 <a:cs typeface="Tahoma" pitchFamily="34" charset="0"/>
               </a:rPr>
-              <a:t>449: Spark for Big Data Processing</a:t>
+              <a:t>Spark Program</a:t>
             </a:r>
           </a:p>
         </p:txBody>
@@ -806,7 +806,7 @@
                 </a:solidFill>
                 <a:latin typeface="Tahoma" pitchFamily="34" charset="0"/>
               </a:rPr>
-              <a:t>449: Spark for Big Data Processing</a:t>
+              <a:t>Spark Program</a:t>
             </a:r>
           </a:p>
         </p:txBody>
@@ -1275,7 +1275,7 @@
     </p:spTree>
     <p:extLst>
       <p:ext uri="{BB962C8B-B14F-4D97-AF65-F5344CB8AC3E}">
-        <p14:creationId xmlns:p14="http://schemas.microsoft.com/office/powerpoint/2010/main" val="1097796526"/>
+        <p14:creationId xmlns:p14="http://schemas.microsoft.com/office/powerpoint/2010/main" val="3755410210"/>
       </p:ext>
     </p:extLst>
   </p:cSld>
@@ -1341,7 +1341,7 @@
     </p:spTree>
     <p:extLst>
       <p:ext uri="{BB962C8B-B14F-4D97-AF65-F5344CB8AC3E}">
-        <p14:creationId xmlns:p14="http://schemas.microsoft.com/office/powerpoint/2010/main" val="2054287834"/>
+        <p14:creationId xmlns:p14="http://schemas.microsoft.com/office/powerpoint/2010/main" val="1097796526"/>
       </p:ext>
     </p:extLst>
   </p:cSld>
@@ -1352,128 +1352,6 @@
 </file>
 
 <file path=ppt/notesSlides/notesSlide12.xml><?xml version="1.0" encoding="utf-8"?>
-<p:notes xmlns:a="http://schemas.openxmlformats.org/drawingml/2006/main" xmlns:r="http://schemas.openxmlformats.org/officeDocument/2006/relationships" xmlns:p="http://schemas.openxmlformats.org/presentationml/2006/main">
-  <p:cSld>
-    <p:spTree>
-      <p:nvGrpSpPr>
-        <p:cNvPr id="1" name=""/>
-        <p:cNvGrpSpPr/>
-        <p:nvPr/>
-      </p:nvGrpSpPr>
-      <p:grpSpPr>
-        <a:xfrm>
-          <a:off x="0" y="0"/>
-          <a:ext cx="0" cy="0"/>
-          <a:chOff x="0" y="0"/>
-          <a:chExt cx="0" cy="0"/>
-        </a:xfrm>
-      </p:grpSpPr>
-      <p:sp>
-        <p:nvSpPr>
-          <p:cNvPr id="2" name="Slide Image Placeholder 1"/>
-          <p:cNvSpPr>
-            <a:spLocks noGrp="1" noRot="1" noChangeAspect="1"/>
-          </p:cNvSpPr>
-          <p:nvPr>
-            <p:ph type="sldImg"/>
-          </p:nvPr>
-        </p:nvSpPr>
-        <p:spPr/>
-      </p:sp>
-      <p:sp>
-        <p:nvSpPr>
-          <p:cNvPr id="3" name="Notes Placeholder 2"/>
-          <p:cNvSpPr>
-            <a:spLocks noGrp="1"/>
-          </p:cNvSpPr>
-          <p:nvPr>
-            <p:ph type="body" idx="1"/>
-          </p:nvPr>
-        </p:nvSpPr>
-        <p:spPr/>
-        <p:txBody>
-          <a:bodyPr/>
-          <a:lstStyle/>
-          <a:p>
-            <a:endParaRPr lang="en-US" dirty="0"/>
-          </a:p>
-        </p:txBody>
-      </p:sp>
-    </p:spTree>
-    <p:extLst>
-      <p:ext uri="{BB962C8B-B14F-4D97-AF65-F5344CB8AC3E}">
-        <p14:creationId xmlns:p14="http://schemas.microsoft.com/office/powerpoint/2010/main" val="3425108506"/>
-      </p:ext>
-    </p:extLst>
-  </p:cSld>
-  <p:clrMapOvr>
-    <a:masterClrMapping/>
-  </p:clrMapOvr>
-</p:notes>
-</file>
-
-<file path=ppt/notesSlides/notesSlide13.xml><?xml version="1.0" encoding="utf-8"?>
-<p:notes xmlns:a="http://schemas.openxmlformats.org/drawingml/2006/main" xmlns:r="http://schemas.openxmlformats.org/officeDocument/2006/relationships" xmlns:p="http://schemas.openxmlformats.org/presentationml/2006/main">
-  <p:cSld>
-    <p:spTree>
-      <p:nvGrpSpPr>
-        <p:cNvPr id="1" name=""/>
-        <p:cNvGrpSpPr/>
-        <p:nvPr/>
-      </p:nvGrpSpPr>
-      <p:grpSpPr>
-        <a:xfrm>
-          <a:off x="0" y="0"/>
-          <a:ext cx="0" cy="0"/>
-          <a:chOff x="0" y="0"/>
-          <a:chExt cx="0" cy="0"/>
-        </a:xfrm>
-      </p:grpSpPr>
-      <p:sp>
-        <p:nvSpPr>
-          <p:cNvPr id="2" name="Slide Image Placeholder 1"/>
-          <p:cNvSpPr>
-            <a:spLocks noGrp="1" noRot="1" noChangeAspect="1"/>
-          </p:cNvSpPr>
-          <p:nvPr>
-            <p:ph type="sldImg"/>
-          </p:nvPr>
-        </p:nvSpPr>
-        <p:spPr/>
-      </p:sp>
-      <p:sp>
-        <p:nvSpPr>
-          <p:cNvPr id="3" name="Notes Placeholder 2"/>
-          <p:cNvSpPr>
-            <a:spLocks noGrp="1"/>
-          </p:cNvSpPr>
-          <p:nvPr>
-            <p:ph type="body" idx="1"/>
-          </p:nvPr>
-        </p:nvSpPr>
-        <p:spPr/>
-        <p:txBody>
-          <a:bodyPr/>
-          <a:lstStyle/>
-          <a:p>
-            <a:endParaRPr lang="en-US" dirty="0"/>
-          </a:p>
-        </p:txBody>
-      </p:sp>
-    </p:spTree>
-    <p:extLst>
-      <p:ext uri="{BB962C8B-B14F-4D97-AF65-F5344CB8AC3E}">
-        <p14:creationId xmlns:p14="http://schemas.microsoft.com/office/powerpoint/2010/main" val="3049261783"/>
-      </p:ext>
-    </p:extLst>
-  </p:cSld>
-  <p:clrMapOvr>
-    <a:masterClrMapping/>
-  </p:clrMapOvr>
-</p:notes>
-</file>
-
-<file path=ppt/notesSlides/notesSlide2.xml><?xml version="1.0" encoding="utf-8"?>
 <p:notes xmlns:a="http://schemas.openxmlformats.org/drawingml/2006/main" xmlns:r="http://schemas.openxmlformats.org/officeDocument/2006/relationships" xmlns:p="http://schemas.openxmlformats.org/presentationml/2006/main">
   <p:cSld>
     <p:spTree>
@@ -1529,7 +1407,261 @@
     </p:spTree>
     <p:extLst>
       <p:ext uri="{BB962C8B-B14F-4D97-AF65-F5344CB8AC3E}">
-        <p14:creationId xmlns:p14="http://schemas.microsoft.com/office/powerpoint/2010/main" val="1741443404"/>
+        <p14:creationId xmlns:p14="http://schemas.microsoft.com/office/powerpoint/2010/main" val="2054287834"/>
+      </p:ext>
+    </p:extLst>
+  </p:cSld>
+  <p:clrMapOvr>
+    <a:masterClrMapping/>
+  </p:clrMapOvr>
+</p:notes>
+</file>
+
+<file path=ppt/notesSlides/notesSlide13.xml><?xml version="1.0" encoding="utf-8"?>
+<p:notes xmlns:a="http://schemas.openxmlformats.org/drawingml/2006/main" xmlns:r="http://schemas.openxmlformats.org/officeDocument/2006/relationships" xmlns:p="http://schemas.openxmlformats.org/presentationml/2006/main">
+  <p:cSld>
+    <p:spTree>
+      <p:nvGrpSpPr>
+        <p:cNvPr id="1" name=""/>
+        <p:cNvGrpSpPr/>
+        <p:nvPr/>
+      </p:nvGrpSpPr>
+      <p:grpSpPr>
+        <a:xfrm>
+          <a:off x="0" y="0"/>
+          <a:ext cx="0" cy="0"/>
+          <a:chOff x="0" y="0"/>
+          <a:chExt cx="0" cy="0"/>
+        </a:xfrm>
+      </p:grpSpPr>
+      <p:sp>
+        <p:nvSpPr>
+          <p:cNvPr id="2" name="Slide Image Placeholder 1"/>
+          <p:cNvSpPr>
+            <a:spLocks noGrp="1" noRot="1" noChangeAspect="1"/>
+          </p:cNvSpPr>
+          <p:nvPr>
+            <p:ph type="sldImg"/>
+          </p:nvPr>
+        </p:nvSpPr>
+        <p:spPr>
+          <a:xfrm>
+            <a:off x="1189038" y="701675"/>
+            <a:ext cx="4676775" cy="3508375"/>
+          </a:xfrm>
+        </p:spPr>
+      </p:sp>
+      <p:sp>
+        <p:nvSpPr>
+          <p:cNvPr id="3" name="Notes Placeholder 2"/>
+          <p:cNvSpPr>
+            <a:spLocks noGrp="1"/>
+          </p:cNvSpPr>
+          <p:nvPr>
+            <p:ph type="body" idx="1"/>
+          </p:nvPr>
+        </p:nvSpPr>
+        <p:spPr/>
+        <p:txBody>
+          <a:bodyPr/>
+          <a:lstStyle/>
+          <a:p>
+            <a:endParaRPr lang="en-US" dirty="0"/>
+          </a:p>
+        </p:txBody>
+      </p:sp>
+    </p:spTree>
+    <p:extLst>
+      <p:ext uri="{BB962C8B-B14F-4D97-AF65-F5344CB8AC3E}">
+        <p14:creationId xmlns:p14="http://schemas.microsoft.com/office/powerpoint/2010/main" val="3425108506"/>
+      </p:ext>
+    </p:extLst>
+  </p:cSld>
+  <p:clrMapOvr>
+    <a:masterClrMapping/>
+  </p:clrMapOvr>
+</p:notes>
+</file>
+
+<file path=ppt/notesSlides/notesSlide14.xml><?xml version="1.0" encoding="utf-8"?>
+<p:notes xmlns:a="http://schemas.openxmlformats.org/drawingml/2006/main" xmlns:r="http://schemas.openxmlformats.org/officeDocument/2006/relationships" xmlns:p="http://schemas.openxmlformats.org/presentationml/2006/main">
+  <p:cSld>
+    <p:spTree>
+      <p:nvGrpSpPr>
+        <p:cNvPr id="1" name=""/>
+        <p:cNvGrpSpPr/>
+        <p:nvPr/>
+      </p:nvGrpSpPr>
+      <p:grpSpPr>
+        <a:xfrm>
+          <a:off x="0" y="0"/>
+          <a:ext cx="0" cy="0"/>
+          <a:chOff x="0" y="0"/>
+          <a:chExt cx="0" cy="0"/>
+        </a:xfrm>
+      </p:grpSpPr>
+      <p:sp>
+        <p:nvSpPr>
+          <p:cNvPr id="2" name="Slide Image Placeholder 1"/>
+          <p:cNvSpPr>
+            <a:spLocks noGrp="1" noRot="1" noChangeAspect="1"/>
+          </p:cNvSpPr>
+          <p:nvPr>
+            <p:ph type="sldImg"/>
+          </p:nvPr>
+        </p:nvSpPr>
+        <p:spPr>
+          <a:xfrm>
+            <a:off x="1189038" y="701675"/>
+            <a:ext cx="4676775" cy="3508375"/>
+          </a:xfrm>
+        </p:spPr>
+      </p:sp>
+      <p:sp>
+        <p:nvSpPr>
+          <p:cNvPr id="3" name="Notes Placeholder 2"/>
+          <p:cNvSpPr>
+            <a:spLocks noGrp="1"/>
+          </p:cNvSpPr>
+          <p:nvPr>
+            <p:ph type="body" idx="1"/>
+          </p:nvPr>
+        </p:nvSpPr>
+        <p:spPr/>
+        <p:txBody>
+          <a:bodyPr/>
+          <a:lstStyle/>
+          <a:p>
+            <a:endParaRPr lang="en-US" dirty="0"/>
+          </a:p>
+        </p:txBody>
+      </p:sp>
+    </p:spTree>
+    <p:extLst>
+      <p:ext uri="{BB962C8B-B14F-4D97-AF65-F5344CB8AC3E}">
+        <p14:creationId xmlns:p14="http://schemas.microsoft.com/office/powerpoint/2010/main" val="3049261783"/>
+      </p:ext>
+    </p:extLst>
+  </p:cSld>
+  <p:clrMapOvr>
+    <a:masterClrMapping/>
+  </p:clrMapOvr>
+</p:notes>
+</file>
+
+<file path=ppt/notesSlides/notesSlide15.xml><?xml version="1.0" encoding="utf-8"?>
+<p:notes xmlns:a="http://schemas.openxmlformats.org/drawingml/2006/main" xmlns:r="http://schemas.openxmlformats.org/officeDocument/2006/relationships" xmlns:p="http://schemas.openxmlformats.org/presentationml/2006/main">
+  <p:cSld>
+    <p:spTree>
+      <p:nvGrpSpPr>
+        <p:cNvPr id="1" name=""/>
+        <p:cNvGrpSpPr/>
+        <p:nvPr/>
+      </p:nvGrpSpPr>
+      <p:grpSpPr>
+        <a:xfrm>
+          <a:off x="0" y="0"/>
+          <a:ext cx="0" cy="0"/>
+          <a:chOff x="0" y="0"/>
+          <a:chExt cx="0" cy="0"/>
+        </a:xfrm>
+      </p:grpSpPr>
+      <p:sp>
+        <p:nvSpPr>
+          <p:cNvPr id="2" name="Slide Image Placeholder 1"/>
+          <p:cNvSpPr>
+            <a:spLocks noGrp="1" noRot="1" noChangeAspect="1"/>
+          </p:cNvSpPr>
+          <p:nvPr>
+            <p:ph type="sldImg"/>
+          </p:nvPr>
+        </p:nvSpPr>
+        <p:spPr/>
+      </p:sp>
+      <p:sp>
+        <p:nvSpPr>
+          <p:cNvPr id="3" name="Notes Placeholder 2"/>
+          <p:cNvSpPr>
+            <a:spLocks noGrp="1"/>
+          </p:cNvSpPr>
+          <p:nvPr>
+            <p:ph type="body" idx="1"/>
+          </p:nvPr>
+        </p:nvSpPr>
+        <p:spPr/>
+        <p:txBody>
+          <a:bodyPr/>
+          <a:lstStyle/>
+          <a:p>
+            <a:endParaRPr lang="en-US" dirty="0"/>
+          </a:p>
+        </p:txBody>
+      </p:sp>
+    </p:spTree>
+    <p:extLst>
+      <p:ext uri="{BB962C8B-B14F-4D97-AF65-F5344CB8AC3E}">
+        <p14:creationId xmlns:p14="http://schemas.microsoft.com/office/powerpoint/2010/main" val="1009107233"/>
+      </p:ext>
+    </p:extLst>
+  </p:cSld>
+  <p:clrMapOvr>
+    <a:masterClrMapping/>
+  </p:clrMapOvr>
+</p:notes>
+</file>
+
+<file path=ppt/notesSlides/notesSlide2.xml><?xml version="1.0" encoding="utf-8"?>
+<p:notes xmlns:a="http://schemas.openxmlformats.org/drawingml/2006/main" xmlns:r="http://schemas.openxmlformats.org/officeDocument/2006/relationships" xmlns:p="http://schemas.openxmlformats.org/presentationml/2006/main">
+  <p:cSld>
+    <p:spTree>
+      <p:nvGrpSpPr>
+        <p:cNvPr id="1" name=""/>
+        <p:cNvGrpSpPr/>
+        <p:nvPr/>
+      </p:nvGrpSpPr>
+      <p:grpSpPr>
+        <a:xfrm>
+          <a:off x="0" y="0"/>
+          <a:ext cx="0" cy="0"/>
+          <a:chOff x="0" y="0"/>
+          <a:chExt cx="0" cy="0"/>
+        </a:xfrm>
+      </p:grpSpPr>
+      <p:sp>
+        <p:nvSpPr>
+          <p:cNvPr id="2" name="Slide Image Placeholder 1"/>
+          <p:cNvSpPr>
+            <a:spLocks noGrp="1" noRot="1" noChangeAspect="1"/>
+          </p:cNvSpPr>
+          <p:nvPr>
+            <p:ph type="sldImg"/>
+          </p:nvPr>
+        </p:nvSpPr>
+        <p:spPr/>
+      </p:sp>
+      <p:sp>
+        <p:nvSpPr>
+          <p:cNvPr id="3" name="Notes Placeholder 2"/>
+          <p:cNvSpPr>
+            <a:spLocks noGrp="1"/>
+          </p:cNvSpPr>
+          <p:nvPr>
+            <p:ph type="body" idx="1"/>
+          </p:nvPr>
+        </p:nvSpPr>
+        <p:spPr/>
+        <p:txBody>
+          <a:bodyPr/>
+          <a:lstStyle/>
+          <a:p>
+            <a:endParaRPr lang="en-US" dirty="0"/>
+          </a:p>
+        </p:txBody>
+      </p:sp>
+    </p:spTree>
+    <p:extLst>
+      <p:ext uri="{BB962C8B-B14F-4D97-AF65-F5344CB8AC3E}">
+        <p14:creationId xmlns:p14="http://schemas.microsoft.com/office/powerpoint/2010/main" val="4137362123"/>
       </p:ext>
     </p:extLst>
   </p:cSld>
@@ -1595,7 +1727,7 @@
     </p:spTree>
     <p:extLst>
       <p:ext uri="{BB962C8B-B14F-4D97-AF65-F5344CB8AC3E}">
-        <p14:creationId xmlns:p14="http://schemas.microsoft.com/office/powerpoint/2010/main" val="3463291423"/>
+        <p14:creationId xmlns:p14="http://schemas.microsoft.com/office/powerpoint/2010/main" val="1741443404"/>
       </p:ext>
     </p:extLst>
   </p:cSld>
@@ -1661,7 +1793,7 @@
     </p:spTree>
     <p:extLst>
       <p:ext uri="{BB962C8B-B14F-4D97-AF65-F5344CB8AC3E}">
-        <p14:creationId xmlns:p14="http://schemas.microsoft.com/office/powerpoint/2010/main" val="4154554837"/>
+        <p14:creationId xmlns:p14="http://schemas.microsoft.com/office/powerpoint/2010/main" val="3463291423"/>
       </p:ext>
     </p:extLst>
   </p:cSld>
@@ -1698,7 +1830,12 @@
             <p:ph type="sldImg"/>
           </p:nvPr>
         </p:nvSpPr>
-        <p:spPr/>
+        <p:spPr>
+          <a:xfrm>
+            <a:off x="1189038" y="701675"/>
+            <a:ext cx="4676775" cy="3508375"/>
+          </a:xfrm>
+        </p:spPr>
       </p:sp>
       <p:sp>
         <p:nvSpPr>
@@ -1722,7 +1859,7 @@
     </p:spTree>
     <p:extLst>
       <p:ext uri="{BB962C8B-B14F-4D97-AF65-F5344CB8AC3E}">
-        <p14:creationId xmlns:p14="http://schemas.microsoft.com/office/powerpoint/2010/main" val="1170311369"/>
+        <p14:creationId xmlns:p14="http://schemas.microsoft.com/office/powerpoint/2010/main" val="4154554837"/>
       </p:ext>
     </p:extLst>
   </p:cSld>
@@ -1788,7 +1925,7 @@
     </p:spTree>
     <p:extLst>
       <p:ext uri="{BB962C8B-B14F-4D97-AF65-F5344CB8AC3E}">
-        <p14:creationId xmlns:p14="http://schemas.microsoft.com/office/powerpoint/2010/main" val="1321320332"/>
+        <p14:creationId xmlns:p14="http://schemas.microsoft.com/office/powerpoint/2010/main" val="1170311369"/>
       </p:ext>
     </p:extLst>
   </p:cSld>
@@ -1854,7 +1991,7 @@
     </p:spTree>
     <p:extLst>
       <p:ext uri="{BB962C8B-B14F-4D97-AF65-F5344CB8AC3E}">
-        <p14:creationId xmlns:p14="http://schemas.microsoft.com/office/powerpoint/2010/main" val="338123895"/>
+        <p14:creationId xmlns:p14="http://schemas.microsoft.com/office/powerpoint/2010/main" val="1321320332"/>
       </p:ext>
     </p:extLst>
   </p:cSld>
@@ -1920,7 +2057,7 @@
     </p:spTree>
     <p:extLst>
       <p:ext uri="{BB962C8B-B14F-4D97-AF65-F5344CB8AC3E}">
-        <p14:creationId xmlns:p14="http://schemas.microsoft.com/office/powerpoint/2010/main" val="2633209431"/>
+        <p14:creationId xmlns:p14="http://schemas.microsoft.com/office/powerpoint/2010/main" val="338123895"/>
       </p:ext>
     </p:extLst>
   </p:cSld>
@@ -1986,7 +2123,7 @@
     </p:spTree>
     <p:extLst>
       <p:ext uri="{BB962C8B-B14F-4D97-AF65-F5344CB8AC3E}">
-        <p14:creationId xmlns:p14="http://schemas.microsoft.com/office/powerpoint/2010/main" val="3755410210"/>
+        <p14:creationId xmlns:p14="http://schemas.microsoft.com/office/powerpoint/2010/main" val="2633209431"/>
       </p:ext>
     </p:extLst>
   </p:cSld>
@@ -4090,7 +4227,7 @@
   <p:clrMapOvr>
     <a:masterClrMapping/>
   </p:clrMapOvr>
-  <p:extLst mod="1">
+  <p:extLst>
     <p:ext uri="{DCECCB84-F9BA-43D5-87BE-67443E8EF086}">
       <p15:sldGuideLst xmlns:p15="http://schemas.microsoft.com/office/powerpoint/2012/main"/>
     </p:ext>
@@ -4431,7 +4568,7 @@
   <p:clrMapOvr>
     <a:masterClrMapping/>
   </p:clrMapOvr>
-  <p:extLst mod="1">
+  <p:extLst>
     <p:ext uri="{DCECCB84-F9BA-43D5-87BE-67443E8EF086}">
       <p15:sldGuideLst xmlns:p15="http://schemas.microsoft.com/office/powerpoint/2012/main"/>
     </p:ext>
@@ -6200,7 +6337,7 @@
                 </a:solidFill>
                 <a:latin typeface="Tahoma" charset="0"/>
               </a:rPr>
-              <a:t>© 2018</a:t>
+              <a:t>© 2019</a:t>
             </a:r>
             <a:r>
               <a:rPr lang="en-US" sz="700" b="0" baseline="0" dirty="0">
@@ -6446,45 +6583,49 @@
           </a:p>
         </p:txBody>
       </p:sp>
-      <p:pic>
-        <p:nvPicPr>
-          <p:cNvPr id="14" name="Picture 55">
+      <p:sp>
+        <p:nvSpPr>
+          <p:cNvPr id="12" name="TextBox 11">
             <a:extLst>
               <a:ext uri="{FF2B5EF4-FFF2-40B4-BE49-F238E27FC236}">
-                <a16:creationId xmlns:a16="http://schemas.microsoft.com/office/drawing/2014/main" id="{4E7C7518-7A62-4C6D-A294-D8A2B5F677F8}"/>
+                <a16:creationId xmlns:a16="http://schemas.microsoft.com/office/drawing/2014/main" id="{47012A16-AA23-4E0C-9F19-E3010145F3C2}"/>
               </a:ext>
             </a:extLst>
           </p:cNvPr>
-          <p:cNvPicPr>
-            <a:picLocks noChangeAspect="1" noChangeArrowheads="1"/>
-          </p:cNvPicPr>
+          <p:cNvSpPr txBox="1"/>
           <p:nvPr userDrawn="1"/>
-        </p:nvPicPr>
-        <p:blipFill>
-          <a:blip r:embed="rId20" cstate="print"/>
-          <a:srcRect/>
-          <a:stretch>
-            <a:fillRect/>
-          </a:stretch>
-        </p:blipFill>
-        <p:spPr bwMode="blackGray">
+        </p:nvSpPr>
+        <p:spPr>
           <a:xfrm>
-            <a:off x="916177" y="6563185"/>
-            <a:ext cx="870534" cy="188580"/>
+            <a:off x="0" y="6428509"/>
+            <a:ext cx="2821709" cy="429491"/>
           </a:xfrm>
           <a:prstGeom prst="rect">
             <a:avLst/>
           </a:prstGeom>
           <a:noFill/>
-          <a:ln w="9525">
-            <a:noFill/>
-            <a:miter lim="800000"/>
-            <a:headEnd/>
-            <a:tailEnd/>
-          </a:ln>
-          <a:effectLst/>
         </p:spPr>
-      </p:pic>
+        <p:txBody>
+          <a:bodyPr wrap="square" rtlCol="0" anchor="ctr" anchorCtr="0">
+            <a:noAutofit/>
+          </a:bodyPr>
+          <a:lstStyle/>
+          <a:p>
+            <a:pPr algn="ctr"/>
+            <a:r>
+              <a:rPr lang="en-US" sz="900" b="0" cap="none" baseline="0" dirty="0">
+                <a:solidFill>
+                  <a:schemeClr val="tx1"/>
+                </a:solidFill>
+                <a:latin typeface="Tahoma" panose="020B0604030504040204" pitchFamily="34" charset="0"/>
+                <a:ea typeface="Tahoma" panose="020B0604030504040204" pitchFamily="34" charset="0"/>
+                <a:cs typeface="Tahoma" panose="020B0604030504040204" pitchFamily="34" charset="0"/>
+              </a:rPr>
+              <a:t>Spark Program</a:t>
+            </a:r>
+          </a:p>
+        </p:txBody>
+      </p:sp>
     </p:spTree>
   </p:cSld>
   <p:clrMap bg1="lt1" tx1="dk1" bg2="lt2" tx2="dk2" accent1="accent1" accent2="accent2" accent3="accent3" accent4="accent4" accent5="accent5" accent6="accent6" hlink="hlink" folHlink="folHlink"/>
@@ -6706,7 +6847,7 @@
         <a:buSzPct val="100000"/>
         <a:buFont typeface="Arial" pitchFamily="34" charset="0"/>
         <a:buBlip>
-          <a:blip r:embed="rId21"/>
+          <a:blip r:embed="rId20"/>
         </a:buBlip>
         <a:defRPr b="0" i="0">
           <a:solidFill>
@@ -6751,7 +6892,7 @@
         </a:buClr>
         <a:buFont typeface="Wingdings" pitchFamily="2" charset="2"/>
         <a:buBlip>
-          <a:blip r:embed="rId22"/>
+          <a:blip r:embed="rId21"/>
         </a:buBlip>
         <a:defRPr sz="1800">
           <a:solidFill>
@@ -6797,7 +6938,7 @@
         <a:buSzPct val="100000"/>
         <a:buFont typeface="Arial" pitchFamily="34" charset="0"/>
         <a:buBlip>
-          <a:blip r:embed="rId23"/>
+          <a:blip r:embed="rId22"/>
         </a:buBlip>
         <a:defRPr sz="1800">
           <a:solidFill>
@@ -6821,7 +6962,7 @@
         <a:buSzPct val="100000"/>
         <a:buFont typeface="Tahoma" pitchFamily="34" charset="0"/>
         <a:buBlip>
-          <a:blip r:embed="rId23"/>
+          <a:blip r:embed="rId22"/>
         </a:buBlip>
         <a:defRPr sz="1400">
           <a:solidFill>
@@ -6844,7 +6985,7 @@
         <a:buSzPct val="100000"/>
         <a:buFont typeface="Tahoma" pitchFamily="34" charset="0"/>
         <a:buBlip>
-          <a:blip r:embed="rId23"/>
+          <a:blip r:embed="rId22"/>
         </a:buBlip>
         <a:defRPr sz="1400">
           <a:solidFill>
@@ -6867,7 +7008,7 @@
         <a:buSzPct val="100000"/>
         <a:buFont typeface="Tahoma" pitchFamily="34" charset="0"/>
         <a:buBlip>
-          <a:blip r:embed="rId23"/>
+          <a:blip r:embed="rId22"/>
         </a:buBlip>
         <a:defRPr sz="1400">
           <a:solidFill>
@@ -6890,7 +7031,7 @@
         <a:buSzPct val="100000"/>
         <a:buFont typeface="Tahoma" pitchFamily="34" charset="0"/>
         <a:buBlip>
-          <a:blip r:embed="rId23"/>
+          <a:blip r:embed="rId22"/>
         </a:buBlip>
         <a:defRPr sz="1400">
           <a:solidFill>
@@ -6997,7 +7138,7 @@
       </a:lvl9pPr>
     </p:otherStyle>
   </p:txStyles>
-  <p:extLst mod="1">
+  <p:extLst>
     <p:ext uri="{27BBF7A9-308A-43DC-89C8-2F10F3537804}">
       <p15:sldGuideLst xmlns:p15="http://schemas.microsoft.com/office/powerpoint/2012/main"/>
     </p:ext>
@@ -7088,7 +7229,7 @@
           <a:p>
             <a:r>
               <a:rPr lang="en-US" dirty="0"/>
-              <a:t>Spark for Big Data Processing</a:t>
+              <a:t>Spark Program</a:t>
             </a:r>
           </a:p>
         </p:txBody>
@@ -7146,28 +7287,8 @@
           <a:p>
             <a:pPr lvl="0"/>
             <a:r>
-              <a:rPr lang="en-US" altLang="x-none" dirty="0" err="1"/>
-              <a:t>DStreams</a:t>
-            </a:r>
-            <a:r>
               <a:rPr lang="en-US" altLang="x-none" dirty="0"/>
-              <a:t> can be turned into </a:t>
-            </a:r>
-            <a:r>
-              <a:rPr lang="en-US" altLang="x-none" dirty="0" err="1"/>
-              <a:t>DataFrames</a:t>
-            </a:r>
-            <a:r>
-              <a:rPr lang="en-US" altLang="x-none" dirty="0"/>
-              <a:t> and then </a:t>
-            </a:r>
-            <a:r>
-              <a:rPr lang="en-US" altLang="x-none" dirty="0" err="1"/>
-              <a:t>tempory</a:t>
-            </a:r>
-            <a:r>
-              <a:rPr lang="en-US" altLang="x-none" dirty="0"/>
-              <a:t> views to make it easier to process them</a:t>
+              <a:t>DStreams can be turned into DataFrames and then temporary views to make it easier to process them</a:t>
             </a:r>
           </a:p>
           <a:p>
@@ -7177,7 +7298,10 @@
               <a:t>You need do a little trick to make the </a:t>
             </a:r>
             <a:r>
-              <a:rPr lang="en-US" altLang="x-none" dirty="0" err="1"/>
+              <a:rPr lang="en-US" altLang="x-none" dirty="0">
+                <a:latin typeface="Courier New" panose="02070309020205020404" pitchFamily="49" charset="0"/>
+                <a:cs typeface="Courier New" panose="02070309020205020404" pitchFamily="49" charset="0"/>
+              </a:rPr>
               <a:t>SparkContext</a:t>
             </a:r>
             <a:r>
@@ -7185,16 +7309,18 @@
               <a:t> object the same as the </a:t>
             </a:r>
             <a:r>
-              <a:rPr lang="en-US" altLang="x-none" dirty="0" err="1"/>
+              <a:rPr lang="en-US" altLang="x-none" dirty="0">
+                <a:latin typeface="Courier New" panose="02070309020205020404" pitchFamily="49" charset="0"/>
+                <a:cs typeface="Courier New" panose="02070309020205020404" pitchFamily="49" charset="0"/>
+              </a:rPr>
               <a:t>StreamingContext</a:t>
             </a:r>
-            <a:endParaRPr lang="en-US" altLang="x-none" dirty="0"/>
           </a:p>
           <a:p>
             <a:pPr lvl="1"/>
             <a:r>
               <a:rPr lang="en-US" altLang="x-none" dirty="0"/>
-              <a:t>the following lazy evaluated singleton instance will help do that</a:t>
+              <a:t>The following lazy evaluated singleton instance will help do that</a:t>
             </a:r>
             <a:endParaRPr lang="x-none" altLang="x-none" dirty="0"/>
           </a:p>
@@ -7234,10 +7360,9 @@
           <a:lstStyle/>
           <a:p>
             <a:r>
-              <a:rPr lang="en-US" dirty="0" err="1"/>
+              <a:rPr lang="en-US" dirty="0"/>
               <a:t>DataFrames</a:t>
             </a:r>
-            <a:endParaRPr lang="en-US" dirty="0"/>
           </a:p>
         </p:txBody>
       </p:sp>
@@ -7255,7 +7380,7 @@
         </p:nvSpPr>
         <p:spPr>
           <a:xfrm>
-            <a:off x="942532" y="2878920"/>
+            <a:off x="819000" y="2933784"/>
             <a:ext cx="7506000" cy="1814428"/>
           </a:xfrm>
           <a:prstGeom prst="rect">
@@ -7303,47 +7428,7 @@
                 <a:latin typeface="Courier New"/>
                 <a:ea typeface="MS PGothic"/>
               </a:rPr>
-              <a:t>def </a:t>
-            </a:r>
-            <a:r>
-              <a:rPr lang="en-US" sz="1600" spc="-1" dirty="0" err="1">
-                <a:solidFill>
-                  <a:srgbClr val="000000"/>
-                </a:solidFill>
-                <a:latin typeface="Courier New"/>
-                <a:ea typeface="MS PGothic"/>
-              </a:rPr>
-              <a:t>getSparkSessionInstance</a:t>
-            </a:r>
-            <a:r>
-              <a:rPr lang="en-US" sz="1600" spc="-1" dirty="0">
-                <a:solidFill>
-                  <a:srgbClr val="000000"/>
-                </a:solidFill>
-                <a:latin typeface="Courier New"/>
-                <a:ea typeface="MS PGothic"/>
-              </a:rPr>
-              <a:t>(</a:t>
-            </a:r>
-            <a:r>
-              <a:rPr lang="en-US" sz="1600" spc="-1" dirty="0" err="1">
-                <a:solidFill>
-                  <a:srgbClr val="000000"/>
-                </a:solidFill>
-                <a:latin typeface="Courier New"/>
-                <a:ea typeface="MS PGothic"/>
-              </a:rPr>
-              <a:t>sparkConf</a:t>
-            </a:r>
-            <a:r>
-              <a:rPr lang="en-US" sz="1600" spc="-1" dirty="0">
-                <a:solidFill>
-                  <a:srgbClr val="000000"/>
-                </a:solidFill>
-                <a:latin typeface="Courier New"/>
-                <a:ea typeface="MS PGothic"/>
-              </a:rPr>
-              <a:t>):</a:t>
+              <a:t>def getSparkSessionInstance(sparkConf):</a:t>
             </a:r>
           </a:p>
           <a:p>
@@ -7360,47 +7445,7 @@
                 <a:latin typeface="Courier New"/>
                 <a:ea typeface="MS PGothic"/>
               </a:rPr>
-              <a:t>    if ("</a:t>
-            </a:r>
-            <a:r>
-              <a:rPr lang="en-US" sz="1600" spc="-1" dirty="0" err="1">
-                <a:solidFill>
-                  <a:srgbClr val="000000"/>
-                </a:solidFill>
-                <a:latin typeface="Courier New"/>
-                <a:ea typeface="MS PGothic"/>
-              </a:rPr>
-              <a:t>sparkSessionSingletonInstance</a:t>
-            </a:r>
-            <a:r>
-              <a:rPr lang="en-US" sz="1600" spc="-1" dirty="0">
-                <a:solidFill>
-                  <a:srgbClr val="000000"/>
-                </a:solidFill>
-                <a:latin typeface="Courier New"/>
-                <a:ea typeface="MS PGothic"/>
-              </a:rPr>
-              <a:t>" not in </a:t>
-            </a:r>
-            <a:r>
-              <a:rPr lang="en-US" sz="1600" spc="-1" dirty="0" err="1">
-                <a:solidFill>
-                  <a:srgbClr val="000000"/>
-                </a:solidFill>
-                <a:latin typeface="Courier New"/>
-                <a:ea typeface="MS PGothic"/>
-              </a:rPr>
-              <a:t>globals</a:t>
-            </a:r>
-            <a:r>
-              <a:rPr lang="en-US" sz="1600" spc="-1" dirty="0">
-                <a:solidFill>
-                  <a:srgbClr val="000000"/>
-                </a:solidFill>
-                <a:latin typeface="Courier New"/>
-                <a:ea typeface="MS PGothic"/>
-              </a:rPr>
-              <a:t>()):</a:t>
+              <a:t>    if ("sparkSessionSingletonInstance" not in globals()):</a:t>
             </a:r>
           </a:p>
           <a:p>
@@ -7417,47 +7462,7 @@
                 <a:latin typeface="Courier New"/>
                 <a:ea typeface="MS PGothic"/>
               </a:rPr>
-              <a:t>        </a:t>
-            </a:r>
-            <a:r>
-              <a:rPr lang="en-US" sz="1600" spc="-1" dirty="0" err="1">
-                <a:solidFill>
-                  <a:srgbClr val="000000"/>
-                </a:solidFill>
-                <a:latin typeface="Courier New"/>
-                <a:ea typeface="MS PGothic"/>
-              </a:rPr>
-              <a:t>globals</a:t>
-            </a:r>
-            <a:r>
-              <a:rPr lang="en-US" sz="1600" spc="-1" dirty="0">
-                <a:solidFill>
-                  <a:srgbClr val="000000"/>
-                </a:solidFill>
-                <a:latin typeface="Courier New"/>
-                <a:ea typeface="MS PGothic"/>
-              </a:rPr>
-              <a:t>()["</a:t>
-            </a:r>
-            <a:r>
-              <a:rPr lang="en-US" sz="1600" spc="-1" dirty="0" err="1">
-                <a:solidFill>
-                  <a:srgbClr val="000000"/>
-                </a:solidFill>
-                <a:latin typeface="Courier New"/>
-                <a:ea typeface="MS PGothic"/>
-              </a:rPr>
-              <a:t>sparkSessionSingletonInstance</a:t>
-            </a:r>
-            <a:r>
-              <a:rPr lang="en-US" sz="1600" spc="-1" dirty="0">
-                <a:solidFill>
-                  <a:srgbClr val="000000"/>
-                </a:solidFill>
-                <a:latin typeface="Courier New"/>
-                <a:ea typeface="MS PGothic"/>
-              </a:rPr>
-              <a:t>"] = \ </a:t>
+              <a:t>        globals()["sparkSessionSingletonInstance"] = \ </a:t>
             </a:r>
             <a:br>
               <a:rPr lang="en-US" sz="1600" spc="-1" dirty="0">
@@ -7476,27 +7481,7 @@
                 <a:latin typeface="Courier New"/>
                 <a:ea typeface="MS PGothic"/>
               </a:rPr>
-              <a:t>            </a:t>
-            </a:r>
-            <a:r>
-              <a:rPr lang="en-US" sz="1600" spc="-1" dirty="0" err="1">
-                <a:solidFill>
-                  <a:srgbClr val="000000"/>
-                </a:solidFill>
-                <a:latin typeface="Courier New"/>
-                <a:ea typeface="MS PGothic"/>
-              </a:rPr>
-              <a:t>SparkSession.builder</a:t>
-            </a:r>
-            <a:r>
-              <a:rPr lang="en-US" sz="1600" spc="-1" dirty="0">
-                <a:solidFill>
-                  <a:srgbClr val="000000"/>
-                </a:solidFill>
-                <a:latin typeface="Courier New"/>
-                <a:ea typeface="MS PGothic"/>
-              </a:rPr>
-              <a:t> \</a:t>
+              <a:t>            SparkSession.builder \</a:t>
             </a:r>
           </a:p>
           <a:p>
@@ -7513,47 +7498,7 @@
                 <a:latin typeface="Courier New"/>
                 <a:ea typeface="MS PGothic"/>
               </a:rPr>
-              <a:t>            .config(</a:t>
-            </a:r>
-            <a:r>
-              <a:rPr lang="en-US" sz="1600" spc="-1" dirty="0" err="1">
-                <a:solidFill>
-                  <a:srgbClr val="000000"/>
-                </a:solidFill>
-                <a:latin typeface="Courier New"/>
-                <a:ea typeface="MS PGothic"/>
-              </a:rPr>
-              <a:t>conf</a:t>
-            </a:r>
-            <a:r>
-              <a:rPr lang="en-US" sz="1600" spc="-1" dirty="0">
-                <a:solidFill>
-                  <a:srgbClr val="000000"/>
-                </a:solidFill>
-                <a:latin typeface="Courier New"/>
-                <a:ea typeface="MS PGothic"/>
-              </a:rPr>
-              <a:t>=</a:t>
-            </a:r>
-            <a:r>
-              <a:rPr lang="en-US" sz="1600" spc="-1" dirty="0" err="1">
-                <a:solidFill>
-                  <a:srgbClr val="000000"/>
-                </a:solidFill>
-                <a:latin typeface="Courier New"/>
-                <a:ea typeface="MS PGothic"/>
-              </a:rPr>
-              <a:t>sparkConf</a:t>
-            </a:r>
-            <a:r>
-              <a:rPr lang="en-US" sz="1600" spc="-1" dirty="0">
-                <a:solidFill>
-                  <a:srgbClr val="000000"/>
-                </a:solidFill>
-                <a:latin typeface="Courier New"/>
-                <a:ea typeface="MS PGothic"/>
-              </a:rPr>
-              <a:t>) \</a:t>
+              <a:t>            .config(conf=sparkConf) \</a:t>
             </a:r>
           </a:p>
           <a:p>
@@ -7570,27 +7515,7 @@
                 <a:latin typeface="Courier New"/>
                 <a:ea typeface="MS PGothic"/>
               </a:rPr>
-              <a:t>            .</a:t>
-            </a:r>
-            <a:r>
-              <a:rPr lang="en-US" sz="1600" spc="-1" dirty="0" err="1">
-                <a:solidFill>
-                  <a:srgbClr val="000000"/>
-                </a:solidFill>
-                <a:latin typeface="Courier New"/>
-                <a:ea typeface="MS PGothic"/>
-              </a:rPr>
-              <a:t>getOrCreate</a:t>
-            </a:r>
-            <a:r>
-              <a:rPr lang="en-US" sz="1600" spc="-1" dirty="0">
-                <a:solidFill>
-                  <a:srgbClr val="000000"/>
-                </a:solidFill>
-                <a:latin typeface="Courier New"/>
-                <a:ea typeface="MS PGothic"/>
-              </a:rPr>
-              <a:t>()</a:t>
+              <a:t>            .getOrCreate()</a:t>
             </a:r>
           </a:p>
           <a:p>
@@ -7607,47 +7532,7 @@
                 <a:latin typeface="Courier New"/>
                 <a:ea typeface="MS PGothic"/>
               </a:rPr>
-              <a:t>    return </a:t>
-            </a:r>
-            <a:r>
-              <a:rPr lang="en-US" sz="1600" spc="-1" dirty="0" err="1">
-                <a:solidFill>
-                  <a:srgbClr val="000000"/>
-                </a:solidFill>
-                <a:latin typeface="Courier New"/>
-                <a:ea typeface="MS PGothic"/>
-              </a:rPr>
-              <a:t>globals</a:t>
-            </a:r>
-            <a:r>
-              <a:rPr lang="en-US" sz="1600" spc="-1" dirty="0">
-                <a:solidFill>
-                  <a:srgbClr val="000000"/>
-                </a:solidFill>
-                <a:latin typeface="Courier New"/>
-                <a:ea typeface="MS PGothic"/>
-              </a:rPr>
-              <a:t>()["</a:t>
-            </a:r>
-            <a:r>
-              <a:rPr lang="en-US" sz="1600" spc="-1" dirty="0" err="1">
-                <a:solidFill>
-                  <a:srgbClr val="000000"/>
-                </a:solidFill>
-                <a:latin typeface="Courier New"/>
-                <a:ea typeface="MS PGothic"/>
-              </a:rPr>
-              <a:t>sparkSessionSingletonInstance</a:t>
-            </a:r>
-            <a:r>
-              <a:rPr lang="en-US" sz="1600" spc="-1" dirty="0">
-                <a:solidFill>
-                  <a:srgbClr val="000000"/>
-                </a:solidFill>
-                <a:latin typeface="Courier New"/>
-                <a:ea typeface="MS PGothic"/>
-              </a:rPr>
-              <a:t>"]</a:t>
+              <a:t>    return globals()["sparkSessionSingletonInstance"]</a:t>
             </a:r>
           </a:p>
         </p:txBody>
@@ -7706,18 +7591,13 @@
             <a:pPr lvl="0"/>
             <a:r>
               <a:rPr lang="en-US" altLang="x-none" dirty="0"/>
-              <a:t>To convert the </a:t>
-            </a:r>
-            <a:r>
-              <a:rPr lang="en-US" altLang="x-none" dirty="0" err="1"/>
-              <a:t>DStream</a:t>
-            </a:r>
-            <a:r>
-              <a:rPr lang="en-US" altLang="x-none" dirty="0"/>
-              <a:t> you need to call the </a:t>
-            </a:r>
-            <a:r>
-              <a:rPr lang="en-US" altLang="x-none" dirty="0" err="1"/>
+              <a:t>To convert the DStream, you need to call the </a:t>
+            </a:r>
+            <a:r>
+              <a:rPr lang="en-US" altLang="x-none" dirty="0">
+                <a:latin typeface="Courier New" panose="02070309020205020404" pitchFamily="49" charset="0"/>
+                <a:cs typeface="Courier New" panose="02070309020205020404" pitchFamily="49" charset="0"/>
+              </a:rPr>
               <a:t>foreachRDD</a:t>
             </a:r>
             <a:r>
@@ -7732,7 +7612,10 @@
               <a:t>You need do a little trick to make the </a:t>
             </a:r>
             <a:r>
-              <a:rPr lang="en-US" altLang="x-none" dirty="0" err="1"/>
+              <a:rPr lang="en-US" altLang="x-none" dirty="0">
+                <a:latin typeface="Courier New" panose="02070309020205020404" pitchFamily="49" charset="0"/>
+                <a:cs typeface="Courier New" panose="02070309020205020404" pitchFamily="49" charset="0"/>
+              </a:rPr>
               <a:t>SparkContext</a:t>
             </a:r>
             <a:r>
@@ -7740,16 +7623,18 @@
               <a:t> object the same as the </a:t>
             </a:r>
             <a:r>
-              <a:rPr lang="en-US" altLang="x-none" dirty="0" err="1"/>
+              <a:rPr lang="en-US" altLang="x-none" dirty="0">
+                <a:latin typeface="Courier New" panose="02070309020205020404" pitchFamily="49" charset="0"/>
+                <a:cs typeface="Courier New" panose="02070309020205020404" pitchFamily="49" charset="0"/>
+              </a:rPr>
               <a:t>StreamingContext</a:t>
             </a:r>
-            <a:endParaRPr lang="en-US" altLang="x-none" dirty="0"/>
           </a:p>
           <a:p>
             <a:pPr lvl="1"/>
             <a:r>
               <a:rPr lang="en-US" altLang="x-none" dirty="0"/>
-              <a:t>the following lazy evaluated singleton instance will help do that</a:t>
+              <a:t>The following lazy evaluated singleton instance will help do that</a:t>
             </a:r>
             <a:endParaRPr lang="x-none" altLang="x-none" dirty="0"/>
           </a:p>
@@ -7789,12 +7674,8 @@
           <a:lstStyle/>
           <a:p>
             <a:r>
-              <a:rPr lang="en-US" dirty="0" err="1"/>
-              <a:t>DataFrames</a:t>
-            </a:r>
-            <a:r>
               <a:rPr lang="en-US" dirty="0"/>
-              <a:t> (cont'd)</a:t>
+              <a:t>DataFrames (continued)</a:t>
             </a:r>
           </a:p>
         </p:txBody>
@@ -7813,8 +7694,8 @@
         </p:nvSpPr>
         <p:spPr>
           <a:xfrm>
-            <a:off x="209006" y="2878920"/>
-            <a:ext cx="8843554" cy="3537976"/>
+            <a:off x="749155" y="2878920"/>
+            <a:ext cx="7645690" cy="3107089"/>
           </a:xfrm>
           <a:prstGeom prst="rect">
             <a:avLst/>
@@ -7854,34 +7735,14 @@
               </a:lnSpc>
             </a:pPr>
             <a:r>
-              <a:rPr lang="en-US" sz="1600" spc="-1" dirty="0">
+              <a:rPr lang="en-US" sz="1400" spc="-1" dirty="0">
                 <a:solidFill>
                   <a:srgbClr val="000000"/>
                 </a:solidFill>
                 <a:latin typeface="Courier New"/>
                 <a:ea typeface="MS PGothic"/>
               </a:rPr>
-              <a:t>def process(time, </a:t>
-            </a:r>
-            <a:r>
-              <a:rPr lang="en-US" sz="1600" spc="-1" dirty="0" err="1">
-                <a:solidFill>
-                  <a:srgbClr val="000000"/>
-                </a:solidFill>
-                <a:latin typeface="Courier New"/>
-                <a:ea typeface="MS PGothic"/>
-              </a:rPr>
-              <a:t>rdd</a:t>
-            </a:r>
-            <a:r>
-              <a:rPr lang="en-US" sz="1600" spc="-1" dirty="0">
-                <a:solidFill>
-                  <a:srgbClr val="000000"/>
-                </a:solidFill>
-                <a:latin typeface="Courier New"/>
-                <a:ea typeface="MS PGothic"/>
-              </a:rPr>
-              <a:t>):</a:t>
+              <a:t>def process(time, rdd):</a:t>
             </a:r>
           </a:p>
           <a:p>
@@ -7891,7 +7752,7 @@
               </a:lnSpc>
             </a:pPr>
             <a:r>
-              <a:rPr lang="en-US" sz="1600" spc="-1" dirty="0">
+              <a:rPr lang="en-US" sz="1400" spc="-1" dirty="0">
                 <a:solidFill>
                   <a:srgbClr val="000000"/>
                 </a:solidFill>
@@ -7908,54 +7769,14 @@
               </a:lnSpc>
             </a:pPr>
             <a:r>
-              <a:rPr lang="en-US" sz="1600" spc="-1" dirty="0">
+              <a:rPr lang="en-US" sz="1400" spc="-1" dirty="0">
                 <a:solidFill>
                   <a:srgbClr val="000000"/>
                 </a:solidFill>
                 <a:latin typeface="Courier New"/>
                 <a:ea typeface="MS PGothic"/>
               </a:rPr>
-              <a:t>    spark = </a:t>
-            </a:r>
-            <a:r>
-              <a:rPr lang="en-US" sz="1600" spc="-1" dirty="0" err="1">
-                <a:solidFill>
-                  <a:srgbClr val="000000"/>
-                </a:solidFill>
-                <a:latin typeface="Courier New"/>
-                <a:ea typeface="MS PGothic"/>
-              </a:rPr>
-              <a:t>getSparkSessionInstance</a:t>
-            </a:r>
-            <a:r>
-              <a:rPr lang="en-US" sz="1600" spc="-1" dirty="0">
-                <a:solidFill>
-                  <a:srgbClr val="000000"/>
-                </a:solidFill>
-                <a:latin typeface="Courier New"/>
-                <a:ea typeface="MS PGothic"/>
-              </a:rPr>
-              <a:t>(</a:t>
-            </a:r>
-            <a:r>
-              <a:rPr lang="en-US" sz="1600" spc="-1" dirty="0" err="1">
-                <a:solidFill>
-                  <a:srgbClr val="000000"/>
-                </a:solidFill>
-                <a:latin typeface="Courier New"/>
-                <a:ea typeface="MS PGothic"/>
-              </a:rPr>
-              <a:t>rdd.context.getConf</a:t>
-            </a:r>
-            <a:r>
-              <a:rPr lang="en-US" sz="1600" spc="-1" dirty="0">
-                <a:solidFill>
-                  <a:srgbClr val="000000"/>
-                </a:solidFill>
-                <a:latin typeface="Courier New"/>
-                <a:ea typeface="MS PGothic"/>
-              </a:rPr>
-              <a:t>())</a:t>
+              <a:t>    spark = getSparkSessionInstance(rdd.context.getConf())</a:t>
             </a:r>
           </a:p>
           <a:p>
@@ -7965,34 +7786,14 @@
               </a:lnSpc>
             </a:pPr>
             <a:r>
-              <a:rPr lang="en-US" sz="1600" spc="-1" dirty="0">
+              <a:rPr lang="en-US" sz="1400" spc="-1" dirty="0">
                 <a:solidFill>
                   <a:srgbClr val="000000"/>
                 </a:solidFill>
                 <a:latin typeface="Courier New"/>
                 <a:ea typeface="MS PGothic"/>
               </a:rPr>
-              <a:t>    rdd1 = </a:t>
-            </a:r>
-            <a:r>
-              <a:rPr lang="en-US" sz="1600" spc="-1" dirty="0" err="1">
-                <a:solidFill>
-                  <a:srgbClr val="000000"/>
-                </a:solidFill>
-                <a:latin typeface="Courier New"/>
-                <a:ea typeface="MS PGothic"/>
-              </a:rPr>
-              <a:t>rdd.map</a:t>
-            </a:r>
-            <a:r>
-              <a:rPr lang="en-US" sz="1600" spc="-1" dirty="0">
-                <a:solidFill>
-                  <a:srgbClr val="000000"/>
-                </a:solidFill>
-                <a:latin typeface="Courier New"/>
-                <a:ea typeface="MS PGothic"/>
-              </a:rPr>
-              <a:t>(lambda x : x[1].split(',')) \</a:t>
+              <a:t>    rdd1 = rdd.map(lambda x : x[1].split(',')) \</a:t>
             </a:r>
           </a:p>
           <a:p>
@@ -8002,34 +7803,14 @@
               </a:lnSpc>
             </a:pPr>
             <a:r>
-              <a:rPr lang="en-US" sz="1600" spc="-1" dirty="0">
+              <a:rPr lang="en-US" sz="1400" spc="-1" dirty="0">
                 <a:solidFill>
                   <a:srgbClr val="000000"/>
                 </a:solidFill>
                 <a:latin typeface="Courier New"/>
                 <a:ea typeface="MS PGothic"/>
               </a:rPr>
-              <a:t>              .map(lambda x : (</a:t>
-            </a:r>
-            <a:r>
-              <a:rPr lang="en-US" sz="1600" spc="-1" dirty="0" err="1">
-                <a:solidFill>
-                  <a:srgbClr val="000000"/>
-                </a:solidFill>
-                <a:latin typeface="Courier New"/>
-                <a:ea typeface="MS PGothic"/>
-              </a:rPr>
-              <a:t>int</a:t>
-            </a:r>
-            <a:r>
-              <a:rPr lang="en-US" sz="1600" spc="-1" dirty="0">
-                <a:solidFill>
-                  <a:srgbClr val="000000"/>
-                </a:solidFill>
-                <a:latin typeface="Courier New"/>
-                <a:ea typeface="MS PGothic"/>
-              </a:rPr>
-              <a:t>(x[0]), float(x[1])))</a:t>
+              <a:t>              .map(lambda x : (int(x[0]), float(x[1])))</a:t>
             </a:r>
           </a:p>
           <a:p>
@@ -8039,94 +7820,14 @@
               </a:lnSpc>
             </a:pPr>
             <a:r>
-              <a:rPr lang="en-US" sz="1600" spc="-1" dirty="0">
+              <a:rPr lang="en-US" sz="1400" spc="-1" dirty="0">
                 <a:solidFill>
                   <a:srgbClr val="000000"/>
                 </a:solidFill>
                 <a:latin typeface="Courier New"/>
                 <a:ea typeface="MS PGothic"/>
               </a:rPr>
-              <a:t>    </a:t>
-            </a:r>
-            <a:r>
-              <a:rPr lang="en-US" sz="1600" spc="-1" dirty="0" err="1">
-                <a:solidFill>
-                  <a:srgbClr val="000000"/>
-                </a:solidFill>
-                <a:latin typeface="Courier New"/>
-                <a:ea typeface="MS PGothic"/>
-              </a:rPr>
-              <a:t>df</a:t>
-            </a:r>
-            <a:r>
-              <a:rPr lang="en-US" sz="1600" spc="-1" dirty="0">
-                <a:solidFill>
-                  <a:srgbClr val="000000"/>
-                </a:solidFill>
-                <a:latin typeface="Courier New"/>
-                <a:ea typeface="MS PGothic"/>
-              </a:rPr>
-              <a:t> = </a:t>
-            </a:r>
-            <a:r>
-              <a:rPr lang="en-US" sz="1600" spc="-1" dirty="0" err="1">
-                <a:solidFill>
-                  <a:srgbClr val="000000"/>
-                </a:solidFill>
-                <a:latin typeface="Courier New"/>
-                <a:ea typeface="MS PGothic"/>
-              </a:rPr>
-              <a:t>spark.createDataFrame</a:t>
-            </a:r>
-            <a:r>
-              <a:rPr lang="en-US" sz="1600" spc="-1" dirty="0">
-                <a:solidFill>
-                  <a:srgbClr val="000000"/>
-                </a:solidFill>
-                <a:latin typeface="Courier New"/>
-                <a:ea typeface="MS PGothic"/>
-              </a:rPr>
-              <a:t>(rdd1, schema='</a:t>
-            </a:r>
-            <a:r>
-              <a:rPr lang="en-US" sz="1600" spc="-1" dirty="0" err="1">
-                <a:solidFill>
-                  <a:srgbClr val="000000"/>
-                </a:solidFill>
-                <a:latin typeface="Courier New"/>
-                <a:ea typeface="MS PGothic"/>
-              </a:rPr>
-              <a:t>id:int</a:t>
-            </a:r>
-            <a:r>
-              <a:rPr lang="en-US" sz="1600" spc="-1" dirty="0">
-                <a:solidFill>
-                  <a:srgbClr val="000000"/>
-                </a:solidFill>
-                <a:latin typeface="Courier New"/>
-                <a:ea typeface="MS PGothic"/>
-              </a:rPr>
-              <a:t>, </a:t>
-            </a:r>
-            <a:r>
-              <a:rPr lang="en-US" sz="1600" spc="-1" dirty="0" err="1">
-                <a:solidFill>
-                  <a:srgbClr val="000000"/>
-                </a:solidFill>
-                <a:latin typeface="Courier New"/>
-                <a:ea typeface="MS PGothic"/>
-              </a:rPr>
-              <a:t>amount:float</a:t>
-            </a:r>
-            <a:r>
-              <a:rPr lang="en-US" sz="1600" spc="-1" dirty="0">
-                <a:solidFill>
-                  <a:srgbClr val="000000"/>
-                </a:solidFill>
-                <a:latin typeface="Courier New"/>
-                <a:ea typeface="MS PGothic"/>
-              </a:rPr>
-              <a:t>')</a:t>
+              <a:t>    df = spark.createDataFrame(rdd1, schema='id:int, amount:float')</a:t>
             </a:r>
           </a:p>
           <a:p>
@@ -8136,54 +7837,14 @@
               </a:lnSpc>
             </a:pPr>
             <a:r>
-              <a:rPr lang="en-US" sz="1600" spc="-1" dirty="0">
+              <a:rPr lang="en-US" sz="1400" spc="-1" dirty="0">
                 <a:solidFill>
                   <a:srgbClr val="000000"/>
                 </a:solidFill>
                 <a:latin typeface="Courier New"/>
                 <a:ea typeface="MS PGothic"/>
               </a:rPr>
-              <a:t>    </a:t>
-            </a:r>
-            <a:r>
-              <a:rPr lang="en-US" sz="1600" spc="-1" dirty="0" err="1">
-                <a:solidFill>
-                  <a:srgbClr val="000000"/>
-                </a:solidFill>
-                <a:latin typeface="Courier New"/>
-                <a:ea typeface="MS PGothic"/>
-              </a:rPr>
-              <a:t>df.createOrReplaceTempView</a:t>
-            </a:r>
-            <a:r>
-              <a:rPr lang="en-US" sz="1600" spc="-1" dirty="0">
-                <a:solidFill>
-                  <a:srgbClr val="000000"/>
-                </a:solidFill>
-                <a:latin typeface="Courier New"/>
-                <a:ea typeface="MS PGothic"/>
-              </a:rPr>
-              <a:t>('</a:t>
-            </a:r>
-            <a:r>
-              <a:rPr lang="en-US" sz="1600" spc="-1" dirty="0" err="1">
-                <a:solidFill>
-                  <a:srgbClr val="000000"/>
-                </a:solidFill>
-                <a:latin typeface="Courier New"/>
-                <a:ea typeface="MS PGothic"/>
-              </a:rPr>
-              <a:t>newdata</a:t>
-            </a:r>
-            <a:r>
-              <a:rPr lang="en-US" sz="1600" spc="-1" dirty="0">
-                <a:solidFill>
-                  <a:srgbClr val="000000"/>
-                </a:solidFill>
-                <a:latin typeface="Courier New"/>
-                <a:ea typeface="MS PGothic"/>
-              </a:rPr>
-              <a:t>')</a:t>
+              <a:t>    df.createOrReplaceTempView('newdata')</a:t>
             </a:r>
           </a:p>
           <a:p>
@@ -8193,117 +7854,17 @@
               </a:lnSpc>
             </a:pPr>
             <a:r>
-              <a:rPr lang="en-US" sz="1600" spc="-1" dirty="0">
+              <a:rPr lang="en-US" sz="1400" spc="-1" dirty="0">
                 <a:solidFill>
                   <a:srgbClr val="000000"/>
                 </a:solidFill>
                 <a:latin typeface="Courier New"/>
                 <a:ea typeface="MS PGothic"/>
               </a:rPr>
-              <a:t>    join = </a:t>
-            </a:r>
-            <a:r>
-              <a:rPr lang="en-US" sz="1600" spc="-1" dirty="0" err="1">
-                <a:solidFill>
-                  <a:srgbClr val="000000"/>
-                </a:solidFill>
-                <a:latin typeface="Courier New"/>
-                <a:ea typeface="MS PGothic"/>
-              </a:rPr>
-              <a:t>spark.sql</a:t>
-            </a:r>
-            <a:r>
-              <a:rPr lang="en-US" sz="1600" spc="-1" dirty="0">
-                <a:solidFill>
-                  <a:srgbClr val="000000"/>
-                </a:solidFill>
-                <a:latin typeface="Courier New"/>
-                <a:ea typeface="MS PGothic"/>
-              </a:rPr>
-              <a:t>('select </a:t>
-            </a:r>
-            <a:r>
-              <a:rPr lang="en-US" sz="1600" spc="-1" dirty="0" err="1">
-                <a:solidFill>
-                  <a:srgbClr val="000000"/>
-                </a:solidFill>
-                <a:latin typeface="Courier New"/>
-                <a:ea typeface="MS PGothic"/>
-              </a:rPr>
-              <a:t>n.id</a:t>
-            </a:r>
-            <a:r>
-              <a:rPr lang="en-US" sz="1600" spc="-1" dirty="0">
-                <a:solidFill>
-                  <a:srgbClr val="000000"/>
-                </a:solidFill>
-                <a:latin typeface="Courier New"/>
-                <a:ea typeface="MS PGothic"/>
-              </a:rPr>
-              <a:t>, </a:t>
-            </a:r>
-            <a:r>
-              <a:rPr lang="en-US" sz="1600" spc="-1" dirty="0" err="1">
-                <a:solidFill>
-                  <a:srgbClr val="000000"/>
-                </a:solidFill>
-                <a:latin typeface="Courier New"/>
-                <a:ea typeface="MS PGothic"/>
-              </a:rPr>
-              <a:t>c.name</a:t>
-            </a:r>
-            <a:r>
-              <a:rPr lang="en-US" sz="1600" spc="-1" dirty="0">
-                <a:solidFill>
-                  <a:srgbClr val="000000"/>
-                </a:solidFill>
-                <a:latin typeface="Courier New"/>
-                <a:ea typeface="MS PGothic"/>
-              </a:rPr>
-              <a:t>, </a:t>
-            </a:r>
-            <a:r>
-              <a:rPr lang="en-US" sz="1600" spc="-1" dirty="0" err="1">
-                <a:solidFill>
-                  <a:srgbClr val="000000"/>
-                </a:solidFill>
-                <a:latin typeface="Courier New"/>
-                <a:ea typeface="MS PGothic"/>
-              </a:rPr>
-              <a:t>n.amount</a:t>
-            </a:r>
-            <a:r>
-              <a:rPr lang="en-US" sz="1600" spc="-1" dirty="0">
-                <a:solidFill>
-                  <a:srgbClr val="000000"/>
-                </a:solidFill>
-                <a:latin typeface="Courier New"/>
-                <a:ea typeface="MS PGothic"/>
-              </a:rPr>
-              <a:t> from </a:t>
-            </a:r>
-            <a:r>
-              <a:rPr lang="en-US" sz="1600" spc="-1" dirty="0" err="1">
-                <a:solidFill>
-                  <a:srgbClr val="000000"/>
-                </a:solidFill>
-                <a:latin typeface="Courier New"/>
-                <a:ea typeface="MS PGothic"/>
-              </a:rPr>
-              <a:t>newdata</a:t>
-            </a:r>
-            <a:r>
-              <a:rPr lang="en-US" sz="1600" spc="-1" dirty="0">
-                <a:solidFill>
-                  <a:srgbClr val="000000"/>
-                </a:solidFill>
-                <a:latin typeface="Courier New"/>
-                <a:ea typeface="MS PGothic"/>
-              </a:rPr>
-              <a:t> as n</a:t>
+              <a:t>    join = spark.sql('select n.id, c.name, n.amount from newdata as n</a:t>
             </a:r>
             <a:br>
-              <a:rPr lang="en-US" sz="1600" spc="-1" dirty="0">
+              <a:rPr lang="en-US" sz="1400" spc="-1" dirty="0">
                 <a:solidFill>
                   <a:srgbClr val="000000"/>
                 </a:solidFill>
@@ -8312,54 +7873,14 @@
               </a:rPr>
             </a:br>
             <a:r>
-              <a:rPr lang="en-US" sz="1600" spc="-1" dirty="0">
+              <a:rPr lang="en-US" sz="1400" spc="-1" dirty="0">
                 <a:solidFill>
                   <a:srgbClr val="000000"/>
                 </a:solidFill>
                 <a:latin typeface="Courier New"/>
                 <a:ea typeface="MS PGothic"/>
               </a:rPr>
-              <a:t>           join codes as c on </a:t>
-            </a:r>
-            <a:r>
-              <a:rPr lang="en-US" sz="1600" spc="-1" dirty="0" err="1">
-                <a:solidFill>
-                  <a:srgbClr val="000000"/>
-                </a:solidFill>
-                <a:latin typeface="Courier New"/>
-                <a:ea typeface="MS PGothic"/>
-              </a:rPr>
-              <a:t>n.id</a:t>
-            </a:r>
-            <a:r>
-              <a:rPr lang="en-US" sz="1600" spc="-1" dirty="0">
-                <a:solidFill>
-                  <a:srgbClr val="000000"/>
-                </a:solidFill>
-                <a:latin typeface="Courier New"/>
-                <a:ea typeface="MS PGothic"/>
-              </a:rPr>
-              <a:t> = </a:t>
-            </a:r>
-            <a:r>
-              <a:rPr lang="en-US" sz="1600" spc="-1" dirty="0" err="1">
-                <a:solidFill>
-                  <a:srgbClr val="000000"/>
-                </a:solidFill>
-                <a:latin typeface="Courier New"/>
-                <a:ea typeface="MS PGothic"/>
-              </a:rPr>
-              <a:t>c.id</a:t>
-            </a:r>
-            <a:r>
-              <a:rPr lang="en-US" sz="1600" spc="-1" dirty="0">
-                <a:solidFill>
-                  <a:srgbClr val="000000"/>
-                </a:solidFill>
-                <a:latin typeface="Courier New"/>
-                <a:ea typeface="MS PGothic"/>
-              </a:rPr>
-              <a:t>')</a:t>
+              <a:t>           join codes as c on n.id = c.id')</a:t>
             </a:r>
           </a:p>
           <a:p>
@@ -8369,34 +7890,14 @@
               </a:lnSpc>
             </a:pPr>
             <a:r>
-              <a:rPr lang="en-US" sz="1600" spc="-1" dirty="0">
+              <a:rPr lang="en-US" sz="1400" spc="-1" dirty="0">
                 <a:solidFill>
                   <a:srgbClr val="000000"/>
                 </a:solidFill>
                 <a:latin typeface="Courier New"/>
                 <a:ea typeface="MS PGothic"/>
               </a:rPr>
-              <a:t>    </a:t>
-            </a:r>
-            <a:r>
-              <a:rPr lang="en-US" sz="1600" spc="-1" dirty="0" err="1">
-                <a:solidFill>
-                  <a:srgbClr val="000000"/>
-                </a:solidFill>
-                <a:latin typeface="Courier New"/>
-                <a:ea typeface="MS PGothic"/>
-              </a:rPr>
-              <a:t>join.show</a:t>
-            </a:r>
-            <a:r>
-              <a:rPr lang="en-US" sz="1600" spc="-1" dirty="0">
-                <a:solidFill>
-                  <a:srgbClr val="000000"/>
-                </a:solidFill>
-                <a:latin typeface="Courier New"/>
-                <a:ea typeface="MS PGothic"/>
-              </a:rPr>
-              <a:t>()</a:t>
+              <a:t>    join.show()</a:t>
             </a:r>
           </a:p>
           <a:p>
@@ -8406,7 +7907,7 @@
               </a:lnSpc>
             </a:pPr>
             <a:r>
-              <a:rPr lang="en-US" sz="1600" spc="-1" dirty="0">
+              <a:rPr lang="en-US" sz="1400" spc="-1" dirty="0">
                 <a:solidFill>
                   <a:srgbClr val="000000"/>
                 </a:solidFill>
@@ -8423,34 +7924,14 @@
               </a:lnSpc>
             </a:pPr>
             <a:r>
-              <a:rPr lang="en-US" sz="1600" spc="-1" dirty="0">
+              <a:rPr lang="en-US" sz="1400" spc="-1" dirty="0">
                 <a:solidFill>
                   <a:srgbClr val="000000"/>
                 </a:solidFill>
                 <a:latin typeface="Courier New"/>
                 <a:ea typeface="MS PGothic"/>
               </a:rPr>
-              <a:t>    print(</a:t>
-            </a:r>
-            <a:r>
-              <a:rPr lang="en-US" sz="1600" spc="-1" dirty="0" err="1">
-                <a:solidFill>
-                  <a:srgbClr val="000000"/>
-                </a:solidFill>
-                <a:latin typeface="Courier New"/>
-                <a:ea typeface="MS PGothic"/>
-              </a:rPr>
-              <a:t>rdd.collect</a:t>
-            </a:r>
-            <a:r>
-              <a:rPr lang="en-US" sz="1600" spc="-1" dirty="0">
-                <a:solidFill>
-                  <a:srgbClr val="000000"/>
-                </a:solidFill>
-                <a:latin typeface="Courier New"/>
-                <a:ea typeface="MS PGothic"/>
-              </a:rPr>
-              <a:t>())</a:t>
+              <a:t>    print(rdd.collect())</a:t>
             </a:r>
           </a:p>
           <a:p>
@@ -8459,7 +7940,7 @@
                 <a:spcPct val="100000"/>
               </a:lnSpc>
             </a:pPr>
-            <a:endParaRPr lang="en-US" sz="1600" spc="-1" dirty="0">
+            <a:endParaRPr lang="en-US" sz="1400" spc="-1" dirty="0">
               <a:solidFill>
                 <a:srgbClr val="000000"/>
               </a:solidFill>
@@ -8474,24 +7955,14 @@
               </a:lnSpc>
             </a:pPr>
             <a:r>
-              <a:rPr lang="en-US" sz="1600" spc="-1" dirty="0" err="1">
+              <a:rPr lang="en-US" sz="1400" spc="-1" dirty="0">
                 <a:solidFill>
                   <a:srgbClr val="000000"/>
                 </a:solidFill>
                 <a:latin typeface="Courier New"/>
                 <a:ea typeface="MS PGothic"/>
               </a:rPr>
-              <a:t>stream.foreachRDD</a:t>
-            </a:r>
-            <a:r>
-              <a:rPr lang="en-US" sz="1600" spc="-1" dirty="0">
-                <a:solidFill>
-                  <a:srgbClr val="000000"/>
-                </a:solidFill>
-                <a:latin typeface="Courier New"/>
-                <a:ea typeface="MS PGothic"/>
-              </a:rPr>
-              <a:t>(process)</a:t>
+              <a:t>stream.foreachRDD(process)</a:t>
             </a:r>
           </a:p>
         </p:txBody>
@@ -8549,13 +8020,13 @@
           <a:p>
             <a:r>
               <a:rPr lang="en-US" dirty="0"/>
-              <a:t>Spark Streaming also provides an API for Window computations </a:t>
+              <a:t>Spark streaming also provides an API for window computations </a:t>
             </a:r>
           </a:p>
           <a:p>
             <a:r>
               <a:rPr lang="en-US" dirty="0"/>
-              <a:t>As the window slides over a source DStream</a:t>
+              <a:t>As the window slides over a source DStream:</a:t>
             </a:r>
           </a:p>
           <a:p>
@@ -8641,7 +8112,7 @@
         </p:blipFill>
         <p:spPr>
           <a:xfrm>
-            <a:off x="848627" y="3696279"/>
+            <a:off x="854242" y="3604839"/>
             <a:ext cx="7435516" cy="2685833"/>
           </a:xfrm>
           <a:prstGeom prst="rect">
@@ -8735,7 +8206,10 @@
           <a:p>
             <a:pPr lvl="0"/>
             <a:r>
-              <a:rPr lang="x-none" altLang="x-none" dirty="0"/>
+              <a:rPr lang="x-none" altLang="x-none" dirty="0">
+                <a:latin typeface="Courier New" panose="02070309020205020404" pitchFamily="49" charset="0"/>
+                <a:cs typeface="Courier New" panose="02070309020205020404" pitchFamily="49" charset="0"/>
+              </a:rPr>
               <a:t>window()</a:t>
             </a:r>
           </a:p>
@@ -8765,7 +8239,10 @@
           <a:p>
             <a:pPr lvl="0"/>
             <a:r>
-              <a:rPr lang="x-none" altLang="x-none" dirty="0"/>
+              <a:rPr lang="x-none" altLang="x-none" dirty="0">
+                <a:latin typeface="Courier New" panose="02070309020205020404" pitchFamily="49" charset="0"/>
+                <a:cs typeface="Courier New" panose="02070309020205020404" pitchFamily="49" charset="0"/>
+              </a:rPr>
               <a:t>countByWindow()</a:t>
             </a:r>
           </a:p>
@@ -8780,7 +8257,10 @@
           <a:p>
             <a:pPr lvl="0"/>
             <a:r>
-              <a:rPr lang="x-none" altLang="x-none" dirty="0"/>
+              <a:rPr lang="x-none" altLang="x-none" dirty="0">
+                <a:latin typeface="Courier New" panose="02070309020205020404" pitchFamily="49" charset="0"/>
+                <a:cs typeface="Courier New" panose="02070309020205020404" pitchFamily="49" charset="0"/>
+              </a:rPr>
               <a:t>countByValueAndWindow()</a:t>
             </a:r>
           </a:p>
@@ -8801,8 +8281,22 @@
           <a:p>
             <a:pPr lvl="0"/>
             <a:r>
+              <a:rPr lang="x-none" altLang="x-none" dirty="0">
+                <a:latin typeface="Courier New" panose="02070309020205020404" pitchFamily="49" charset="0"/>
+                <a:cs typeface="Courier New" panose="02070309020205020404" pitchFamily="49" charset="0"/>
+              </a:rPr>
+              <a:t>reduceByWindow()</a:t>
+            </a:r>
+            <a:r>
               <a:rPr lang="x-none" altLang="x-none" dirty="0"/>
-              <a:t>reduceByWindow() and reduceByKeyAndWindow()</a:t>
+              <a:t> and </a:t>
+            </a:r>
+            <a:r>
+              <a:rPr lang="x-none" altLang="x-none" dirty="0">
+                <a:latin typeface="Courier New" panose="02070309020205020404" pitchFamily="49" charset="0"/>
+                <a:cs typeface="Courier New" panose="02070309020205020404" pitchFamily="49" charset="0"/>
+              </a:rPr>
+              <a:t>reduceByKeyAndWindow()</a:t>
             </a:r>
           </a:p>
           <a:p>
@@ -8817,7 +8311,18 @@
             <a:pPr lvl="0"/>
             <a:r>
               <a:rPr lang="x-none" altLang="x-none" dirty="0"/>
-              <a:t>The operation of reduceByKeyAndWindow() can be optimized</a:t>
+              <a:t>The operation of </a:t>
+            </a:r>
+            <a:r>
+              <a:rPr lang="x-none" altLang="x-none" dirty="0">
+                <a:latin typeface="Courier New" panose="02070309020205020404" pitchFamily="49" charset="0"/>
+                <a:cs typeface="Courier New" panose="02070309020205020404" pitchFamily="49" charset="0"/>
+              </a:rPr>
+              <a:t>reduceByKeyAndWindow()</a:t>
+            </a:r>
+            <a:r>
+              <a:rPr lang="x-none" altLang="x-none" dirty="0"/>
+              <a:t> can be optimized</a:t>
             </a:r>
           </a:p>
           <a:p>
@@ -8832,16 +8337,12 @@
             <a:r>
               <a:rPr lang="x-none" altLang="x-none" dirty="0"/>
               <a:t>An </a:t>
-            </a:r>
-            <a:r>
-              <a:rPr lang="x-none" altLang="x-none" i="1" dirty="0"/>
-              <a:t>i</a:t>
             </a:r>
             <a:r>
               <a:rPr lang="x-none" altLang="x-none" i="1" dirty="0">
                 <a:latin typeface="Century Schoolbook" panose="02040604050505020304" pitchFamily="18" charset="0"/>
               </a:rPr>
-              <a:t>nverse-reduce</a:t>
+              <a:t>inverse-reduce</a:t>
             </a:r>
             <a:r>
               <a:rPr lang="x-none" altLang="x-none" dirty="0"/>
@@ -8970,7 +8471,15 @@
             <a:pPr lvl="1"/>
             <a:r>
               <a:rPr lang="x-none" altLang="x-none" dirty="0"/>
-              <a:t>Originally developed by LinkedIn and became open source in 2011</a:t>
+              <a:t>Originally developed by LinkedIn and became open</a:t>
+            </a:r>
+            <a:r>
+              <a:rPr lang="en-US" altLang="x-none" dirty="0"/>
+              <a:t> </a:t>
+            </a:r>
+            <a:r>
+              <a:rPr lang="x-none" altLang="x-none" dirty="0"/>
+              <a:t>source in 2011</a:t>
             </a:r>
           </a:p>
           <a:p>
@@ -9124,12 +8633,8 @@
           </a:p>
           <a:p>
             <a:r>
-              <a:rPr lang="en-US"/>
-              <a:t>Learned </a:t>
-            </a:r>
-            <a:r>
               <a:rPr lang="en-US" dirty="0"/>
-              <a:t>the special processing needs for the high velocity data under Spark’s streaming architecture</a:t>
+              <a:t>Learned the special processing needs for the high-velocity data under Spark’s streaming architecture</a:t>
             </a:r>
           </a:p>
           <a:p>
@@ -9230,7 +8735,7 @@
           <a:p>
             <a:r>
               <a:rPr lang="en-US" dirty="0"/>
-              <a:t>Understand the special processing needs for the high velocity data under Spark’s streaming architecture</a:t>
+              <a:t>Learn the special processing needs for the high-velocity data under Spark’s streaming architecture</a:t>
             </a:r>
           </a:p>
           <a:p>
@@ -9578,7 +9083,7 @@
             <a:pPr lvl="1"/>
             <a:r>
               <a:rPr lang="x-none" altLang="x-none" dirty="0"/>
-              <a:t>Built-in or custom classes for generating a DStreams from data sources</a:t>
+              <a:t>Built-in or custom classes for generating DStreams from data sources</a:t>
             </a:r>
           </a:p>
           <a:p>
@@ -9607,7 +9112,7 @@
             </a:r>
             <a:r>
               <a:rPr lang="x-none" altLang="x-none" dirty="0"/>
-              <a:t>include: file and socket streams</a:t>
+              <a:t>include file and socket streams</a:t>
             </a:r>
           </a:p>
           <a:p>
@@ -9622,7 +9127,7 @@
             </a:r>
             <a:r>
               <a:rPr lang="x-none" altLang="x-none" dirty="0"/>
-              <a:t>include: Kafka, Flume, Kinesis, Twitter, etc.</a:t>
+              <a:t>include Kafka, Flume, Kinesis, Twitter, etc.</a:t>
             </a:r>
           </a:p>
           <a:p>
@@ -9711,457 +9216,59 @@
             <a:pPr lvl="0"/>
             <a:r>
               <a:rPr lang="x-none" altLang="x-none" dirty="0"/>
-              <a:t>Applications must create a StreamingContext</a:t>
-            </a:r>
-          </a:p>
-          <a:p>
-            <a:pPr lvl="1"/>
-            <a:r>
-              <a:rPr lang="x-none" altLang="x-none" dirty="0"/>
-              <a:t>Can use an existing SparkContext or SparkConf instance</a:t>
-            </a:r>
-          </a:p>
-          <a:p>
-            <a:pPr lvl="2"/>
-            <a:r>
-              <a:rPr lang="x-none" altLang="x-none" dirty="0"/>
-              <a:t>At least two threads must be specified for the Worker/Executor and Receiver</a:t>
-            </a:r>
-          </a:p>
-          <a:p>
-            <a:pPr lvl="1"/>
-            <a:r>
-              <a:rPr lang="x-none" altLang="x-none" dirty="0"/>
-              <a:t>Specify the batch interval</a:t>
-            </a:r>
-            <a:endParaRPr lang="en-US" altLang="x-none" dirty="0"/>
-          </a:p>
-          <a:p>
-            <a:pPr marL="228600" lvl="1" indent="0">
-              <a:spcBef>
-                <a:spcPts val="0"/>
-              </a:spcBef>
-              <a:buNone/>
-            </a:pPr>
-            <a:r>
-              <a:rPr lang="en-US" altLang="x-none" sz="1200" dirty="0">
+              <a:t>Applications must create a </a:t>
+            </a:r>
+            <a:r>
+              <a:rPr lang="x-none" altLang="x-none" dirty="0">
                 <a:latin typeface="Courier New" panose="02070309020205020404" pitchFamily="49" charset="0"/>
                 <a:cs typeface="Courier New" panose="02070309020205020404" pitchFamily="49" charset="0"/>
               </a:rPr>
-              <a:t>from </a:t>
-            </a:r>
-            <a:r>
-              <a:rPr lang="en-US" altLang="x-none" sz="1200" dirty="0" err="1">
-                <a:latin typeface="Courier New" panose="02070309020205020404" pitchFamily="49" charset="0"/>
-                <a:cs typeface="Courier New" panose="02070309020205020404" pitchFamily="49" charset="0"/>
-              </a:rPr>
-              <a:t>pyspark</a:t>
-            </a:r>
-            <a:r>
-              <a:rPr lang="en-US" altLang="x-none" sz="1200" dirty="0">
-                <a:latin typeface="Courier New" panose="02070309020205020404" pitchFamily="49" charset="0"/>
-                <a:cs typeface="Courier New" panose="02070309020205020404" pitchFamily="49" charset="0"/>
-              </a:rPr>
-              <a:t> import </a:t>
-            </a:r>
-            <a:r>
-              <a:rPr lang="en-US" altLang="x-none" sz="1200" dirty="0" err="1">
+              <a:t>StreamingContext</a:t>
+            </a:r>
+          </a:p>
+          <a:p>
+            <a:pPr lvl="1"/>
+            <a:r>
+              <a:rPr lang="x-none" altLang="x-none" dirty="0"/>
+              <a:t>Can use an existing </a:t>
+            </a:r>
+            <a:r>
+              <a:rPr lang="x-none" altLang="x-none" dirty="0">
                 <a:latin typeface="Courier New" panose="02070309020205020404" pitchFamily="49" charset="0"/>
                 <a:cs typeface="Courier New" panose="02070309020205020404" pitchFamily="49" charset="0"/>
               </a:rPr>
               <a:t>SparkContext</a:t>
             </a:r>
-            <a:endParaRPr lang="en-US" altLang="x-none" sz="1200" dirty="0">
-              <a:latin typeface="Courier New" panose="02070309020205020404" pitchFamily="49" charset="0"/>
-              <a:cs typeface="Courier New" panose="02070309020205020404" pitchFamily="49" charset="0"/>
-            </a:endParaRPr>
-          </a:p>
-          <a:p>
-            <a:pPr marL="228600" lvl="1" indent="0">
-              <a:spcBef>
-                <a:spcPts val="0"/>
-              </a:spcBef>
-              <a:buNone/>
-            </a:pPr>
-            <a:r>
-              <a:rPr lang="en-US" altLang="x-none" sz="1200" dirty="0">
+            <a:r>
+              <a:rPr lang="x-none" altLang="x-none" dirty="0"/>
+              <a:t> or </a:t>
+            </a:r>
+            <a:r>
+              <a:rPr lang="x-none" altLang="x-none" dirty="0">
                 <a:latin typeface="Courier New" panose="02070309020205020404" pitchFamily="49" charset="0"/>
                 <a:cs typeface="Courier New" panose="02070309020205020404" pitchFamily="49" charset="0"/>
               </a:rPr>
-              <a:t>from </a:t>
-            </a:r>
-            <a:r>
-              <a:rPr lang="en-US" altLang="x-none" sz="1200" dirty="0" err="1">
-                <a:latin typeface="Courier New" panose="02070309020205020404" pitchFamily="49" charset="0"/>
-                <a:cs typeface="Courier New" panose="02070309020205020404" pitchFamily="49" charset="0"/>
-              </a:rPr>
-              <a:t>pyspark.streaming</a:t>
-            </a:r>
-            <a:r>
-              <a:rPr lang="en-US" altLang="x-none" sz="1200" dirty="0">
-                <a:latin typeface="Courier New" panose="02070309020205020404" pitchFamily="49" charset="0"/>
-                <a:cs typeface="Courier New" panose="02070309020205020404" pitchFamily="49" charset="0"/>
-              </a:rPr>
-              <a:t> import </a:t>
-            </a:r>
-            <a:r>
-              <a:rPr lang="en-US" altLang="x-none" sz="1200" dirty="0" err="1">
-                <a:latin typeface="Courier New" panose="02070309020205020404" pitchFamily="49" charset="0"/>
-                <a:cs typeface="Courier New" panose="02070309020205020404" pitchFamily="49" charset="0"/>
-              </a:rPr>
-              <a:t>StreamingContext</a:t>
-            </a:r>
-            <a:endParaRPr lang="en-US" altLang="x-none" sz="1200" dirty="0">
-              <a:latin typeface="Courier New" panose="02070309020205020404" pitchFamily="49" charset="0"/>
-              <a:cs typeface="Courier New" panose="02070309020205020404" pitchFamily="49" charset="0"/>
-            </a:endParaRPr>
-          </a:p>
-          <a:p>
-            <a:pPr marL="228600" lvl="1" indent="0">
-              <a:spcBef>
-                <a:spcPts val="0"/>
-              </a:spcBef>
-              <a:buNone/>
-            </a:pPr>
-            <a:r>
-              <a:rPr lang="en-US" altLang="x-none" sz="1200" dirty="0" err="1">
-                <a:latin typeface="Courier New" panose="02070309020205020404" pitchFamily="49" charset="0"/>
-                <a:cs typeface="Courier New" panose="02070309020205020404" pitchFamily="49" charset="0"/>
-              </a:rPr>
-              <a:t>sc</a:t>
-            </a:r>
-            <a:r>
-              <a:rPr lang="en-US" altLang="x-none" sz="1200" dirty="0">
-                <a:latin typeface="Courier New" panose="02070309020205020404" pitchFamily="49" charset="0"/>
-                <a:cs typeface="Courier New" panose="02070309020205020404" pitchFamily="49" charset="0"/>
-              </a:rPr>
-              <a:t> = </a:t>
-            </a:r>
-            <a:r>
-              <a:rPr lang="en-US" altLang="x-none" sz="1200" dirty="0" err="1">
-                <a:latin typeface="Courier New" panose="02070309020205020404" pitchFamily="49" charset="0"/>
-                <a:cs typeface="Courier New" panose="02070309020205020404" pitchFamily="49" charset="0"/>
-              </a:rPr>
-              <a:t>SparkContext</a:t>
-            </a:r>
-            <a:r>
-              <a:rPr lang="en-US" altLang="x-none" sz="1200" dirty="0">
-                <a:latin typeface="Courier New" panose="02070309020205020404" pitchFamily="49" charset="0"/>
-                <a:cs typeface="Courier New" panose="02070309020205020404" pitchFamily="49" charset="0"/>
-              </a:rPr>
-              <a:t>("local[2]", "</a:t>
-            </a:r>
-            <a:r>
-              <a:rPr lang="en-US" altLang="x-none" sz="1200" dirty="0" err="1">
-                <a:latin typeface="Courier New" panose="02070309020205020404" pitchFamily="49" charset="0"/>
-                <a:cs typeface="Courier New" panose="02070309020205020404" pitchFamily="49" charset="0"/>
-              </a:rPr>
-              <a:t>textStream</a:t>
-            </a:r>
-            <a:r>
-              <a:rPr lang="en-US" altLang="x-none" sz="1200" dirty="0">
-                <a:latin typeface="Courier New" panose="02070309020205020404" pitchFamily="49" charset="0"/>
-                <a:cs typeface="Courier New" panose="02070309020205020404" pitchFamily="49" charset="0"/>
-              </a:rPr>
-              <a:t>")</a:t>
-            </a:r>
-          </a:p>
-          <a:p>
-            <a:pPr marL="228600" lvl="1" indent="0">
-              <a:spcBef>
-                <a:spcPts val="0"/>
-              </a:spcBef>
-              <a:buNone/>
-            </a:pPr>
-            <a:r>
-              <a:rPr lang="en-US" altLang="x-none" sz="1200" dirty="0" err="1">
-                <a:latin typeface="Courier New" panose="02070309020205020404" pitchFamily="49" charset="0"/>
-                <a:cs typeface="Courier New" panose="02070309020205020404" pitchFamily="49" charset="0"/>
-              </a:rPr>
-              <a:t>sc.setLogLevel</a:t>
-            </a:r>
-            <a:r>
-              <a:rPr lang="en-US" altLang="x-none" sz="1200" dirty="0">
-                <a:latin typeface="Courier New" panose="02070309020205020404" pitchFamily="49" charset="0"/>
-                <a:cs typeface="Courier New" panose="02070309020205020404" pitchFamily="49" charset="0"/>
-              </a:rPr>
-              <a:t>('Error')</a:t>
-            </a:r>
-          </a:p>
-          <a:p>
-            <a:pPr marL="228600" lvl="1" indent="0">
-              <a:spcBef>
-                <a:spcPts val="0"/>
-              </a:spcBef>
-              <a:buNone/>
-            </a:pPr>
-            <a:r>
-              <a:rPr lang="en-US" altLang="x-none" sz="1200" dirty="0" err="1">
-                <a:latin typeface="Courier New" panose="02070309020205020404" pitchFamily="49" charset="0"/>
-                <a:cs typeface="Courier New" panose="02070309020205020404" pitchFamily="49" charset="0"/>
-              </a:rPr>
-              <a:t>ssc</a:t>
-            </a:r>
-            <a:r>
-              <a:rPr lang="en-US" altLang="x-none" sz="1200" dirty="0">
-                <a:latin typeface="Courier New" panose="02070309020205020404" pitchFamily="49" charset="0"/>
-                <a:cs typeface="Courier New" panose="02070309020205020404" pitchFamily="49" charset="0"/>
-              </a:rPr>
-              <a:t> = </a:t>
-            </a:r>
-            <a:r>
-              <a:rPr lang="en-US" altLang="x-none" sz="1200" dirty="0" err="1">
-                <a:latin typeface="Courier New" panose="02070309020205020404" pitchFamily="49" charset="0"/>
-                <a:cs typeface="Courier New" panose="02070309020205020404" pitchFamily="49" charset="0"/>
-              </a:rPr>
-              <a:t>StreamingContext</a:t>
-            </a:r>
-            <a:r>
-              <a:rPr lang="en-US" altLang="x-none" sz="1200" dirty="0">
-                <a:latin typeface="Courier New" panose="02070309020205020404" pitchFamily="49" charset="0"/>
-                <a:cs typeface="Courier New" panose="02070309020205020404" pitchFamily="49" charset="0"/>
-              </a:rPr>
-              <a:t>(</a:t>
-            </a:r>
-            <a:r>
-              <a:rPr lang="en-US" altLang="x-none" sz="1200" dirty="0" err="1">
-                <a:latin typeface="Courier New" panose="02070309020205020404" pitchFamily="49" charset="0"/>
-                <a:cs typeface="Courier New" panose="02070309020205020404" pitchFamily="49" charset="0"/>
-              </a:rPr>
-              <a:t>sc</a:t>
-            </a:r>
-            <a:r>
-              <a:rPr lang="en-US" altLang="x-none" sz="1200" dirty="0">
-                <a:latin typeface="Courier New" panose="02070309020205020404" pitchFamily="49" charset="0"/>
-                <a:cs typeface="Courier New" panose="02070309020205020404" pitchFamily="49" charset="0"/>
-              </a:rPr>
-              <a:t>, 5)</a:t>
-            </a:r>
-          </a:p>
-          <a:p>
-            <a:pPr marL="228600" lvl="1" indent="0">
-              <a:spcBef>
-                <a:spcPts val="0"/>
-              </a:spcBef>
-              <a:buNone/>
-            </a:pPr>
-            <a:r>
-              <a:rPr lang="en-US" altLang="x-none" sz="1200" dirty="0">
-                <a:latin typeface="Courier New" panose="02070309020205020404" pitchFamily="49" charset="0"/>
-                <a:cs typeface="Courier New" panose="02070309020205020404" pitchFamily="49" charset="0"/>
-              </a:rPr>
-              <a:t>lines = </a:t>
-            </a:r>
-            <a:r>
-              <a:rPr lang="en-US" altLang="x-none" sz="1200" dirty="0" err="1">
-                <a:latin typeface="Courier New" panose="02070309020205020404" pitchFamily="49" charset="0"/>
-                <a:cs typeface="Courier New" panose="02070309020205020404" pitchFamily="49" charset="0"/>
-              </a:rPr>
-              <a:t>ssc.socketTextStream</a:t>
-            </a:r>
-            <a:r>
-              <a:rPr lang="en-US" altLang="x-none" sz="1200" dirty="0">
-                <a:latin typeface="Courier New" panose="02070309020205020404" pitchFamily="49" charset="0"/>
-                <a:cs typeface="Courier New" panose="02070309020205020404" pitchFamily="49" charset="0"/>
-              </a:rPr>
-              <a:t>('localhost', 9999)</a:t>
-            </a:r>
-          </a:p>
-          <a:p>
-            <a:pPr marL="228600" lvl="1" indent="0">
-              <a:spcBef>
-                <a:spcPts val="0"/>
-              </a:spcBef>
-              <a:buNone/>
-            </a:pPr>
-            <a:r>
-              <a:rPr lang="en-US" altLang="x-none" sz="1200" dirty="0">
-                <a:latin typeface="Courier New" panose="02070309020205020404" pitchFamily="49" charset="0"/>
-                <a:cs typeface="Courier New" panose="02070309020205020404" pitchFamily="49" charset="0"/>
-              </a:rPr>
-              <a:t>words = </a:t>
-            </a:r>
-            <a:r>
-              <a:rPr lang="en-US" altLang="x-none" sz="1200" dirty="0" err="1">
-                <a:latin typeface="Courier New" panose="02070309020205020404" pitchFamily="49" charset="0"/>
-                <a:cs typeface="Courier New" panose="02070309020205020404" pitchFamily="49" charset="0"/>
-              </a:rPr>
-              <a:t>lines.flatMap</a:t>
-            </a:r>
-            <a:r>
-              <a:rPr lang="en-US" altLang="x-none" sz="1200" dirty="0">
-                <a:latin typeface="Courier New" panose="02070309020205020404" pitchFamily="49" charset="0"/>
-                <a:cs typeface="Courier New" panose="02070309020205020404" pitchFamily="49" charset="0"/>
-              </a:rPr>
-              <a:t>(lambda line: </a:t>
-            </a:r>
-            <a:r>
-              <a:rPr lang="en-US" altLang="x-none" sz="1200" dirty="0" err="1">
-                <a:latin typeface="Courier New" panose="02070309020205020404" pitchFamily="49" charset="0"/>
-                <a:cs typeface="Courier New" panose="02070309020205020404" pitchFamily="49" charset="0"/>
-              </a:rPr>
-              <a:t>line.split</a:t>
-            </a:r>
-            <a:r>
-              <a:rPr lang="en-US" altLang="x-none" sz="1200" dirty="0">
-                <a:latin typeface="Courier New" panose="02070309020205020404" pitchFamily="49" charset="0"/>
-                <a:cs typeface="Courier New" panose="02070309020205020404" pitchFamily="49" charset="0"/>
-              </a:rPr>
-              <a:t>(' '))</a:t>
-            </a:r>
-          </a:p>
-          <a:p>
-            <a:pPr marL="228600" lvl="1" indent="0">
-              <a:spcBef>
-                <a:spcPts val="0"/>
-              </a:spcBef>
-              <a:buNone/>
-            </a:pPr>
-            <a:r>
-              <a:rPr lang="en-US" altLang="x-none" sz="1200" dirty="0">
-                <a:latin typeface="Courier New" panose="02070309020205020404" pitchFamily="49" charset="0"/>
-                <a:cs typeface="Courier New" panose="02070309020205020404" pitchFamily="49" charset="0"/>
-              </a:rPr>
-              <a:t>pairs = </a:t>
-            </a:r>
-            <a:r>
-              <a:rPr lang="en-US" altLang="x-none" sz="1200" dirty="0" err="1">
-                <a:latin typeface="Courier New" panose="02070309020205020404" pitchFamily="49" charset="0"/>
-                <a:cs typeface="Courier New" panose="02070309020205020404" pitchFamily="49" charset="0"/>
-              </a:rPr>
-              <a:t>words.map</a:t>
-            </a:r>
-            <a:r>
-              <a:rPr lang="en-US" altLang="x-none" sz="1200" dirty="0">
-                <a:latin typeface="Courier New" panose="02070309020205020404" pitchFamily="49" charset="0"/>
-                <a:cs typeface="Courier New" panose="02070309020205020404" pitchFamily="49" charset="0"/>
-              </a:rPr>
-              <a:t>(lambda w: (w, 1))</a:t>
-            </a:r>
-          </a:p>
-          <a:p>
-            <a:pPr marL="228600" lvl="1" indent="0">
-              <a:spcBef>
-                <a:spcPts val="0"/>
-              </a:spcBef>
-              <a:buNone/>
-            </a:pPr>
-            <a:r>
-              <a:rPr lang="en-US" altLang="x-none" sz="1200" dirty="0" err="1">
-                <a:latin typeface="Courier New" panose="02070309020205020404" pitchFamily="49" charset="0"/>
-                <a:cs typeface="Courier New" panose="02070309020205020404" pitchFamily="49" charset="0"/>
-              </a:rPr>
-              <a:t>wordCount</a:t>
-            </a:r>
-            <a:r>
-              <a:rPr lang="en-US" altLang="x-none" sz="1200" dirty="0">
-                <a:latin typeface="Courier New" panose="02070309020205020404" pitchFamily="49" charset="0"/>
-                <a:cs typeface="Courier New" panose="02070309020205020404" pitchFamily="49" charset="0"/>
-              </a:rPr>
-              <a:t> = </a:t>
-            </a:r>
-            <a:r>
-              <a:rPr lang="en-US" altLang="x-none" sz="1200" dirty="0" err="1">
-                <a:latin typeface="Courier New" panose="02070309020205020404" pitchFamily="49" charset="0"/>
-                <a:cs typeface="Courier New" panose="02070309020205020404" pitchFamily="49" charset="0"/>
-              </a:rPr>
-              <a:t>pairs.reduceByKey</a:t>
-            </a:r>
-            <a:r>
-              <a:rPr lang="en-US" altLang="x-none" sz="1200" dirty="0">
-                <a:latin typeface="Courier New" panose="02070309020205020404" pitchFamily="49" charset="0"/>
-                <a:cs typeface="Courier New" panose="02070309020205020404" pitchFamily="49" charset="0"/>
-              </a:rPr>
-              <a:t>(lambda x, y : x + y)</a:t>
-            </a:r>
-          </a:p>
-          <a:p>
-            <a:pPr marL="228600" lvl="1" indent="0">
-              <a:spcBef>
-                <a:spcPts val="0"/>
-              </a:spcBef>
-              <a:buNone/>
-            </a:pPr>
-            <a:r>
-              <a:rPr lang="en-US" altLang="x-none" sz="1200" dirty="0" err="1">
-                <a:latin typeface="Courier New" panose="02070309020205020404" pitchFamily="49" charset="0"/>
-                <a:cs typeface="Courier New" panose="02070309020205020404" pitchFamily="49" charset="0"/>
-              </a:rPr>
-              <a:t>wordCount.pprint</a:t>
-            </a:r>
-            <a:r>
-              <a:rPr lang="en-US" altLang="x-none" sz="1200" dirty="0">
-                <a:latin typeface="Courier New" panose="02070309020205020404" pitchFamily="49" charset="0"/>
-                <a:cs typeface="Courier New" panose="02070309020205020404" pitchFamily="49" charset="0"/>
-              </a:rPr>
-              <a:t>()</a:t>
-            </a:r>
-          </a:p>
-          <a:p>
-            <a:pPr marL="228600" lvl="1" indent="0">
-              <a:spcBef>
-                <a:spcPts val="0"/>
-              </a:spcBef>
-              <a:buNone/>
-            </a:pPr>
-            <a:r>
-              <a:rPr lang="en-US" altLang="x-none" sz="1200" dirty="0" err="1">
-                <a:latin typeface="Courier New" panose="02070309020205020404" pitchFamily="49" charset="0"/>
-                <a:cs typeface="Courier New" panose="02070309020205020404" pitchFamily="49" charset="0"/>
-              </a:rPr>
-              <a:t>ssc.start</a:t>
-            </a:r>
-            <a:r>
-              <a:rPr lang="en-US" altLang="x-none" sz="1200" dirty="0">
-                <a:latin typeface="Courier New" panose="02070309020205020404" pitchFamily="49" charset="0"/>
-                <a:cs typeface="Courier New" panose="02070309020205020404" pitchFamily="49" charset="0"/>
-              </a:rPr>
-              <a:t>()</a:t>
-            </a:r>
-          </a:p>
-          <a:p>
-            <a:pPr marL="228600" lvl="1" indent="0">
-              <a:spcBef>
-                <a:spcPts val="0"/>
-              </a:spcBef>
-              <a:buNone/>
-            </a:pPr>
-            <a:r>
-              <a:rPr lang="en-US" altLang="x-none" sz="1200" dirty="0" err="1">
-                <a:latin typeface="Courier New" panose="02070309020205020404" pitchFamily="49" charset="0"/>
-                <a:cs typeface="Courier New" panose="02070309020205020404" pitchFamily="49" charset="0"/>
-              </a:rPr>
-              <a:t>ssc.awaitTerminationOrTimeout</a:t>
-            </a:r>
-            <a:r>
-              <a:rPr lang="en-US" altLang="x-none" sz="1200" dirty="0">
-                <a:latin typeface="Courier New" panose="02070309020205020404" pitchFamily="49" charset="0"/>
-                <a:cs typeface="Courier New" panose="02070309020205020404" pitchFamily="49" charset="0"/>
-              </a:rPr>
-              <a:t>(10000)</a:t>
-            </a:r>
-          </a:p>
-          <a:p>
-            <a:pPr marL="228600" lvl="1" indent="0">
-              <a:spcBef>
-                <a:spcPts val="0"/>
-              </a:spcBef>
-              <a:buNone/>
-            </a:pPr>
-            <a:r>
-              <a:rPr lang="en-US" altLang="x-none" sz="1200" dirty="0" err="1">
-                <a:latin typeface="Courier New" panose="02070309020205020404" pitchFamily="49" charset="0"/>
-                <a:cs typeface="Courier New" panose="02070309020205020404" pitchFamily="49" charset="0"/>
-              </a:rPr>
-              <a:t>ssc.stop</a:t>
-            </a:r>
-            <a:r>
-              <a:rPr lang="en-US" altLang="x-none" sz="1200" dirty="0">
-                <a:latin typeface="Courier New" panose="02070309020205020404" pitchFamily="49" charset="0"/>
-                <a:cs typeface="Courier New" panose="02070309020205020404" pitchFamily="49" charset="0"/>
-              </a:rPr>
-              <a:t>()</a:t>
-            </a:r>
+              <a:t>SparkConf</a:t>
+            </a:r>
+            <a:r>
+              <a:rPr lang="x-none" altLang="x-none" dirty="0"/>
+              <a:t> instance</a:t>
+            </a:r>
+          </a:p>
+          <a:p>
+            <a:pPr lvl="2"/>
+            <a:r>
+              <a:rPr lang="x-none" altLang="x-none" dirty="0"/>
+              <a:t>At least two threads must be specified for the Worker/Executor and Receiver</a:t>
+            </a:r>
+          </a:p>
+          <a:p>
+            <a:pPr lvl="1"/>
+            <a:r>
+              <a:rPr lang="x-none" altLang="x-none" dirty="0"/>
+              <a:t>Specify the batch interval</a:t>
+            </a:r>
+            <a:endParaRPr lang="en-US" altLang="x-none" dirty="0"/>
           </a:p>
         </p:txBody>
       </p:sp>
@@ -10189,20 +9296,20 @@
       </p:sp>
       <p:sp>
         <p:nvSpPr>
-          <p:cNvPr id="9" name="Rectangle 8">
+          <p:cNvPr id="2" name="TextBox 1">
             <a:extLst>
               <a:ext uri="{FF2B5EF4-FFF2-40B4-BE49-F238E27FC236}">
-                <a16:creationId xmlns:a16="http://schemas.microsoft.com/office/drawing/2014/main" id="{921A53A0-45A0-4A80-A7F0-D1A94C77F392}"/>
+                <a16:creationId xmlns:a16="http://schemas.microsoft.com/office/drawing/2014/main" id="{BE5E93BA-19EA-4806-8777-17FC75E0909E}"/>
               </a:ext>
             </a:extLst>
           </p:cNvPr>
-          <p:cNvSpPr/>
+          <p:cNvSpPr txBox="1"/>
           <p:nvPr/>
         </p:nvSpPr>
-        <p:spPr bwMode="auto">
+        <p:spPr>
           <a:xfrm>
-            <a:off x="762000" y="2591947"/>
-            <a:ext cx="6945086" cy="2476442"/>
+            <a:off x="1275588" y="2724912"/>
+            <a:ext cx="6592824" cy="3293209"/>
           </a:xfrm>
           <a:prstGeom prst="rect">
             <a:avLst/>
@@ -10215,25 +9322,172 @@
                 <a:lumOff val="80000"/>
               </a:schemeClr>
             </a:solidFill>
-            <a:round/>
+            <a:miter lim="800000"/>
             <a:headEnd/>
             <a:tailEnd/>
           </a:ln>
           <a:effectLst/>
         </p:spPr>
         <p:txBody>
-          <a:bodyPr wrap="square" rtlCol="0" anchor="ctr">
+          <a:bodyPr wrap="square" rtlCol="0">
             <a:spAutoFit/>
           </a:bodyPr>
           <a:lstStyle/>
           <a:p>
-            <a:pPr algn="ctr"/>
-            <a:endParaRPr lang="en-US" sz="1600" dirty="0">
-              <a:solidFill>
-                <a:schemeClr val="tx1"/>
-              </a:solidFill>
-              <a:latin typeface="+mn-lt"/>
-            </a:endParaRPr>
+            <a:r>
+              <a:rPr lang="en-US" sz="1600" dirty="0">
+                <a:solidFill>
+                  <a:schemeClr val="tx1"/>
+                </a:solidFill>
+                <a:latin typeface="Courier New" panose="02070309020205020404" pitchFamily="49" charset="0"/>
+                <a:cs typeface="Courier New" panose="02070309020205020404" pitchFamily="49" charset="0"/>
+              </a:rPr>
+              <a:t>from pyspark import SparkContext</a:t>
+            </a:r>
+          </a:p>
+          <a:p>
+            <a:r>
+              <a:rPr lang="en-US" sz="1600" dirty="0">
+                <a:solidFill>
+                  <a:schemeClr val="tx1"/>
+                </a:solidFill>
+                <a:latin typeface="Courier New" panose="02070309020205020404" pitchFamily="49" charset="0"/>
+                <a:cs typeface="Courier New" panose="02070309020205020404" pitchFamily="49" charset="0"/>
+              </a:rPr>
+              <a:t>from pyspark.streaming import StreamingContext</a:t>
+            </a:r>
+          </a:p>
+          <a:p>
+            <a:r>
+              <a:rPr lang="en-US" sz="1600" dirty="0">
+                <a:solidFill>
+                  <a:schemeClr val="tx1"/>
+                </a:solidFill>
+                <a:latin typeface="Courier New" panose="02070309020205020404" pitchFamily="49" charset="0"/>
+                <a:cs typeface="Courier New" panose="02070309020205020404" pitchFamily="49" charset="0"/>
+              </a:rPr>
+              <a:t>sc = SparkContext("local[2]", "textStream")</a:t>
+            </a:r>
+          </a:p>
+          <a:p>
+            <a:r>
+              <a:rPr lang="en-US" sz="1600" dirty="0">
+                <a:solidFill>
+                  <a:schemeClr val="tx1"/>
+                </a:solidFill>
+                <a:latin typeface="Courier New" panose="02070309020205020404" pitchFamily="49" charset="0"/>
+                <a:cs typeface="Courier New" panose="02070309020205020404" pitchFamily="49" charset="0"/>
+              </a:rPr>
+              <a:t>sc.setLogLevel('Error')</a:t>
+            </a:r>
+          </a:p>
+          <a:p>
+            <a:r>
+              <a:rPr lang="en-US" sz="1600" dirty="0">
+                <a:solidFill>
+                  <a:schemeClr val="tx1"/>
+                </a:solidFill>
+                <a:latin typeface="Courier New" panose="02070309020205020404" pitchFamily="49" charset="0"/>
+                <a:cs typeface="Courier New" panose="02070309020205020404" pitchFamily="49" charset="0"/>
+              </a:rPr>
+              <a:t>ssc = StreamingContext(sc, 5)</a:t>
+            </a:r>
+          </a:p>
+          <a:p>
+            <a:r>
+              <a:rPr lang="en-US" sz="1600" dirty="0">
+                <a:solidFill>
+                  <a:schemeClr val="tx1"/>
+                </a:solidFill>
+                <a:latin typeface="Courier New" panose="02070309020205020404" pitchFamily="49" charset="0"/>
+                <a:cs typeface="Courier New" panose="02070309020205020404" pitchFamily="49" charset="0"/>
+              </a:rPr>
+              <a:t>lines = ssc.socketTextStream('localhost', 9999)</a:t>
+            </a:r>
+          </a:p>
+          <a:p>
+            <a:r>
+              <a:rPr lang="en-US" sz="1600" dirty="0">
+                <a:solidFill>
+                  <a:schemeClr val="tx1"/>
+                </a:solidFill>
+                <a:latin typeface="Courier New" panose="02070309020205020404" pitchFamily="49" charset="0"/>
+                <a:cs typeface="Courier New" panose="02070309020205020404" pitchFamily="49" charset="0"/>
+              </a:rPr>
+              <a:t>words = lines.flatMap(lambda line: line.split(' '))</a:t>
+            </a:r>
+          </a:p>
+          <a:p>
+            <a:r>
+              <a:rPr lang="en-US" sz="1600" dirty="0">
+                <a:solidFill>
+                  <a:schemeClr val="tx1"/>
+                </a:solidFill>
+                <a:latin typeface="Courier New" panose="02070309020205020404" pitchFamily="49" charset="0"/>
+                <a:cs typeface="Courier New" panose="02070309020205020404" pitchFamily="49" charset="0"/>
+              </a:rPr>
+              <a:t>pairs = words.map(lambda w: (w, 1))</a:t>
+            </a:r>
+          </a:p>
+          <a:p>
+            <a:r>
+              <a:rPr lang="en-US" sz="1600" dirty="0">
+                <a:solidFill>
+                  <a:schemeClr val="tx1"/>
+                </a:solidFill>
+                <a:latin typeface="Courier New" panose="02070309020205020404" pitchFamily="49" charset="0"/>
+                <a:cs typeface="Courier New" panose="02070309020205020404" pitchFamily="49" charset="0"/>
+              </a:rPr>
+              <a:t>wordCount = pairs.reduceByKey(lambda x, y : x + y)</a:t>
+            </a:r>
+          </a:p>
+          <a:p>
+            <a:r>
+              <a:rPr lang="en-US" sz="1600" dirty="0">
+                <a:solidFill>
+                  <a:schemeClr val="tx1"/>
+                </a:solidFill>
+                <a:latin typeface="Courier New" panose="02070309020205020404" pitchFamily="49" charset="0"/>
+                <a:cs typeface="Courier New" panose="02070309020205020404" pitchFamily="49" charset="0"/>
+              </a:rPr>
+              <a:t>wordCount.pprint()</a:t>
+            </a:r>
+          </a:p>
+          <a:p>
+            <a:r>
+              <a:rPr lang="en-US" sz="1600" dirty="0">
+                <a:solidFill>
+                  <a:schemeClr val="tx1"/>
+                </a:solidFill>
+                <a:latin typeface="Courier New" panose="02070309020205020404" pitchFamily="49" charset="0"/>
+                <a:cs typeface="Courier New" panose="02070309020205020404" pitchFamily="49" charset="0"/>
+              </a:rPr>
+              <a:t>ssc.start()</a:t>
+            </a:r>
+          </a:p>
+          <a:p>
+            <a:r>
+              <a:rPr lang="en-US" sz="1600" dirty="0">
+                <a:solidFill>
+                  <a:schemeClr val="tx1"/>
+                </a:solidFill>
+                <a:latin typeface="Courier New" panose="02070309020205020404" pitchFamily="49" charset="0"/>
+                <a:cs typeface="Courier New" panose="02070309020205020404" pitchFamily="49" charset="0"/>
+              </a:rPr>
+              <a:t>ssc.awaitTerminationOrTimeout(10000)</a:t>
+            </a:r>
+          </a:p>
+          <a:p>
+            <a:r>
+              <a:rPr lang="en-US" sz="1600" dirty="0">
+                <a:solidFill>
+                  <a:schemeClr val="tx1"/>
+                </a:solidFill>
+                <a:latin typeface="Courier New" panose="02070309020205020404" pitchFamily="49" charset="0"/>
+                <a:cs typeface="Courier New" panose="02070309020205020404" pitchFamily="49" charset="0"/>
+              </a:rPr>
+              <a:t>ssc.stop()</a:t>
+            </a:r>
           </a:p>
         </p:txBody>
       </p:sp>
@@ -10298,7 +9552,18 @@
             <a:pPr lvl="1"/>
             <a:r>
               <a:rPr lang="x-none" altLang="x-none" dirty="0"/>
-              <a:t>The batch rate is specified when the StreamingContext is instantiated</a:t>
+              <a:t>The batch rate is specified when the </a:t>
+            </a:r>
+            <a:r>
+              <a:rPr lang="x-none" altLang="x-none" dirty="0">
+                <a:latin typeface="Courier New" panose="02070309020205020404" pitchFamily="49" charset="0"/>
+                <a:cs typeface="Courier New" panose="02070309020205020404" pitchFamily="49" charset="0"/>
+              </a:rPr>
+              <a:t>StreamingContext</a:t>
+            </a:r>
+            <a:r>
+              <a:rPr lang="x-none" altLang="x-none" dirty="0"/>
+              <a:t> is instantiated</a:t>
             </a:r>
           </a:p>
           <a:p>
@@ -10477,15 +9742,96 @@
               <a:t>: </a:t>
             </a:r>
             <a:r>
+              <a:rPr lang="x-none" altLang="x-none" dirty="0">
+                <a:latin typeface="Courier New" panose="02070309020205020404" pitchFamily="49" charset="0"/>
+                <a:cs typeface="Courier New" panose="02070309020205020404" pitchFamily="49" charset="0"/>
+              </a:rPr>
+              <a:t>map()</a:t>
+            </a:r>
+            <a:r>
               <a:rPr lang="x-none" altLang="x-none" dirty="0"/>
-              <a:t>map(), flatMap(), filter(), reduce(), reduceByKey(), count(),</a:t>
-            </a:r>
+              <a:t>, </a:t>
+            </a:r>
+            <a:r>
+              <a:rPr lang="x-none" altLang="x-none" dirty="0">
+                <a:latin typeface="Courier New" panose="02070309020205020404" pitchFamily="49" charset="0"/>
+                <a:cs typeface="Courier New" panose="02070309020205020404" pitchFamily="49" charset="0"/>
+              </a:rPr>
+              <a:t>flatMap()</a:t>
+            </a:r>
+            <a:r>
+              <a:rPr lang="x-none" altLang="x-none" dirty="0"/>
+              <a:t>, </a:t>
+            </a:r>
+            <a:r>
+              <a:rPr lang="x-none" altLang="x-none" dirty="0">
+                <a:latin typeface="Courier New" panose="02070309020205020404" pitchFamily="49" charset="0"/>
+                <a:cs typeface="Courier New" panose="02070309020205020404" pitchFamily="49" charset="0"/>
+              </a:rPr>
+              <a:t>filter()</a:t>
+            </a:r>
+            <a:r>
+              <a:rPr lang="x-none" altLang="x-none" dirty="0"/>
+              <a:t>, </a:t>
+            </a:r>
+            <a:r>
+              <a:rPr lang="x-none" altLang="x-none" dirty="0">
+                <a:latin typeface="Courier New" panose="02070309020205020404" pitchFamily="49" charset="0"/>
+                <a:cs typeface="Courier New" panose="02070309020205020404" pitchFamily="49" charset="0"/>
+              </a:rPr>
+              <a:t>reduce()</a:t>
+            </a:r>
+            <a:r>
+              <a:rPr lang="x-none" altLang="x-none" dirty="0"/>
+              <a:t>, </a:t>
+            </a:r>
+            <a:r>
+              <a:rPr lang="x-none" altLang="x-none" dirty="0">
+                <a:latin typeface="Courier New" panose="02070309020205020404" pitchFamily="49" charset="0"/>
+                <a:cs typeface="Courier New" panose="02070309020205020404" pitchFamily="49" charset="0"/>
+              </a:rPr>
+              <a:t>reduceByKey()</a:t>
+            </a:r>
+            <a:r>
+              <a:rPr lang="x-none" altLang="x-none" dirty="0"/>
+              <a:t>,</a:t>
+            </a:r>
+            <a:r>
+              <a:rPr lang="en-US" altLang="x-none" dirty="0"/>
+              <a:t> and</a:t>
+            </a:r>
+            <a:r>
+              <a:rPr lang="x-none" altLang="x-none" dirty="0"/>
+              <a:t> </a:t>
+            </a:r>
+            <a:r>
+              <a:rPr lang="x-none" altLang="x-none" dirty="0">
+                <a:latin typeface="Courier New" panose="02070309020205020404" pitchFamily="49" charset="0"/>
+                <a:cs typeface="Courier New" panose="02070309020205020404" pitchFamily="49" charset="0"/>
+              </a:rPr>
+              <a:t>count()</a:t>
+            </a:r>
+            <a:endParaRPr lang="x-none" altLang="x-none" dirty="0"/>
           </a:p>
           <a:p>
             <a:pPr lvl="0"/>
             <a:r>
+              <a:rPr lang="x-none" altLang="x-none" dirty="0">
+                <a:latin typeface="Courier New" panose="02070309020205020404" pitchFamily="49" charset="0"/>
+                <a:cs typeface="Courier New" panose="02070309020205020404" pitchFamily="49" charset="0"/>
+              </a:rPr>
+              <a:t>countByKey()</a:t>
+            </a:r>
+            <a:r>
               <a:rPr lang="x-none" altLang="x-none" dirty="0"/>
-              <a:t> countByKey(), cogroup()</a:t>
+              <a:t>, </a:t>
+            </a:r>
+            <a:r>
+              <a:rPr lang="x-none" altLang="x-none" dirty="0">
+                <a:latin typeface="Courier New" panose="02070309020205020404" pitchFamily="49" charset="0"/>
+                <a:cs typeface="Courier New" panose="02070309020205020404" pitchFamily="49" charset="0"/>
+              </a:rPr>
+              <a:t>cogroup()</a:t>
             </a:r>
             <a:r>
               <a:rPr lang="en-US" altLang="x-none" dirty="0"/>
@@ -10493,7 +9839,14 @@
             </a:r>
             <a:r>
               <a:rPr lang="x-none" altLang="x-none" dirty="0"/>
-              <a:t> and join()</a:t>
+              <a:t> and </a:t>
+            </a:r>
+            <a:r>
+              <a:rPr lang="x-none" altLang="x-none" dirty="0">
+                <a:latin typeface="Courier New" panose="02070309020205020404" pitchFamily="49" charset="0"/>
+                <a:cs typeface="Courier New" panose="02070309020205020404" pitchFamily="49" charset="0"/>
+              </a:rPr>
+              <a:t>join()</a:t>
             </a:r>
           </a:p>
           <a:p>
@@ -10507,7 +9860,10 @@
           <a:p>
             <a:pPr lvl="0"/>
             <a:r>
-              <a:rPr lang="x-none" altLang="x-none" dirty="0"/>
+              <a:rPr lang="x-none" altLang="x-none" dirty="0">
+                <a:latin typeface="Courier New" panose="02070309020205020404" pitchFamily="49" charset="0"/>
+                <a:cs typeface="Courier New" panose="02070309020205020404" pitchFamily="49" charset="0"/>
+              </a:rPr>
               <a:t>transform()</a:t>
             </a:r>
           </a:p>
@@ -10521,7 +9877,10 @@
           <a:p>
             <a:pPr lvl="0"/>
             <a:r>
-              <a:rPr lang="x-none" altLang="x-none" dirty="0"/>
+              <a:rPr lang="x-none" altLang="x-none" dirty="0">
+                <a:latin typeface="Courier New" panose="02070309020205020404" pitchFamily="49" charset="0"/>
+                <a:cs typeface="Courier New" panose="02070309020205020404" pitchFamily="49" charset="0"/>
+              </a:rPr>
               <a:t>union()</a:t>
             </a:r>
           </a:p>
@@ -10631,12 +9990,8 @@
           <a:p>
             <a:pPr lvl="0"/>
             <a:r>
-              <a:rPr lang="x-none" altLang="x-none"/>
-              <a:t>Currently</a:t>
-            </a:r>
-            <a:r>
               <a:rPr lang="x-none" altLang="x-none" dirty="0"/>
-              <a:t>, DStream instances provided three save operations</a:t>
+              <a:t>Currently, DStream instances provide three save operations</a:t>
             </a:r>
           </a:p>
           <a:p>
@@ -10657,22 +10012,34 @@
           <a:p>
             <a:pPr lvl="3"/>
             <a:r>
-              <a:rPr lang="x-none" altLang="x-none" dirty="0"/>
+              <a:rPr lang="x-none" altLang="x-none" dirty="0">
+                <a:latin typeface="Courier New" panose="02070309020205020404" pitchFamily="49" charset="0"/>
+                <a:cs typeface="Courier New" panose="02070309020205020404" pitchFamily="49" charset="0"/>
+              </a:rPr>
               <a:t>prefix-TIME_IN_MS.suffix</a:t>
             </a:r>
           </a:p>
           <a:p>
             <a:pPr lvl="0"/>
             <a:r>
-              <a:rPr lang="x-none" altLang="x-none" dirty="0"/>
+              <a:rPr lang="x-none" altLang="x-none" dirty="0">
+                <a:latin typeface="Courier New" panose="02070309020205020404" pitchFamily="49" charset="0"/>
+                <a:cs typeface="Courier New" panose="02070309020205020404" pitchFamily="49" charset="0"/>
+              </a:rPr>
               <a:t>saveAsTextFiles() </a:t>
             </a:r>
-            <a:endParaRPr lang="en-CA" altLang="x-none" dirty="0"/>
+            <a:endParaRPr lang="en-CA" altLang="x-none" dirty="0">
+              <a:latin typeface="Courier New" panose="02070309020205020404" pitchFamily="49" charset="0"/>
+              <a:cs typeface="Courier New" panose="02070309020205020404" pitchFamily="49" charset="0"/>
+            </a:endParaRPr>
           </a:p>
           <a:p>
             <a:pPr lvl="0"/>
             <a:r>
-              <a:rPr lang="x-none" altLang="x-none" dirty="0"/>
+              <a:rPr lang="x-none" altLang="x-none" dirty="0">
+                <a:latin typeface="Courier New" panose="02070309020205020404" pitchFamily="49" charset="0"/>
+                <a:cs typeface="Courier New" panose="02070309020205020404" pitchFamily="49" charset="0"/>
+              </a:rPr>
               <a:t>saveAsObjectFiles()</a:t>
             </a:r>
           </a:p>
@@ -10693,7 +10060,10 @@
           <a:p>
             <a:pPr lvl="0"/>
             <a:r>
-              <a:rPr lang="x-none" altLang="x-none" dirty="0"/>
+              <a:rPr lang="x-none" altLang="x-none" dirty="0">
+                <a:latin typeface="Courier New" panose="02070309020205020404" pitchFamily="49" charset="0"/>
+                <a:cs typeface="Courier New" panose="02070309020205020404" pitchFamily="49" charset="0"/>
+              </a:rPr>
               <a:t>saveAsHadoopFiles()</a:t>
             </a:r>
           </a:p>
@@ -10708,51 +10078,52 @@
             <a:pPr lvl="1"/>
             <a:r>
               <a:rPr lang="x-none" altLang="x-none" dirty="0"/>
-              <a:t>The DStream must contain(key, value</a:t>
-            </a:r>
-            <a:r>
-              <a:rPr lang="x-none" altLang="x-none"/>
-              <a:t>)pairs</a:t>
+              <a:t>The DStream must contain</a:t>
+            </a:r>
+            <a:r>
+              <a:rPr lang="en-US" altLang="x-none" dirty="0"/>
+              <a:t> </a:t>
+            </a:r>
+            <a:r>
+              <a:rPr lang="x-none" altLang="x-none" dirty="0"/>
+              <a:t>(key, value)</a:t>
+            </a:r>
+            <a:r>
+              <a:rPr lang="en-US" altLang="x-none" dirty="0"/>
+              <a:t> </a:t>
+            </a:r>
+            <a:r>
+              <a:rPr lang="x-none" altLang="x-none" dirty="0"/>
+              <a:t>pairs</a:t>
             </a:r>
             <a:endParaRPr lang="en-US" altLang="x-none" dirty="0"/>
           </a:p>
           <a:p>
             <a:r>
-              <a:rPr lang="en-US" dirty="0" err="1"/>
-              <a:t>foreachRDD</a:t>
-            </a:r>
+              <a:rPr lang="en-US" dirty="0">
+                <a:latin typeface="Courier New" panose="02070309020205020404" pitchFamily="49" charset="0"/>
+                <a:cs typeface="Courier New" panose="02070309020205020404" pitchFamily="49" charset="0"/>
+              </a:rPr>
+              <a:t>foreachRDD(func) </a:t>
+            </a:r>
+          </a:p>
+          <a:p>
+            <a:pPr lvl="1"/>
             <a:r>
               <a:rPr lang="en-US" dirty="0"/>
-              <a:t>(</a:t>
-            </a:r>
-            <a:r>
-              <a:rPr lang="en-US" dirty="0" err="1"/>
+              <a:t>Generic output operator that calls the </a:t>
+            </a:r>
+            <a:r>
+              <a:rPr lang="en-US" dirty="0">
+                <a:latin typeface="Courier New" panose="02070309020205020404" pitchFamily="49" charset="0"/>
+                <a:cs typeface="Courier New" panose="02070309020205020404" pitchFamily="49" charset="0"/>
+              </a:rPr>
               <a:t>func</a:t>
             </a:r>
             <a:r>
               <a:rPr lang="en-US" dirty="0"/>
-              <a:t>) </a:t>
-            </a:r>
-          </a:p>
-          <a:p>
-            <a:pPr lvl="1"/>
-            <a:r>
-              <a:rPr lang="en-US" dirty="0"/>
-              <a:t>generic output operator that calls the </a:t>
-            </a:r>
-            <a:r>
-              <a:rPr lang="en-US" dirty="0" err="1"/>
-              <a:t>func</a:t>
-            </a:r>
-            <a:r>
-              <a:rPr lang="en-US" dirty="0"/>
-              <a:t> for each </a:t>
-            </a:r>
-            <a:r>
-              <a:rPr lang="en-US" dirty="0" err="1"/>
-              <a:t>DStream</a:t>
-            </a:r>
-            <a:endParaRPr lang="en-US" dirty="0"/>
+              <a:t> for each DStream</a:t>
+            </a:r>
           </a:p>
         </p:txBody>
       </p:sp>
@@ -10824,22 +10195,45 @@
             <p:ph idx="1"/>
           </p:nvPr>
         </p:nvSpPr>
-        <p:spPr/>
+        <p:spPr>
+          <a:xfrm>
+            <a:off x="581025" y="1009310"/>
+            <a:ext cx="8020050" cy="5072616"/>
+          </a:xfrm>
+        </p:spPr>
         <p:txBody>
           <a:bodyPr/>
           <a:lstStyle/>
           <a:p>
             <a:pPr lvl="0"/>
             <a:r>
+              <a:rPr lang="x-none" altLang="x-none" dirty="0">
+                <a:latin typeface="Courier New" panose="02070309020205020404" pitchFamily="49" charset="0"/>
+                <a:cs typeface="Courier New" panose="02070309020205020404" pitchFamily="49" charset="0"/>
+              </a:rPr>
+              <a:t>fileStream()</a:t>
+            </a:r>
+            <a:r>
               <a:rPr lang="x-none" altLang="x-none" dirty="0"/>
-              <a:t>fileStream() monitors a file system directory</a:t>
+              <a:t> monitors a file system directory</a:t>
             </a:r>
           </a:p>
           <a:p>
             <a:pPr lvl="1"/>
             <a:r>
               <a:rPr lang="x-none" altLang="x-none" dirty="0"/>
-              <a:t>Called on a StreamingContext instance</a:t>
+              <a:t>Called on a </a:t>
+            </a:r>
+            <a:r>
+              <a:rPr lang="x-none" altLang="x-none" dirty="0">
+                <a:latin typeface="Courier New" panose="02070309020205020404" pitchFamily="49" charset="0"/>
+                <a:cs typeface="Courier New" panose="02070309020205020404" pitchFamily="49" charset="0"/>
+              </a:rPr>
+              <a:t>StreamingContext</a:t>
+            </a:r>
+            <a:r>
+              <a:rPr lang="x-none" altLang="x-none" dirty="0"/>
+              <a:t> instance</a:t>
             </a:r>
           </a:p>
           <a:p>
@@ -10853,7 +10247,15 @@
             <a:pPr lvl="0"/>
             <a:r>
               <a:rPr lang="x-none" altLang="x-none" dirty="0"/>
-              <a:t>Files must be created in, or copied/moved to the monitored directory</a:t>
+              <a:t>Files must be created in, or copied/moved to</a:t>
+            </a:r>
+            <a:r>
+              <a:rPr lang="en-US" altLang="x-none" dirty="0"/>
+              <a:t>,</a:t>
+            </a:r>
+            <a:r>
+              <a:rPr lang="x-none" altLang="x-none" dirty="0"/>
+              <a:t> the monitored directory</a:t>
             </a:r>
           </a:p>
           <a:p>
@@ -10867,21 +10269,54 @@
             <a:pPr lvl="1"/>
             <a:r>
               <a:rPr lang="x-none" altLang="x-none" dirty="0"/>
-              <a:t>File names starting with '.' are ignored</a:t>
+              <a:t>File names starting with </a:t>
+            </a:r>
+            <a:r>
+              <a:rPr lang="en-US" altLang="x-none" dirty="0"/>
+              <a:t>“</a:t>
+            </a:r>
+            <a:r>
+              <a:rPr lang="x-none" altLang="x-none" dirty="0">
+                <a:latin typeface="Courier New" panose="02070309020205020404" pitchFamily="49" charset="0"/>
+                <a:cs typeface="Courier New" panose="02070309020205020404" pitchFamily="49" charset="0"/>
+              </a:rPr>
+              <a:t>.</a:t>
+            </a:r>
+            <a:r>
+              <a:rPr lang="en-US" altLang="x-none" dirty="0">
+                <a:latin typeface="+mj-lt"/>
+                <a:cs typeface="Courier New" panose="02070309020205020404" pitchFamily="49" charset="0"/>
+              </a:rPr>
+              <a:t>”</a:t>
+            </a:r>
+            <a:r>
+              <a:rPr lang="x-none" altLang="x-none" dirty="0"/>
+              <a:t> are ignored</a:t>
             </a:r>
           </a:p>
           <a:p>
             <a:pPr lvl="2"/>
             <a:r>
               <a:rPr lang="x-none" altLang="x-none" dirty="0"/>
-              <a:t>A generic file name filter can be specified</a:t>
+              <a:t>A generic filename filter can be specified</a:t>
             </a:r>
           </a:p>
           <a:p>
             <a:pPr lvl="0"/>
             <a:r>
               <a:rPr lang="x-none" altLang="x-none" dirty="0"/>
-              <a:t>The textFileStream() method delegates to a TextInputFormat </a:t>
+              <a:t>The </a:t>
+            </a:r>
+            <a:r>
+              <a:rPr lang="x-none" altLang="x-none" dirty="0">
+                <a:latin typeface="Courier New" panose="02070309020205020404" pitchFamily="49" charset="0"/>
+                <a:cs typeface="Courier New" panose="02070309020205020404" pitchFamily="49" charset="0"/>
+              </a:rPr>
+              <a:t>textFileStream()</a:t>
+            </a:r>
+            <a:r>
+              <a:rPr lang="x-none" altLang="x-none" dirty="0"/>
+              <a:t> method delegates to a TextInputFormat </a:t>
             </a:r>
             <a:endParaRPr lang="en-CA" altLang="x-none" dirty="0"/>
           </a:p>
@@ -10915,295 +10350,6 @@
               <a:latin typeface="Courier New" panose="02070309020205020404" pitchFamily="49" charset="0"/>
               <a:cs typeface="Courier New" panose="02070309020205020404" pitchFamily="49" charset="0"/>
             </a:endParaRPr>
-          </a:p>
-          <a:p>
-            <a:pPr marL="0" lvl="0" indent="0">
-              <a:spcBef>
-                <a:spcPts val="0"/>
-              </a:spcBef>
-              <a:buNone/>
-            </a:pPr>
-            <a:r>
-              <a:rPr lang="en-US" altLang="x-none" sz="1200" dirty="0" err="1">
-                <a:latin typeface="Courier New" panose="02070309020205020404" pitchFamily="49" charset="0"/>
-                <a:cs typeface="Courier New" panose="02070309020205020404" pitchFamily="49" charset="0"/>
-              </a:rPr>
-              <a:t>ssc</a:t>
-            </a:r>
-            <a:r>
-              <a:rPr lang="en-US" altLang="x-none" sz="1200" dirty="0">
-                <a:latin typeface="Courier New" panose="02070309020205020404" pitchFamily="49" charset="0"/>
-                <a:cs typeface="Courier New" panose="02070309020205020404" pitchFamily="49" charset="0"/>
-              </a:rPr>
-              <a:t> = </a:t>
-            </a:r>
-            <a:r>
-              <a:rPr lang="en-US" altLang="x-none" sz="1200" dirty="0" err="1">
-                <a:latin typeface="Courier New" panose="02070309020205020404" pitchFamily="49" charset="0"/>
-                <a:cs typeface="Courier New" panose="02070309020205020404" pitchFamily="49" charset="0"/>
-              </a:rPr>
-              <a:t>StreamingContext</a:t>
-            </a:r>
-            <a:r>
-              <a:rPr lang="en-US" altLang="x-none" sz="1200" dirty="0">
-                <a:latin typeface="Courier New" panose="02070309020205020404" pitchFamily="49" charset="0"/>
-                <a:cs typeface="Courier New" panose="02070309020205020404" pitchFamily="49" charset="0"/>
-              </a:rPr>
-              <a:t>(</a:t>
-            </a:r>
-            <a:r>
-              <a:rPr lang="en-US" altLang="x-none" sz="1200" dirty="0" err="1">
-                <a:latin typeface="Courier New" panose="02070309020205020404" pitchFamily="49" charset="0"/>
-                <a:cs typeface="Courier New" panose="02070309020205020404" pitchFamily="49" charset="0"/>
-              </a:rPr>
-              <a:t>sc</a:t>
-            </a:r>
-            <a:r>
-              <a:rPr lang="en-US" altLang="x-none" sz="1200" dirty="0">
-                <a:latin typeface="Courier New" panose="02070309020205020404" pitchFamily="49" charset="0"/>
-                <a:cs typeface="Courier New" panose="02070309020205020404" pitchFamily="49" charset="0"/>
-              </a:rPr>
-              <a:t>, 5)</a:t>
-            </a:r>
-          </a:p>
-          <a:p>
-            <a:pPr marL="0" lvl="0" indent="0">
-              <a:spcBef>
-                <a:spcPts val="0"/>
-              </a:spcBef>
-              <a:buNone/>
-            </a:pPr>
-            <a:r>
-              <a:rPr lang="en-US" altLang="x-none" sz="1200" dirty="0">
-                <a:latin typeface="Courier New" panose="02070309020205020404" pitchFamily="49" charset="0"/>
-                <a:cs typeface="Courier New" panose="02070309020205020404" pitchFamily="49" charset="0"/>
-              </a:rPr>
-              <a:t>lines = </a:t>
-            </a:r>
-            <a:r>
-              <a:rPr lang="en-US" altLang="x-none" sz="1200" dirty="0" err="1">
-                <a:latin typeface="Courier New" panose="02070309020205020404" pitchFamily="49" charset="0"/>
-                <a:cs typeface="Courier New" panose="02070309020205020404" pitchFamily="49" charset="0"/>
-              </a:rPr>
-              <a:t>ssc.textFileStream</a:t>
-            </a:r>
-            <a:r>
-              <a:rPr lang="en-US" altLang="x-none" sz="1200" dirty="0">
-                <a:latin typeface="Courier New" panose="02070309020205020404" pitchFamily="49" charset="0"/>
-                <a:cs typeface="Courier New" panose="02070309020205020404" pitchFamily="49" charset="0"/>
-              </a:rPr>
-              <a:t>('stream')</a:t>
-            </a:r>
-          </a:p>
-          <a:p>
-            <a:pPr marL="0" lvl="0" indent="0">
-              <a:spcBef>
-                <a:spcPts val="0"/>
-              </a:spcBef>
-              <a:buNone/>
-            </a:pPr>
-            <a:r>
-              <a:rPr lang="en-US" altLang="x-none" sz="1200" dirty="0">
-                <a:latin typeface="Courier New" panose="02070309020205020404" pitchFamily="49" charset="0"/>
-                <a:cs typeface="Courier New" panose="02070309020205020404" pitchFamily="49" charset="0"/>
-              </a:rPr>
-              <a:t>words = </a:t>
-            </a:r>
-            <a:r>
-              <a:rPr lang="en-US" altLang="x-none" sz="1200" dirty="0" err="1">
-                <a:latin typeface="Courier New" panose="02070309020205020404" pitchFamily="49" charset="0"/>
-                <a:cs typeface="Courier New" panose="02070309020205020404" pitchFamily="49" charset="0"/>
-              </a:rPr>
-              <a:t>lines.flatMap</a:t>
-            </a:r>
-            <a:r>
-              <a:rPr lang="en-US" altLang="x-none" sz="1200" dirty="0">
-                <a:latin typeface="Courier New" panose="02070309020205020404" pitchFamily="49" charset="0"/>
-                <a:cs typeface="Courier New" panose="02070309020205020404" pitchFamily="49" charset="0"/>
-              </a:rPr>
-              <a:t>(lambda line: </a:t>
-            </a:r>
-            <a:r>
-              <a:rPr lang="en-US" altLang="x-none" sz="1200" dirty="0" err="1">
-                <a:latin typeface="Courier New" panose="02070309020205020404" pitchFamily="49" charset="0"/>
-                <a:cs typeface="Courier New" panose="02070309020205020404" pitchFamily="49" charset="0"/>
-              </a:rPr>
-              <a:t>line.split</a:t>
-            </a:r>
-            <a:r>
-              <a:rPr lang="en-US" altLang="x-none" sz="1200" dirty="0">
-                <a:latin typeface="Courier New" panose="02070309020205020404" pitchFamily="49" charset="0"/>
-                <a:cs typeface="Courier New" panose="02070309020205020404" pitchFamily="49" charset="0"/>
-              </a:rPr>
-              <a:t>(' '))</a:t>
-            </a:r>
-          </a:p>
-          <a:p>
-            <a:pPr marL="0" lvl="0" indent="0">
-              <a:spcBef>
-                <a:spcPts val="0"/>
-              </a:spcBef>
-              <a:buNone/>
-            </a:pPr>
-            <a:r>
-              <a:rPr lang="en-US" altLang="x-none" sz="1200" dirty="0">
-                <a:latin typeface="Courier New" panose="02070309020205020404" pitchFamily="49" charset="0"/>
-                <a:cs typeface="Courier New" panose="02070309020205020404" pitchFamily="49" charset="0"/>
-              </a:rPr>
-              <a:t>pairs = </a:t>
-            </a:r>
-            <a:r>
-              <a:rPr lang="en-US" altLang="x-none" sz="1200" dirty="0" err="1">
-                <a:latin typeface="Courier New" panose="02070309020205020404" pitchFamily="49" charset="0"/>
-                <a:cs typeface="Courier New" panose="02070309020205020404" pitchFamily="49" charset="0"/>
-              </a:rPr>
-              <a:t>words.map</a:t>
-            </a:r>
-            <a:r>
-              <a:rPr lang="en-US" altLang="x-none" sz="1200" dirty="0">
-                <a:latin typeface="Courier New" panose="02070309020205020404" pitchFamily="49" charset="0"/>
-                <a:cs typeface="Courier New" panose="02070309020205020404" pitchFamily="49" charset="0"/>
-              </a:rPr>
-              <a:t>(lambda w: (w, 1))</a:t>
-            </a:r>
-          </a:p>
-          <a:p>
-            <a:pPr marL="0" lvl="0" indent="0">
-              <a:spcBef>
-                <a:spcPts val="0"/>
-              </a:spcBef>
-              <a:buNone/>
-            </a:pPr>
-            <a:r>
-              <a:rPr lang="en-US" altLang="x-none" sz="1200" dirty="0" err="1">
-                <a:latin typeface="Courier New" panose="02070309020205020404" pitchFamily="49" charset="0"/>
-                <a:cs typeface="Courier New" panose="02070309020205020404" pitchFamily="49" charset="0"/>
-              </a:rPr>
-              <a:t>wordCount</a:t>
-            </a:r>
-            <a:r>
-              <a:rPr lang="en-US" altLang="x-none" sz="1200" dirty="0">
-                <a:latin typeface="Courier New" panose="02070309020205020404" pitchFamily="49" charset="0"/>
-                <a:cs typeface="Courier New" panose="02070309020205020404" pitchFamily="49" charset="0"/>
-              </a:rPr>
-              <a:t> = </a:t>
-            </a:r>
-            <a:r>
-              <a:rPr lang="en-US" altLang="x-none" sz="1200" dirty="0" err="1">
-                <a:latin typeface="Courier New" panose="02070309020205020404" pitchFamily="49" charset="0"/>
-                <a:cs typeface="Courier New" panose="02070309020205020404" pitchFamily="49" charset="0"/>
-              </a:rPr>
-              <a:t>pairs.reduceByKey</a:t>
-            </a:r>
-            <a:r>
-              <a:rPr lang="en-US" altLang="x-none" sz="1200" dirty="0">
-                <a:latin typeface="Courier New" panose="02070309020205020404" pitchFamily="49" charset="0"/>
-                <a:cs typeface="Courier New" panose="02070309020205020404" pitchFamily="49" charset="0"/>
-              </a:rPr>
-              <a:t>(lambda x, y : x + y).transform(lambda x : </a:t>
-            </a:r>
-            <a:r>
-              <a:rPr lang="en-US" altLang="x-none" sz="1200" dirty="0" err="1">
-                <a:latin typeface="Courier New" panose="02070309020205020404" pitchFamily="49" charset="0"/>
-                <a:cs typeface="Courier New" panose="02070309020205020404" pitchFamily="49" charset="0"/>
-              </a:rPr>
-              <a:t>x.sortBy</a:t>
-            </a:r>
-            <a:r>
-              <a:rPr lang="en-US" altLang="x-none" sz="1200" dirty="0">
-                <a:latin typeface="Courier New" panose="02070309020205020404" pitchFamily="49" charset="0"/>
-                <a:cs typeface="Courier New" panose="02070309020205020404" pitchFamily="49" charset="0"/>
-              </a:rPr>
-              <a:t>(lambda x : -x[1]))</a:t>
-            </a:r>
-          </a:p>
-          <a:p>
-            <a:pPr marL="0" lvl="0" indent="0">
-              <a:spcBef>
-                <a:spcPts val="0"/>
-              </a:spcBef>
-              <a:buNone/>
-            </a:pPr>
-            <a:r>
-              <a:rPr lang="en-US" altLang="x-none" sz="1200" dirty="0" err="1">
-                <a:latin typeface="Courier New" panose="02070309020205020404" pitchFamily="49" charset="0"/>
-                <a:cs typeface="Courier New" panose="02070309020205020404" pitchFamily="49" charset="0"/>
-              </a:rPr>
-              <a:t>wordCount.pprint</a:t>
-            </a:r>
-            <a:r>
-              <a:rPr lang="en-US" altLang="x-none" sz="1200" dirty="0">
-                <a:latin typeface="Courier New" panose="02070309020205020404" pitchFamily="49" charset="0"/>
-                <a:cs typeface="Courier New" panose="02070309020205020404" pitchFamily="49" charset="0"/>
-              </a:rPr>
-              <a:t>()</a:t>
-            </a:r>
-          </a:p>
-          <a:p>
-            <a:pPr marL="0" lvl="0" indent="0">
-              <a:spcBef>
-                <a:spcPts val="0"/>
-              </a:spcBef>
-              <a:buNone/>
-            </a:pPr>
-            <a:r>
-              <a:rPr lang="en-US" altLang="x-none" sz="1200" dirty="0" err="1">
-                <a:latin typeface="Courier New" panose="02070309020205020404" pitchFamily="49" charset="0"/>
-                <a:cs typeface="Courier New" panose="02070309020205020404" pitchFamily="49" charset="0"/>
-              </a:rPr>
-              <a:t>ssc.start</a:t>
-            </a:r>
-            <a:r>
-              <a:rPr lang="en-US" altLang="x-none" sz="1200" dirty="0">
-                <a:latin typeface="Courier New" panose="02070309020205020404" pitchFamily="49" charset="0"/>
-                <a:cs typeface="Courier New" panose="02070309020205020404" pitchFamily="49" charset="0"/>
-              </a:rPr>
-              <a:t>()</a:t>
-            </a:r>
-          </a:p>
-          <a:p>
-            <a:pPr marL="0" lvl="0" indent="0">
-              <a:spcBef>
-                <a:spcPts val="0"/>
-              </a:spcBef>
-              <a:buNone/>
-            </a:pPr>
-            <a:r>
-              <a:rPr lang="en-US" altLang="x-none" sz="1200" dirty="0" err="1">
-                <a:latin typeface="Courier New" panose="02070309020205020404" pitchFamily="49" charset="0"/>
-                <a:cs typeface="Courier New" panose="02070309020205020404" pitchFamily="49" charset="0"/>
-              </a:rPr>
-              <a:t>ssc.awaitTerminationOrTimeout</a:t>
-            </a:r>
-            <a:r>
-              <a:rPr lang="en-US" altLang="x-none" sz="1200" dirty="0">
-                <a:latin typeface="Courier New" panose="02070309020205020404" pitchFamily="49" charset="0"/>
-                <a:cs typeface="Courier New" panose="02070309020205020404" pitchFamily="49" charset="0"/>
-              </a:rPr>
-              <a:t>(10000)</a:t>
-            </a:r>
-          </a:p>
-          <a:p>
-            <a:pPr marL="0" lvl="0" indent="0">
-              <a:spcBef>
-                <a:spcPts val="0"/>
-              </a:spcBef>
-              <a:buNone/>
-            </a:pPr>
-            <a:r>
-              <a:rPr lang="en-US" altLang="x-none" sz="1200" dirty="0" err="1">
-                <a:latin typeface="Courier New" panose="02070309020205020404" pitchFamily="49" charset="0"/>
-                <a:cs typeface="Courier New" panose="02070309020205020404" pitchFamily="49" charset="0"/>
-              </a:rPr>
-              <a:t>ssc.stop</a:t>
-            </a:r>
-            <a:r>
-              <a:rPr lang="en-US" altLang="x-none" sz="1200" dirty="0">
-                <a:latin typeface="Courier New" panose="02070309020205020404" pitchFamily="49" charset="0"/>
-                <a:cs typeface="Courier New" panose="02070309020205020404" pitchFamily="49" charset="0"/>
-              </a:rPr>
-              <a:t>()</a:t>
-            </a:r>
           </a:p>
           <a:p>
             <a:endParaRPr lang="en-US" dirty="0"/>
@@ -11234,20 +10380,20 @@
       </p:sp>
       <p:sp>
         <p:nvSpPr>
-          <p:cNvPr id="9" name="Rectangle 8">
+          <p:cNvPr id="2" name="TextBox 1">
             <a:extLst>
               <a:ext uri="{FF2B5EF4-FFF2-40B4-BE49-F238E27FC236}">
-                <a16:creationId xmlns:a16="http://schemas.microsoft.com/office/drawing/2014/main" id="{5636819A-7966-45F4-8810-C8FF4D34983B}"/>
+                <a16:creationId xmlns:a16="http://schemas.microsoft.com/office/drawing/2014/main" id="{44095CD7-0F39-4A31-989A-834D75EBD3E7}"/>
               </a:ext>
             </a:extLst>
           </p:cNvPr>
-          <p:cNvSpPr/>
+          <p:cNvSpPr txBox="1"/>
           <p:nvPr/>
         </p:nvSpPr>
-        <p:spPr bwMode="auto">
+        <p:spPr>
           <a:xfrm>
-            <a:off x="539014" y="4389120"/>
-            <a:ext cx="8239225" cy="1985554"/>
+            <a:off x="645890" y="4097830"/>
+            <a:ext cx="7852220" cy="2246769"/>
           </a:xfrm>
           <a:prstGeom prst="rect">
             <a:avLst/>
@@ -11260,25 +10406,124 @@
                 <a:lumOff val="80000"/>
               </a:schemeClr>
             </a:solidFill>
-            <a:round/>
+            <a:miter lim="800000"/>
             <a:headEnd/>
             <a:tailEnd/>
           </a:ln>
           <a:effectLst/>
         </p:spPr>
         <p:txBody>
-          <a:bodyPr wrap="square" rtlCol="0" anchor="ctr">
+          <a:bodyPr wrap="square" rtlCol="0">
             <a:spAutoFit/>
           </a:bodyPr>
           <a:lstStyle/>
           <a:p>
-            <a:pPr algn="ctr"/>
-            <a:endParaRPr lang="en-US" sz="1600" dirty="0">
-              <a:solidFill>
-                <a:schemeClr val="tx1"/>
-              </a:solidFill>
-              <a:latin typeface="+mn-lt"/>
-            </a:endParaRPr>
+            <a:r>
+              <a:rPr lang="en-US" sz="1400" dirty="0">
+                <a:solidFill>
+                  <a:schemeClr val="tx1"/>
+                </a:solidFill>
+                <a:latin typeface="Courier New" panose="02070309020205020404" pitchFamily="49" charset="0"/>
+                <a:cs typeface="Courier New" panose="02070309020205020404" pitchFamily="49" charset="0"/>
+              </a:rPr>
+              <a:t>ssc = StreamingContext(sc, 5)</a:t>
+            </a:r>
+          </a:p>
+          <a:p>
+            <a:r>
+              <a:rPr lang="en-US" sz="1400" dirty="0">
+                <a:solidFill>
+                  <a:schemeClr val="tx1"/>
+                </a:solidFill>
+                <a:latin typeface="Courier New" panose="02070309020205020404" pitchFamily="49" charset="0"/>
+                <a:cs typeface="Courier New" panose="02070309020205020404" pitchFamily="49" charset="0"/>
+              </a:rPr>
+              <a:t>lines = ssc.textFileStream('stream')</a:t>
+            </a:r>
+          </a:p>
+          <a:p>
+            <a:r>
+              <a:rPr lang="en-US" sz="1400" dirty="0">
+                <a:solidFill>
+                  <a:schemeClr val="tx1"/>
+                </a:solidFill>
+                <a:latin typeface="Courier New" panose="02070309020205020404" pitchFamily="49" charset="0"/>
+                <a:cs typeface="Courier New" panose="02070309020205020404" pitchFamily="49" charset="0"/>
+              </a:rPr>
+              <a:t>words = lines.flatMap(lambda line: line.split(' '))</a:t>
+            </a:r>
+          </a:p>
+          <a:p>
+            <a:r>
+              <a:rPr lang="en-US" sz="1400" dirty="0">
+                <a:solidFill>
+                  <a:schemeClr val="tx1"/>
+                </a:solidFill>
+                <a:latin typeface="Courier New" panose="02070309020205020404" pitchFamily="49" charset="0"/>
+                <a:cs typeface="Courier New" panose="02070309020205020404" pitchFamily="49" charset="0"/>
+              </a:rPr>
+              <a:t>pairs = words.map(lambda w: (w, 1))</a:t>
+            </a:r>
+          </a:p>
+          <a:p>
+            <a:r>
+              <a:rPr lang="en-US" sz="1400" dirty="0">
+                <a:solidFill>
+                  <a:schemeClr val="tx1"/>
+                </a:solidFill>
+                <a:latin typeface="Courier New" panose="02070309020205020404" pitchFamily="49" charset="0"/>
+                <a:cs typeface="Courier New" panose="02070309020205020404" pitchFamily="49" charset="0"/>
+              </a:rPr>
+              <a:t>wordCount = pairs.reduceByKey(lambda x, y : x + y).transform(lambda x : x.sortBy(lambda x : -x[1]))</a:t>
+            </a:r>
+          </a:p>
+          <a:p>
+            <a:r>
+              <a:rPr lang="en-US" sz="1400" dirty="0">
+                <a:solidFill>
+                  <a:schemeClr val="tx1"/>
+                </a:solidFill>
+                <a:latin typeface="Courier New" panose="02070309020205020404" pitchFamily="49" charset="0"/>
+                <a:cs typeface="Courier New" panose="02070309020205020404" pitchFamily="49" charset="0"/>
+              </a:rPr>
+              <a:t>wordCount.pprint()</a:t>
+            </a:r>
+          </a:p>
+          <a:p>
+            <a:r>
+              <a:rPr lang="en-US" sz="1400" dirty="0">
+                <a:solidFill>
+                  <a:schemeClr val="tx1"/>
+                </a:solidFill>
+                <a:latin typeface="Courier New" panose="02070309020205020404" pitchFamily="49" charset="0"/>
+                <a:cs typeface="Courier New" panose="02070309020205020404" pitchFamily="49" charset="0"/>
+              </a:rPr>
+              <a:t>ssc.start()</a:t>
+            </a:r>
+          </a:p>
+          <a:p>
+            <a:r>
+              <a:rPr lang="en-US" sz="1400" dirty="0">
+                <a:solidFill>
+                  <a:schemeClr val="tx1"/>
+                </a:solidFill>
+                <a:latin typeface="Courier New" panose="02070309020205020404" pitchFamily="49" charset="0"/>
+                <a:cs typeface="Courier New" panose="02070309020205020404" pitchFamily="49" charset="0"/>
+              </a:rPr>
+              <a:t>ssc.awaitTerminationOrTimeout(10000)</a:t>
+            </a:r>
+          </a:p>
+          <a:p>
+            <a:r>
+              <a:rPr lang="en-US" sz="1400" dirty="0">
+                <a:solidFill>
+                  <a:schemeClr val="tx1"/>
+                </a:solidFill>
+                <a:latin typeface="Courier New" panose="02070309020205020404" pitchFamily="49" charset="0"/>
+                <a:cs typeface="Courier New" panose="02070309020205020404" pitchFamily="49" charset="0"/>
+              </a:rPr>
+              <a:t>ssc.stop()</a:t>
+            </a:r>
           </a:p>
         </p:txBody>
       </p:sp>
@@ -12498,20 +11743,6 @@
 </file>
 
 <file path=customXml/item1.xml><?xml version="1.0" encoding="utf-8"?>
-<p:properties xmlns:p="http://schemas.microsoft.com/office/2006/metadata/properties" xmlns:xsi="http://www.w3.org/2001/XMLSchema-instance" xmlns:pc="http://schemas.microsoft.com/office/infopath/2007/PartnerControls">
-  <documentManagement>
-    <_dlc_DocId xmlns="037063e9-a85e-4c78-8627-f1a9315663e5">EVEA5JW6U4JV-6-9775</_dlc_DocId>
-    <_dlc_DocIdUrl xmlns="037063e9-a85e-4c78-8627-f1a9315663e5">
-      <Url>https://portal.roitraining.com/Courses/_layouts/DocIdRedir.aspx?ID=EVEA5JW6U4JV-6-9775</Url>
-      <Description>EVEA5JW6U4JV-6-9775</Description>
-    </_dlc_DocIdUrl>
-    <Date_x0020_last_x0020_used xmlns="027ed24f-5970-4294-be5c-0919c5aaa214" xsi:nil="true"/>
-    <Customization_x0020_Information xmlns="027ed24f-5970-4294-be5c-0919c5aaa214" xsi:nil="true"/>
-  </documentManagement>
-</p:properties>
-</file>
-
-<file path=customXml/item2.xml><?xml version="1.0" encoding="utf-8"?>
 <?mso-contentType ?>
 <spe:Receivers xmlns:spe="http://schemas.microsoft.com/sharepoint/events">
   <Receiver>
@@ -12557,16 +11788,21 @@
 </spe:Receivers>
 </file>
 
-<file path=customXml/item3.xml><?xml version="1.0" encoding="utf-8"?>
-<?mso-contentType ?>
-<FormTemplates xmlns="http://schemas.microsoft.com/sharepoint/v3/contenttype/forms">
-  <Display>DocumentLibraryForm</Display>
-  <Edit>DocumentLibraryForm</Edit>
-  <New>DocumentLibraryForm</New>
-</FormTemplates>
+<file path=customXml/item2.xml><?xml version="1.0" encoding="utf-8"?>
+<p:properties xmlns:p="http://schemas.microsoft.com/office/2006/metadata/properties" xmlns:xsi="http://www.w3.org/2001/XMLSchema-instance" xmlns:pc="http://schemas.microsoft.com/office/infopath/2007/PartnerControls">
+  <documentManagement>
+    <_dlc_DocId xmlns="037063e9-a85e-4c78-8627-f1a9315663e5">EVEA5JW6U4JV-6-9775</_dlc_DocId>
+    <_dlc_DocIdUrl xmlns="037063e9-a85e-4c78-8627-f1a9315663e5">
+      <Url>https://portal.roitraining.com/Courses/_layouts/DocIdRedir.aspx?ID=EVEA5JW6U4JV-6-9775</Url>
+      <Description>EVEA5JW6U4JV-6-9775</Description>
+    </_dlc_DocIdUrl>
+    <Date_x0020_last_x0020_used xmlns="027ed24f-5970-4294-be5c-0919c5aaa214" xsi:nil="true"/>
+    <Customization_x0020_Information xmlns="027ed24f-5970-4294-be5c-0919c5aaa214" xsi:nil="true"/>
+  </documentManagement>
+</p:properties>
 </file>
 
-<file path=customXml/item4.xml><?xml version="1.0" encoding="utf-8"?>
+<file path=customXml/item3.xml><?xml version="1.0" encoding="utf-8"?>
 <ct:contentTypeSchema xmlns:ct="http://schemas.microsoft.com/office/2006/metadata/contentType" xmlns:ma="http://schemas.microsoft.com/office/2006/metadata/properties/metaAttributes" ct:_="" ma:_="" ma:contentTypeName="Document" ma:contentTypeID="0x0101006B08A054FD435346B287BB258D6D8C2A" ma:contentTypeVersion="2" ma:contentTypeDescription="Create a new document." ma:contentTypeScope="" ma:versionID="6146b90b4382322d8952632f355192b7">
   <xsd:schema xmlns:xsd="http://www.w3.org/2001/XMLSchema" xmlns:xs="http://www.w3.org/2001/XMLSchema" xmlns:p="http://schemas.microsoft.com/office/2006/metadata/properties" xmlns:ns2="027ed24f-5970-4294-be5c-0919c5aaa214" xmlns:ns3="037063e9-a85e-4c78-8627-f1a9315663e5" targetNamespace="http://schemas.microsoft.com/office/2006/metadata/properties" ma:root="true" ma:fieldsID="b5d91f802dafd2e22aeea528efbe2d3e" ns2:_="" ns3:_="">
     <xsd:import namespace="027ed24f-5970-4294-be5c-0919c5aaa214"/>
@@ -12732,7 +11968,24 @@
 </ct:contentTypeSchema>
 </file>
 
+<file path=customXml/item4.xml><?xml version="1.0" encoding="utf-8"?>
+<?mso-contentType ?>
+<FormTemplates xmlns="http://schemas.microsoft.com/sharepoint/v3/contenttype/forms">
+  <Display>DocumentLibraryForm</Display>
+  <Edit>DocumentLibraryForm</Edit>
+  <New>DocumentLibraryForm</New>
+</FormTemplates>
+</file>
+
 <file path=customXml/itemProps1.xml><?xml version="1.0" encoding="utf-8"?>
+<ds:datastoreItem xmlns:ds="http://schemas.openxmlformats.org/officeDocument/2006/customXml" ds:itemID="{B9043294-8302-4947-B882-02D6486F929C}">
+  <ds:schemaRefs>
+    <ds:schemaRef ds:uri="http://schemas.microsoft.com/sharepoint/events"/>
+  </ds:schemaRefs>
+</ds:datastoreItem>
+</file>
+
+<file path=customXml/itemProps2.xml><?xml version="1.0" encoding="utf-8"?>
 <ds:datastoreItem xmlns:ds="http://schemas.openxmlformats.org/officeDocument/2006/customXml" ds:itemID="{F47B9207-CE5C-49AD-B414-15CBFA246D65}">
   <ds:schemaRefs>
     <ds:schemaRef ds:uri="http://schemas.microsoft.com/office/2006/metadata/properties"/>
@@ -12743,23 +11996,7 @@
 </ds:datastoreItem>
 </file>
 
-<file path=customXml/itemProps2.xml><?xml version="1.0" encoding="utf-8"?>
-<ds:datastoreItem xmlns:ds="http://schemas.openxmlformats.org/officeDocument/2006/customXml" ds:itemID="{B9043294-8302-4947-B882-02D6486F929C}">
-  <ds:schemaRefs>
-    <ds:schemaRef ds:uri="http://schemas.microsoft.com/sharepoint/events"/>
-  </ds:schemaRefs>
-</ds:datastoreItem>
-</file>
-
 <file path=customXml/itemProps3.xml><?xml version="1.0" encoding="utf-8"?>
-<ds:datastoreItem xmlns:ds="http://schemas.openxmlformats.org/officeDocument/2006/customXml" ds:itemID="{2DA015F3-603C-4688-A5F3-81D587DAB8C9}">
-  <ds:schemaRefs>
-    <ds:schemaRef ds:uri="http://schemas.microsoft.com/sharepoint/v3/contenttype/forms"/>
-  </ds:schemaRefs>
-</ds:datastoreItem>
-</file>
-
-<file path=customXml/itemProps4.xml><?xml version="1.0" encoding="utf-8"?>
 <ds:datastoreItem xmlns:ds="http://schemas.openxmlformats.org/officeDocument/2006/customXml" ds:itemID="{C4B97901-086A-43FB-9CDE-81946CD251DD}">
   <ds:schemaRefs>
     <ds:schemaRef ds:uri="http://schemas.microsoft.com/office/2006/metadata/contentType"/>
@@ -12776,4 +12013,12 @@
     <ds:schemaRef ds:uri="http://schemas.microsoft.com/internal/obd"/>
   </ds:schemaRefs>
 </ds:datastoreItem>
+</file>
+
+<file path=customXml/itemProps4.xml><?xml version="1.0" encoding="utf-8"?>
+<ds:datastoreItem xmlns:ds="http://schemas.openxmlformats.org/officeDocument/2006/customXml" ds:itemID="{2DA015F3-603C-4688-A5F3-81D587DAB8C9}">
+  <ds:schemaRefs>
+    <ds:schemaRef ds:uri="http://schemas.microsoft.com/sharepoint/v3/contenttype/forms"/>
+  </ds:schemaRefs>
+</ds:datastoreItem>
 </file>